--- a/集合.pptx
+++ b/集合.pptx
@@ -1,12 +1,14 @@
 
 <file path=ppt/presentation.xml><?xml version="1.0" encoding="utf-8"?>
-<p:presentation xmlns:a="http://schemas.openxmlformats.org/drawingml/2006/main" xmlns:r="http://schemas.openxmlformats.org/officeDocument/2006/relationships" xmlns:p="http://schemas.openxmlformats.org/presentationml/2006/main" saveSubsetFonts="1">
+<p:presentation xmlns:a="http://schemas.openxmlformats.org/drawingml/2006/main" xmlns:r="http://schemas.openxmlformats.org/officeDocument/2006/relationships" xmlns:p="http://schemas.openxmlformats.org/presentationml/2006/main">
   <p:sldMasterIdLst>
     <p:sldMasterId id="2147483648" r:id="rId1"/>
+    <p:sldMasterId id="2147483660" r:id="rId3"/>
   </p:sldMasterIdLst>
   <p:sldIdLst>
-    <p:sldId id="256" r:id="rId2"/>
-    <p:sldId id="257" r:id="rId3"/>
+    <p:sldId id="256" r:id="rId4"/>
+    <p:sldId id="257" r:id="rId5"/>
+    <p:sldId id="258" r:id="rId6"/>
   </p:sldIdLst>
   <p:sldSz cx="12192000" cy="6858000"/>
   <p:notesSz cx="6858000" cy="9144000"/>
@@ -105,11 +107,6 @@
       </a:defRPr>
     </a:lvl9pPr>
   </p:defaultTextStyle>
-  <p:extLst>
-    <p:ext uri="{EFAFB233-063F-42B5-8137-9DF3F51BA10A}">
-      <p15:sldGuideLst xmlns:p15="http://schemas.microsoft.com/office/powerpoint/2012/main"/>
-    </p:ext>
-  </p:extLst>
 </p:presentation>
 </file>
 
@@ -132,13 +129,7 @@
       </p:grpSpPr>
       <p:sp>
         <p:nvSpPr>
-          <p:cNvPr id="2" name="标题 1">
-            <a:extLst>
-              <a:ext uri="{FF2B5EF4-FFF2-40B4-BE49-F238E27FC236}">
-                <a16:creationId xmlns:a16="http://schemas.microsoft.com/office/drawing/2014/main" id="{CAB5B2FA-B53D-48E0-96D4-949DBBA8FF6F}"/>
-              </a:ext>
-            </a:extLst>
-          </p:cNvPr>
+          <p:cNvPr id="2" name="标题 1"/>
           <p:cNvSpPr>
             <a:spLocks noGrp="1"/>
           </p:cNvSpPr>
@@ -164,18 +155,13 @@
               <a:rPr lang="zh-CN" altLang="en-US"/>
               <a:t>单击此处编辑母版标题样式</a:t>
             </a:r>
-          </a:p>
-        </p:txBody>
-      </p:sp>
-      <p:sp>
-        <p:nvSpPr>
-          <p:cNvPr id="3" name="副标题 2">
-            <a:extLst>
-              <a:ext uri="{FF2B5EF4-FFF2-40B4-BE49-F238E27FC236}">
-                <a16:creationId xmlns:a16="http://schemas.microsoft.com/office/drawing/2014/main" id="{BF4FF4CF-84E6-46A2-8114-C2DE0FB28BED}"/>
-              </a:ext>
-            </a:extLst>
-          </p:cNvPr>
+            <a:endParaRPr lang="zh-CN" altLang="en-US"/>
+          </a:p>
+        </p:txBody>
+      </p:sp>
+      <p:sp>
+        <p:nvSpPr>
+          <p:cNvPr id="3" name="副标题 2"/>
           <p:cNvSpPr>
             <a:spLocks noGrp="1"/>
           </p:cNvSpPr>
@@ -234,18 +220,13 @@
               <a:rPr lang="zh-CN" altLang="en-US"/>
               <a:t>单击此处编辑母版副标题样式</a:t>
             </a:r>
-          </a:p>
-        </p:txBody>
-      </p:sp>
-      <p:sp>
-        <p:nvSpPr>
-          <p:cNvPr id="4" name="日期占位符 3">
-            <a:extLst>
-              <a:ext uri="{FF2B5EF4-FFF2-40B4-BE49-F238E27FC236}">
-                <a16:creationId xmlns:a16="http://schemas.microsoft.com/office/drawing/2014/main" id="{B33B3B0A-676B-4EFF-B10E-CBD1FA3BC25B}"/>
-              </a:ext>
-            </a:extLst>
-          </p:cNvPr>
+            <a:endParaRPr lang="zh-CN" altLang="en-US"/>
+          </a:p>
+        </p:txBody>
+      </p:sp>
+      <p:sp>
+        <p:nvSpPr>
+          <p:cNvPr id="4" name="日期占位符 3"/>
           <p:cNvSpPr>
             <a:spLocks noGrp="1"/>
           </p:cNvSpPr>
@@ -260,7 +241,6 @@
           <a:p>
             <a:fld id="{D2D017DA-0543-4E38-9214-B2509AA08C8B}" type="datetimeFigureOut">
               <a:rPr lang="zh-CN" altLang="en-US" smtClean="0"/>
-              <a:t>2021/2/4</a:t>
             </a:fld>
             <a:endParaRPr lang="zh-CN" altLang="en-US"/>
           </a:p>
@@ -268,13 +248,7 @@
       </p:sp>
       <p:sp>
         <p:nvSpPr>
-          <p:cNvPr id="5" name="页脚占位符 4">
-            <a:extLst>
-              <a:ext uri="{FF2B5EF4-FFF2-40B4-BE49-F238E27FC236}">
-                <a16:creationId xmlns:a16="http://schemas.microsoft.com/office/drawing/2014/main" id="{9EDF4643-A615-4A9E-AD51-5078FD9356F8}"/>
-              </a:ext>
-            </a:extLst>
-          </p:cNvPr>
+          <p:cNvPr id="5" name="页脚占位符 4"/>
           <p:cNvSpPr>
             <a:spLocks noGrp="1"/>
           </p:cNvSpPr>
@@ -293,13 +267,7 @@
       </p:sp>
       <p:sp>
         <p:nvSpPr>
-          <p:cNvPr id="6" name="灯片编号占位符 5">
-            <a:extLst>
-              <a:ext uri="{FF2B5EF4-FFF2-40B4-BE49-F238E27FC236}">
-                <a16:creationId xmlns:a16="http://schemas.microsoft.com/office/drawing/2014/main" id="{D2A23354-DCCA-4027-BDF7-8B4FD5368D96}"/>
-              </a:ext>
-            </a:extLst>
-          </p:cNvPr>
+          <p:cNvPr id="6" name="灯片编号占位符 5"/>
           <p:cNvSpPr>
             <a:spLocks noGrp="1"/>
           </p:cNvSpPr>
@@ -314,18 +282,12 @@
           <a:p>
             <a:fld id="{CD2B535B-F7D0-4E92-AFE6-0DDD8B46AA88}" type="slidenum">
               <a:rPr lang="zh-CN" altLang="en-US" smtClean="0"/>
-              <a:t>‹#›</a:t>
             </a:fld>
             <a:endParaRPr lang="zh-CN" altLang="en-US"/>
           </a:p>
         </p:txBody>
       </p:sp>
     </p:spTree>
-    <p:extLst>
-      <p:ext uri="{BB962C8B-B14F-4D97-AF65-F5344CB8AC3E}">
-        <p14:creationId xmlns:p14="http://schemas.microsoft.com/office/powerpoint/2010/main" val="2333301844"/>
-      </p:ext>
-    </p:extLst>
   </p:cSld>
   <p:clrMapOvr>
     <a:masterClrMapping/>
@@ -352,13 +314,7 @@
       </p:grpSpPr>
       <p:sp>
         <p:nvSpPr>
-          <p:cNvPr id="2" name="标题 1">
-            <a:extLst>
-              <a:ext uri="{FF2B5EF4-FFF2-40B4-BE49-F238E27FC236}">
-                <a16:creationId xmlns:a16="http://schemas.microsoft.com/office/drawing/2014/main" id="{C7B207C3-4517-44C8-B1CE-7B3BEFF43286}"/>
-              </a:ext>
-            </a:extLst>
-          </p:cNvPr>
+          <p:cNvPr id="2" name="标题 1"/>
           <p:cNvSpPr>
             <a:spLocks noGrp="1"/>
           </p:cNvSpPr>
@@ -375,18 +331,13 @@
               <a:rPr lang="zh-CN" altLang="en-US"/>
               <a:t>单击此处编辑母版标题样式</a:t>
             </a:r>
-          </a:p>
-        </p:txBody>
-      </p:sp>
-      <p:sp>
-        <p:nvSpPr>
-          <p:cNvPr id="3" name="竖排文字占位符 2">
-            <a:extLst>
-              <a:ext uri="{FF2B5EF4-FFF2-40B4-BE49-F238E27FC236}">
-                <a16:creationId xmlns:a16="http://schemas.microsoft.com/office/drawing/2014/main" id="{835C9FD2-808E-45A9-83C8-B0968DC94524}"/>
-              </a:ext>
-            </a:extLst>
-          </p:cNvPr>
+            <a:endParaRPr lang="zh-CN" altLang="en-US"/>
+          </a:p>
+        </p:txBody>
+      </p:sp>
+      <p:sp>
+        <p:nvSpPr>
+          <p:cNvPr id="3" name="竖排文字占位符 2"/>
           <p:cNvSpPr>
             <a:spLocks noGrp="1"/>
           </p:cNvSpPr>
@@ -404,6 +355,7 @@
               <a:rPr lang="zh-CN" altLang="en-US"/>
               <a:t>单击此处编辑母版文本样式</a:t>
             </a:r>
+            <a:endParaRPr lang="zh-CN" altLang="en-US"/>
           </a:p>
           <a:p>
             <a:pPr lvl="1"/>
@@ -411,6 +363,7 @@
               <a:rPr lang="zh-CN" altLang="en-US"/>
               <a:t>二级</a:t>
             </a:r>
+            <a:endParaRPr lang="zh-CN" altLang="en-US"/>
           </a:p>
           <a:p>
             <a:pPr lvl="2"/>
@@ -418,6 +371,7 @@
               <a:rPr lang="zh-CN" altLang="en-US"/>
               <a:t>三级</a:t>
             </a:r>
+            <a:endParaRPr lang="zh-CN" altLang="en-US"/>
           </a:p>
           <a:p>
             <a:pPr lvl="3"/>
@@ -425,6 +379,7 @@
               <a:rPr lang="zh-CN" altLang="en-US"/>
               <a:t>四级</a:t>
             </a:r>
+            <a:endParaRPr lang="zh-CN" altLang="en-US"/>
           </a:p>
           <a:p>
             <a:pPr lvl="4"/>
@@ -432,18 +387,13 @@
               <a:rPr lang="zh-CN" altLang="en-US"/>
               <a:t>五级</a:t>
             </a:r>
-          </a:p>
-        </p:txBody>
-      </p:sp>
-      <p:sp>
-        <p:nvSpPr>
-          <p:cNvPr id="4" name="日期占位符 3">
-            <a:extLst>
-              <a:ext uri="{FF2B5EF4-FFF2-40B4-BE49-F238E27FC236}">
-                <a16:creationId xmlns:a16="http://schemas.microsoft.com/office/drawing/2014/main" id="{A6FE1A29-0AD7-4FB7-A829-06B7B64BE208}"/>
-              </a:ext>
-            </a:extLst>
-          </p:cNvPr>
+            <a:endParaRPr lang="zh-CN" altLang="en-US"/>
+          </a:p>
+        </p:txBody>
+      </p:sp>
+      <p:sp>
+        <p:nvSpPr>
+          <p:cNvPr id="4" name="日期占位符 3"/>
           <p:cNvSpPr>
             <a:spLocks noGrp="1"/>
           </p:cNvSpPr>
@@ -458,7 +408,6 @@
           <a:p>
             <a:fld id="{D2D017DA-0543-4E38-9214-B2509AA08C8B}" type="datetimeFigureOut">
               <a:rPr lang="zh-CN" altLang="en-US" smtClean="0"/>
-              <a:t>2021/2/4</a:t>
             </a:fld>
             <a:endParaRPr lang="zh-CN" altLang="en-US"/>
           </a:p>
@@ -466,13 +415,7 @@
       </p:sp>
       <p:sp>
         <p:nvSpPr>
-          <p:cNvPr id="5" name="页脚占位符 4">
-            <a:extLst>
-              <a:ext uri="{FF2B5EF4-FFF2-40B4-BE49-F238E27FC236}">
-                <a16:creationId xmlns:a16="http://schemas.microsoft.com/office/drawing/2014/main" id="{E3D914AC-6775-4BA5-BE87-CF697FD85841}"/>
-              </a:ext>
-            </a:extLst>
-          </p:cNvPr>
+          <p:cNvPr id="5" name="页脚占位符 4"/>
           <p:cNvSpPr>
             <a:spLocks noGrp="1"/>
           </p:cNvSpPr>
@@ -491,13 +434,7 @@
       </p:sp>
       <p:sp>
         <p:nvSpPr>
-          <p:cNvPr id="6" name="灯片编号占位符 5">
-            <a:extLst>
-              <a:ext uri="{FF2B5EF4-FFF2-40B4-BE49-F238E27FC236}">
-                <a16:creationId xmlns:a16="http://schemas.microsoft.com/office/drawing/2014/main" id="{DF1659C6-05CC-4572-9D9A-E89660567F87}"/>
-              </a:ext>
-            </a:extLst>
-          </p:cNvPr>
+          <p:cNvPr id="6" name="灯片编号占位符 5"/>
           <p:cNvSpPr>
             <a:spLocks noGrp="1"/>
           </p:cNvSpPr>
@@ -512,18 +449,12 @@
           <a:p>
             <a:fld id="{CD2B535B-F7D0-4E92-AFE6-0DDD8B46AA88}" type="slidenum">
               <a:rPr lang="zh-CN" altLang="en-US" smtClean="0"/>
-              <a:t>‹#›</a:t>
             </a:fld>
             <a:endParaRPr lang="zh-CN" altLang="en-US"/>
           </a:p>
         </p:txBody>
       </p:sp>
     </p:spTree>
-    <p:extLst>
-      <p:ext uri="{BB962C8B-B14F-4D97-AF65-F5344CB8AC3E}">
-        <p14:creationId xmlns:p14="http://schemas.microsoft.com/office/powerpoint/2010/main" val="2953673308"/>
-      </p:ext>
-    </p:extLst>
   </p:cSld>
   <p:clrMapOvr>
     <a:masterClrMapping/>
@@ -550,13 +481,7 @@
       </p:grpSpPr>
       <p:sp>
         <p:nvSpPr>
-          <p:cNvPr id="2" name="竖排标题 1">
-            <a:extLst>
-              <a:ext uri="{FF2B5EF4-FFF2-40B4-BE49-F238E27FC236}">
-                <a16:creationId xmlns:a16="http://schemas.microsoft.com/office/drawing/2014/main" id="{B4383ACB-0348-4C68-B880-0DDDC4F31520}"/>
-              </a:ext>
-            </a:extLst>
-          </p:cNvPr>
+          <p:cNvPr id="2" name="竖排标题 1"/>
           <p:cNvSpPr>
             <a:spLocks noGrp="1"/>
           </p:cNvSpPr>
@@ -578,18 +503,13 @@
               <a:rPr lang="zh-CN" altLang="en-US"/>
               <a:t>单击此处编辑母版标题样式</a:t>
             </a:r>
-          </a:p>
-        </p:txBody>
-      </p:sp>
-      <p:sp>
-        <p:nvSpPr>
-          <p:cNvPr id="3" name="竖排文字占位符 2">
-            <a:extLst>
-              <a:ext uri="{FF2B5EF4-FFF2-40B4-BE49-F238E27FC236}">
-                <a16:creationId xmlns:a16="http://schemas.microsoft.com/office/drawing/2014/main" id="{901A676C-54FE-4EE1-B90D-E5B8EE3187D8}"/>
-              </a:ext>
-            </a:extLst>
-          </p:cNvPr>
+            <a:endParaRPr lang="zh-CN" altLang="en-US"/>
+          </a:p>
+        </p:txBody>
+      </p:sp>
+      <p:sp>
+        <p:nvSpPr>
+          <p:cNvPr id="3" name="竖排文字占位符 2"/>
           <p:cNvSpPr>
             <a:spLocks noGrp="1"/>
           </p:cNvSpPr>
@@ -612,6 +532,7 @@
               <a:rPr lang="zh-CN" altLang="en-US"/>
               <a:t>单击此处编辑母版文本样式</a:t>
             </a:r>
+            <a:endParaRPr lang="zh-CN" altLang="en-US"/>
           </a:p>
           <a:p>
             <a:pPr lvl="1"/>
@@ -619,6 +540,7 @@
               <a:rPr lang="zh-CN" altLang="en-US"/>
               <a:t>二级</a:t>
             </a:r>
+            <a:endParaRPr lang="zh-CN" altLang="en-US"/>
           </a:p>
           <a:p>
             <a:pPr lvl="2"/>
@@ -626,6 +548,7 @@
               <a:rPr lang="zh-CN" altLang="en-US"/>
               <a:t>三级</a:t>
             </a:r>
+            <a:endParaRPr lang="zh-CN" altLang="en-US"/>
           </a:p>
           <a:p>
             <a:pPr lvl="3"/>
@@ -633,6 +556,7 @@
               <a:rPr lang="zh-CN" altLang="en-US"/>
               <a:t>四级</a:t>
             </a:r>
+            <a:endParaRPr lang="zh-CN" altLang="en-US"/>
           </a:p>
           <a:p>
             <a:pPr lvl="4"/>
@@ -640,18 +564,13 @@
               <a:rPr lang="zh-CN" altLang="en-US"/>
               <a:t>五级</a:t>
             </a:r>
-          </a:p>
-        </p:txBody>
-      </p:sp>
-      <p:sp>
-        <p:nvSpPr>
-          <p:cNvPr id="4" name="日期占位符 3">
-            <a:extLst>
-              <a:ext uri="{FF2B5EF4-FFF2-40B4-BE49-F238E27FC236}">
-                <a16:creationId xmlns:a16="http://schemas.microsoft.com/office/drawing/2014/main" id="{ECA3A131-F386-4AA8-B955-9D0EE1362589}"/>
-              </a:ext>
-            </a:extLst>
-          </p:cNvPr>
+            <a:endParaRPr lang="zh-CN" altLang="en-US"/>
+          </a:p>
+        </p:txBody>
+      </p:sp>
+      <p:sp>
+        <p:nvSpPr>
+          <p:cNvPr id="4" name="日期占位符 3"/>
           <p:cNvSpPr>
             <a:spLocks noGrp="1"/>
           </p:cNvSpPr>
@@ -666,7 +585,6 @@
           <a:p>
             <a:fld id="{D2D017DA-0543-4E38-9214-B2509AA08C8B}" type="datetimeFigureOut">
               <a:rPr lang="zh-CN" altLang="en-US" smtClean="0"/>
-              <a:t>2021/2/4</a:t>
             </a:fld>
             <a:endParaRPr lang="zh-CN" altLang="en-US"/>
           </a:p>
@@ -674,13 +592,7 @@
       </p:sp>
       <p:sp>
         <p:nvSpPr>
-          <p:cNvPr id="5" name="页脚占位符 4">
-            <a:extLst>
-              <a:ext uri="{FF2B5EF4-FFF2-40B4-BE49-F238E27FC236}">
-                <a16:creationId xmlns:a16="http://schemas.microsoft.com/office/drawing/2014/main" id="{81579A3F-1224-4CF0-9A47-B71527E78AC2}"/>
-              </a:ext>
-            </a:extLst>
-          </p:cNvPr>
+          <p:cNvPr id="5" name="页脚占位符 4"/>
           <p:cNvSpPr>
             <a:spLocks noGrp="1"/>
           </p:cNvSpPr>
@@ -699,13 +611,7 @@
       </p:sp>
       <p:sp>
         <p:nvSpPr>
-          <p:cNvPr id="6" name="灯片编号占位符 5">
-            <a:extLst>
-              <a:ext uri="{FF2B5EF4-FFF2-40B4-BE49-F238E27FC236}">
-                <a16:creationId xmlns:a16="http://schemas.microsoft.com/office/drawing/2014/main" id="{ECED0899-DD63-4985-A02E-E2BA4745478E}"/>
-              </a:ext>
-            </a:extLst>
-          </p:cNvPr>
+          <p:cNvPr id="6" name="灯片编号占位符 5"/>
           <p:cNvSpPr>
             <a:spLocks noGrp="1"/>
           </p:cNvSpPr>
@@ -720,18 +626,12 @@
           <a:p>
             <a:fld id="{CD2B535B-F7D0-4E92-AFE6-0DDD8B46AA88}" type="slidenum">
               <a:rPr lang="zh-CN" altLang="en-US" smtClean="0"/>
-              <a:t>‹#›</a:t>
             </a:fld>
             <a:endParaRPr lang="zh-CN" altLang="en-US"/>
           </a:p>
         </p:txBody>
       </p:sp>
     </p:spTree>
-    <p:extLst>
-      <p:ext uri="{BB962C8B-B14F-4D97-AF65-F5344CB8AC3E}">
-        <p14:creationId xmlns:p14="http://schemas.microsoft.com/office/powerpoint/2010/main" val="2980709610"/>
-      </p:ext>
-    </p:extLst>
   </p:cSld>
   <p:clrMapOvr>
     <a:masterClrMapping/>
@@ -739,7 +639,192 @@
 </p:sldLayout>
 </file>
 
-<file path=ppt/slideLayouts/slideLayout2.xml><?xml version="1.0" encoding="utf-8"?>
+<file path=ppt/slideLayouts/slideLayout12.xml><?xml version="1.0" encoding="utf-8"?>
+<p:sldLayout xmlns:a="http://schemas.openxmlformats.org/drawingml/2006/main" xmlns:r="http://schemas.openxmlformats.org/officeDocument/2006/relationships" xmlns:p="http://schemas.openxmlformats.org/presentationml/2006/main" type="title" preserve="1">
+  <p:cSld name="标题幻灯片">
+    <p:spTree>
+      <p:nvGrpSpPr>
+        <p:cNvPr id="1" name=""/>
+        <p:cNvGrpSpPr/>
+        <p:nvPr/>
+      </p:nvGrpSpPr>
+      <p:grpSpPr>
+        <a:xfrm>
+          <a:off x="0" y="0"/>
+          <a:ext cx="0" cy="0"/>
+          <a:chOff x="0" y="0"/>
+          <a:chExt cx="0" cy="0"/>
+        </a:xfrm>
+      </p:grpSpPr>
+      <p:sp>
+        <p:nvSpPr>
+          <p:cNvPr id="2" name="标题 1"/>
+          <p:cNvSpPr>
+            <a:spLocks noGrp="1"/>
+          </p:cNvSpPr>
+          <p:nvPr>
+            <p:ph type="ctrTitle"/>
+          </p:nvPr>
+        </p:nvSpPr>
+        <p:spPr>
+          <a:xfrm>
+            <a:off x="1524000" y="1122363"/>
+            <a:ext cx="9144000" cy="2387600"/>
+          </a:xfrm>
+        </p:spPr>
+        <p:txBody>
+          <a:bodyPr anchor="b"/>
+          <a:lstStyle>
+            <a:lvl1pPr algn="ctr">
+              <a:defRPr sz="6000"/>
+            </a:lvl1pPr>
+          </a:lstStyle>
+          <a:p>
+            <a:r>
+              <a:rPr lang="zh-CN" altLang="en-US"/>
+              <a:t>单击此处编辑母版标题样式</a:t>
+            </a:r>
+            <a:endParaRPr lang="zh-CN" altLang="en-US"/>
+          </a:p>
+        </p:txBody>
+      </p:sp>
+      <p:sp>
+        <p:nvSpPr>
+          <p:cNvPr id="3" name="副标题 2"/>
+          <p:cNvSpPr>
+            <a:spLocks noGrp="1"/>
+          </p:cNvSpPr>
+          <p:nvPr>
+            <p:ph type="subTitle" idx="1"/>
+          </p:nvPr>
+        </p:nvSpPr>
+        <p:spPr>
+          <a:xfrm>
+            <a:off x="1524000" y="3602038"/>
+            <a:ext cx="9144000" cy="1655762"/>
+          </a:xfrm>
+        </p:spPr>
+        <p:txBody>
+          <a:bodyPr/>
+          <a:lstStyle>
+            <a:lvl1pPr marL="0" indent="0" algn="ctr">
+              <a:buNone/>
+              <a:defRPr sz="2400"/>
+            </a:lvl1pPr>
+            <a:lvl2pPr marL="457200" indent="0" algn="ctr">
+              <a:buNone/>
+              <a:defRPr sz="2000"/>
+            </a:lvl2pPr>
+            <a:lvl3pPr marL="914400" indent="0" algn="ctr">
+              <a:buNone/>
+              <a:defRPr sz="1800"/>
+            </a:lvl3pPr>
+            <a:lvl4pPr marL="1371600" indent="0" algn="ctr">
+              <a:buNone/>
+              <a:defRPr sz="1600"/>
+            </a:lvl4pPr>
+            <a:lvl5pPr marL="1828800" indent="0" algn="ctr">
+              <a:buNone/>
+              <a:defRPr sz="1600"/>
+            </a:lvl5pPr>
+            <a:lvl6pPr marL="2286000" indent="0" algn="ctr">
+              <a:buNone/>
+              <a:defRPr sz="1600"/>
+            </a:lvl6pPr>
+            <a:lvl7pPr marL="2743200" indent="0" algn="ctr">
+              <a:buNone/>
+              <a:defRPr sz="1600"/>
+            </a:lvl7pPr>
+            <a:lvl8pPr marL="3200400" indent="0" algn="ctr">
+              <a:buNone/>
+              <a:defRPr sz="1600"/>
+            </a:lvl8pPr>
+            <a:lvl9pPr marL="3657600" indent="0" algn="ctr">
+              <a:buNone/>
+              <a:defRPr sz="1600"/>
+            </a:lvl9pPr>
+          </a:lstStyle>
+          <a:p>
+            <a:r>
+              <a:rPr lang="zh-CN" altLang="en-US"/>
+              <a:t>单击此处编辑母版副标题样式</a:t>
+            </a:r>
+            <a:endParaRPr lang="zh-CN" altLang="en-US"/>
+          </a:p>
+        </p:txBody>
+      </p:sp>
+      <p:sp>
+        <p:nvSpPr>
+          <p:cNvPr id="4" name="日期占位符 3"/>
+          <p:cNvSpPr>
+            <a:spLocks noGrp="1"/>
+          </p:cNvSpPr>
+          <p:nvPr>
+            <p:ph type="dt" sz="half" idx="10"/>
+          </p:nvPr>
+        </p:nvSpPr>
+        <p:spPr/>
+        <p:txBody>
+          <a:bodyPr/>
+          <a:lstStyle/>
+          <a:p>
+            <a:fld id="{D2D017DA-0543-4E38-9214-B2509AA08C8B}" type="datetimeFigureOut">
+              <a:rPr lang="zh-CN" altLang="en-US" smtClean="0"/>
+            </a:fld>
+            <a:endParaRPr lang="zh-CN" altLang="en-US"/>
+          </a:p>
+        </p:txBody>
+      </p:sp>
+      <p:sp>
+        <p:nvSpPr>
+          <p:cNvPr id="5" name="页脚占位符 4"/>
+          <p:cNvSpPr>
+            <a:spLocks noGrp="1"/>
+          </p:cNvSpPr>
+          <p:nvPr>
+            <p:ph type="ftr" sz="quarter" idx="11"/>
+          </p:nvPr>
+        </p:nvSpPr>
+        <p:spPr/>
+        <p:txBody>
+          <a:bodyPr/>
+          <a:lstStyle/>
+          <a:p>
+            <a:endParaRPr lang="zh-CN" altLang="en-US"/>
+          </a:p>
+        </p:txBody>
+      </p:sp>
+      <p:sp>
+        <p:nvSpPr>
+          <p:cNvPr id="6" name="灯片编号占位符 5"/>
+          <p:cNvSpPr>
+            <a:spLocks noGrp="1"/>
+          </p:cNvSpPr>
+          <p:nvPr>
+            <p:ph type="sldNum" sz="quarter" idx="12"/>
+          </p:nvPr>
+        </p:nvSpPr>
+        <p:spPr/>
+        <p:txBody>
+          <a:bodyPr/>
+          <a:lstStyle/>
+          <a:p>
+            <a:fld id="{CD2B535B-F7D0-4E92-AFE6-0DDD8B46AA88}" type="slidenum">
+              <a:rPr lang="zh-CN" altLang="en-US" smtClean="0"/>
+            </a:fld>
+            <a:endParaRPr lang="zh-CN" altLang="en-US"/>
+          </a:p>
+        </p:txBody>
+      </p:sp>
+    </p:spTree>
+  </p:cSld>
+  <p:clrMapOvr>
+    <a:masterClrMapping/>
+  </p:clrMapOvr>
+</p:sldLayout>
+</file>
+
+<file path=ppt/slideLayouts/slideLayout13.xml><?xml version="1.0" encoding="utf-8"?>
 <p:sldLayout xmlns:a="http://schemas.openxmlformats.org/drawingml/2006/main" xmlns:r="http://schemas.openxmlformats.org/officeDocument/2006/relationships" xmlns:p="http://schemas.openxmlformats.org/presentationml/2006/main" type="obj" preserve="1">
   <p:cSld name="标题和内容">
     <p:spTree>
@@ -758,13 +843,7 @@
       </p:grpSpPr>
       <p:sp>
         <p:nvSpPr>
-          <p:cNvPr id="2" name="标题 1">
-            <a:extLst>
-              <a:ext uri="{FF2B5EF4-FFF2-40B4-BE49-F238E27FC236}">
-                <a16:creationId xmlns:a16="http://schemas.microsoft.com/office/drawing/2014/main" id="{9848732D-ED58-44AE-A6B4-E29E9BE9450D}"/>
-              </a:ext>
-            </a:extLst>
-          </p:cNvPr>
+          <p:cNvPr id="2" name="标题 1"/>
           <p:cNvSpPr>
             <a:spLocks noGrp="1"/>
           </p:cNvSpPr>
@@ -781,18 +860,13 @@
               <a:rPr lang="zh-CN" altLang="en-US"/>
               <a:t>单击此处编辑母版标题样式</a:t>
             </a:r>
-          </a:p>
-        </p:txBody>
-      </p:sp>
-      <p:sp>
-        <p:nvSpPr>
-          <p:cNvPr id="3" name="内容占位符 2">
-            <a:extLst>
-              <a:ext uri="{FF2B5EF4-FFF2-40B4-BE49-F238E27FC236}">
-                <a16:creationId xmlns:a16="http://schemas.microsoft.com/office/drawing/2014/main" id="{4E9AF1D4-B6F3-4E58-91C1-C636E8A53DEF}"/>
-              </a:ext>
-            </a:extLst>
-          </p:cNvPr>
+            <a:endParaRPr lang="zh-CN" altLang="en-US"/>
+          </a:p>
+        </p:txBody>
+      </p:sp>
+      <p:sp>
+        <p:nvSpPr>
+          <p:cNvPr id="3" name="内容占位符 2"/>
           <p:cNvSpPr>
             <a:spLocks noGrp="1"/>
           </p:cNvSpPr>
@@ -810,6 +884,7 @@
               <a:rPr lang="zh-CN" altLang="en-US"/>
               <a:t>单击此处编辑母版文本样式</a:t>
             </a:r>
+            <a:endParaRPr lang="zh-CN" altLang="en-US"/>
           </a:p>
           <a:p>
             <a:pPr lvl="1"/>
@@ -817,6 +892,7 @@
               <a:rPr lang="zh-CN" altLang="en-US"/>
               <a:t>二级</a:t>
             </a:r>
+            <a:endParaRPr lang="zh-CN" altLang="en-US"/>
           </a:p>
           <a:p>
             <a:pPr lvl="2"/>
@@ -824,6 +900,7 @@
               <a:rPr lang="zh-CN" altLang="en-US"/>
               <a:t>三级</a:t>
             </a:r>
+            <a:endParaRPr lang="zh-CN" altLang="en-US"/>
           </a:p>
           <a:p>
             <a:pPr lvl="3"/>
@@ -831,6 +908,7 @@
               <a:rPr lang="zh-CN" altLang="en-US"/>
               <a:t>四级</a:t>
             </a:r>
+            <a:endParaRPr lang="zh-CN" altLang="en-US"/>
           </a:p>
           <a:p>
             <a:pPr lvl="4"/>
@@ -838,18 +916,13 @@
               <a:rPr lang="zh-CN" altLang="en-US"/>
               <a:t>五级</a:t>
             </a:r>
-          </a:p>
-        </p:txBody>
-      </p:sp>
-      <p:sp>
-        <p:nvSpPr>
-          <p:cNvPr id="4" name="日期占位符 3">
-            <a:extLst>
-              <a:ext uri="{FF2B5EF4-FFF2-40B4-BE49-F238E27FC236}">
-                <a16:creationId xmlns:a16="http://schemas.microsoft.com/office/drawing/2014/main" id="{4C2E3892-6FBC-48A0-AA4B-9E0FF4C52719}"/>
-              </a:ext>
-            </a:extLst>
-          </p:cNvPr>
+            <a:endParaRPr lang="zh-CN" altLang="en-US"/>
+          </a:p>
+        </p:txBody>
+      </p:sp>
+      <p:sp>
+        <p:nvSpPr>
+          <p:cNvPr id="4" name="日期占位符 3"/>
           <p:cNvSpPr>
             <a:spLocks noGrp="1"/>
           </p:cNvSpPr>
@@ -864,7 +937,6 @@
           <a:p>
             <a:fld id="{D2D017DA-0543-4E38-9214-B2509AA08C8B}" type="datetimeFigureOut">
               <a:rPr lang="zh-CN" altLang="en-US" smtClean="0"/>
-              <a:t>2021/2/4</a:t>
             </a:fld>
             <a:endParaRPr lang="zh-CN" altLang="en-US"/>
           </a:p>
@@ -872,13 +944,7 @@
       </p:sp>
       <p:sp>
         <p:nvSpPr>
-          <p:cNvPr id="5" name="页脚占位符 4">
-            <a:extLst>
-              <a:ext uri="{FF2B5EF4-FFF2-40B4-BE49-F238E27FC236}">
-                <a16:creationId xmlns:a16="http://schemas.microsoft.com/office/drawing/2014/main" id="{DDB24AF2-89AA-45EC-BBA0-BA6BF56A932E}"/>
-              </a:ext>
-            </a:extLst>
-          </p:cNvPr>
+          <p:cNvPr id="5" name="页脚占位符 4"/>
           <p:cNvSpPr>
             <a:spLocks noGrp="1"/>
           </p:cNvSpPr>
@@ -897,13 +963,7 @@
       </p:sp>
       <p:sp>
         <p:nvSpPr>
-          <p:cNvPr id="6" name="灯片编号占位符 5">
-            <a:extLst>
-              <a:ext uri="{FF2B5EF4-FFF2-40B4-BE49-F238E27FC236}">
-                <a16:creationId xmlns:a16="http://schemas.microsoft.com/office/drawing/2014/main" id="{94DAEFF7-254A-400E-98DF-571C34873DA0}"/>
-              </a:ext>
-            </a:extLst>
-          </p:cNvPr>
+          <p:cNvPr id="6" name="灯片编号占位符 5"/>
           <p:cNvSpPr>
             <a:spLocks noGrp="1"/>
           </p:cNvSpPr>
@@ -918,18 +978,12 @@
           <a:p>
             <a:fld id="{CD2B535B-F7D0-4E92-AFE6-0DDD8B46AA88}" type="slidenum">
               <a:rPr lang="zh-CN" altLang="en-US" smtClean="0"/>
-              <a:t>‹#›</a:t>
             </a:fld>
             <a:endParaRPr lang="zh-CN" altLang="en-US"/>
           </a:p>
         </p:txBody>
       </p:sp>
     </p:spTree>
-    <p:extLst>
-      <p:ext uri="{BB962C8B-B14F-4D97-AF65-F5344CB8AC3E}">
-        <p14:creationId xmlns:p14="http://schemas.microsoft.com/office/powerpoint/2010/main" val="3412204976"/>
-      </p:ext>
-    </p:extLst>
   </p:cSld>
   <p:clrMapOvr>
     <a:masterClrMapping/>
@@ -937,7 +991,7 @@
 </p:sldLayout>
 </file>
 
-<file path=ppt/slideLayouts/slideLayout3.xml><?xml version="1.0" encoding="utf-8"?>
+<file path=ppt/slideLayouts/slideLayout14.xml><?xml version="1.0" encoding="utf-8"?>
 <p:sldLayout xmlns:a="http://schemas.openxmlformats.org/drawingml/2006/main" xmlns:r="http://schemas.openxmlformats.org/officeDocument/2006/relationships" xmlns:p="http://schemas.openxmlformats.org/presentationml/2006/main" type="secHead" preserve="1">
   <p:cSld name="节标题">
     <p:spTree>
@@ -956,13 +1010,7 @@
       </p:grpSpPr>
       <p:sp>
         <p:nvSpPr>
-          <p:cNvPr id="2" name="标题 1">
-            <a:extLst>
-              <a:ext uri="{FF2B5EF4-FFF2-40B4-BE49-F238E27FC236}">
-                <a16:creationId xmlns:a16="http://schemas.microsoft.com/office/drawing/2014/main" id="{87F10F8D-10A5-468B-91A0-201DC9BF5513}"/>
-              </a:ext>
-            </a:extLst>
-          </p:cNvPr>
+          <p:cNvPr id="2" name="标题 1"/>
           <p:cNvSpPr>
             <a:spLocks noGrp="1"/>
           </p:cNvSpPr>
@@ -988,18 +1036,13 @@
               <a:rPr lang="zh-CN" altLang="en-US"/>
               <a:t>单击此处编辑母版标题样式</a:t>
             </a:r>
-          </a:p>
-        </p:txBody>
-      </p:sp>
-      <p:sp>
-        <p:nvSpPr>
-          <p:cNvPr id="3" name="文本占位符 2">
-            <a:extLst>
-              <a:ext uri="{FF2B5EF4-FFF2-40B4-BE49-F238E27FC236}">
-                <a16:creationId xmlns:a16="http://schemas.microsoft.com/office/drawing/2014/main" id="{123DD40D-DF77-46FA-88CA-EAB7E1AAAB0F}"/>
-              </a:ext>
-            </a:extLst>
-          </p:cNvPr>
+            <a:endParaRPr lang="zh-CN" altLang="en-US"/>
+          </a:p>
+        </p:txBody>
+      </p:sp>
+      <p:sp>
+        <p:nvSpPr>
+          <p:cNvPr id="3" name="文本占位符 2"/>
           <p:cNvSpPr>
             <a:spLocks noGrp="1"/>
           </p:cNvSpPr>
@@ -1113,18 +1156,13 @@
               <a:rPr lang="zh-CN" altLang="en-US"/>
               <a:t>单击此处编辑母版文本样式</a:t>
             </a:r>
-          </a:p>
-        </p:txBody>
-      </p:sp>
-      <p:sp>
-        <p:nvSpPr>
-          <p:cNvPr id="4" name="日期占位符 3">
-            <a:extLst>
-              <a:ext uri="{FF2B5EF4-FFF2-40B4-BE49-F238E27FC236}">
-                <a16:creationId xmlns:a16="http://schemas.microsoft.com/office/drawing/2014/main" id="{D3FC9A91-4DC7-4535-ABC7-A16E2AD3964E}"/>
-              </a:ext>
-            </a:extLst>
-          </p:cNvPr>
+            <a:endParaRPr lang="zh-CN" altLang="en-US"/>
+          </a:p>
+        </p:txBody>
+      </p:sp>
+      <p:sp>
+        <p:nvSpPr>
+          <p:cNvPr id="4" name="日期占位符 3"/>
           <p:cNvSpPr>
             <a:spLocks noGrp="1"/>
           </p:cNvSpPr>
@@ -1139,7 +1177,6 @@
           <a:p>
             <a:fld id="{D2D017DA-0543-4E38-9214-B2509AA08C8B}" type="datetimeFigureOut">
               <a:rPr lang="zh-CN" altLang="en-US" smtClean="0"/>
-              <a:t>2021/2/4</a:t>
             </a:fld>
             <a:endParaRPr lang="zh-CN" altLang="en-US"/>
           </a:p>
@@ -1147,13 +1184,7 @@
       </p:sp>
       <p:sp>
         <p:nvSpPr>
-          <p:cNvPr id="5" name="页脚占位符 4">
-            <a:extLst>
-              <a:ext uri="{FF2B5EF4-FFF2-40B4-BE49-F238E27FC236}">
-                <a16:creationId xmlns:a16="http://schemas.microsoft.com/office/drawing/2014/main" id="{B521B247-36EA-4E5E-B530-CD427EB77384}"/>
-              </a:ext>
-            </a:extLst>
-          </p:cNvPr>
+          <p:cNvPr id="5" name="页脚占位符 4"/>
           <p:cNvSpPr>
             <a:spLocks noGrp="1"/>
           </p:cNvSpPr>
@@ -1172,13 +1203,7 @@
       </p:sp>
       <p:sp>
         <p:nvSpPr>
-          <p:cNvPr id="6" name="灯片编号占位符 5">
-            <a:extLst>
-              <a:ext uri="{FF2B5EF4-FFF2-40B4-BE49-F238E27FC236}">
-                <a16:creationId xmlns:a16="http://schemas.microsoft.com/office/drawing/2014/main" id="{DCEF9D05-C320-46E1-A9A5-C7AA877F754F}"/>
-              </a:ext>
-            </a:extLst>
-          </p:cNvPr>
+          <p:cNvPr id="6" name="灯片编号占位符 5"/>
           <p:cNvSpPr>
             <a:spLocks noGrp="1"/>
           </p:cNvSpPr>
@@ -1193,18 +1218,12 @@
           <a:p>
             <a:fld id="{CD2B535B-F7D0-4E92-AFE6-0DDD8B46AA88}" type="slidenum">
               <a:rPr lang="zh-CN" altLang="en-US" smtClean="0"/>
-              <a:t>‹#›</a:t>
             </a:fld>
             <a:endParaRPr lang="zh-CN" altLang="en-US"/>
           </a:p>
         </p:txBody>
       </p:sp>
     </p:spTree>
-    <p:extLst>
-      <p:ext uri="{BB962C8B-B14F-4D97-AF65-F5344CB8AC3E}">
-        <p14:creationId xmlns:p14="http://schemas.microsoft.com/office/powerpoint/2010/main" val="3798220316"/>
-      </p:ext>
-    </p:extLst>
   </p:cSld>
   <p:clrMapOvr>
     <a:masterClrMapping/>
@@ -1212,7 +1231,7 @@
 </p:sldLayout>
 </file>
 
-<file path=ppt/slideLayouts/slideLayout4.xml><?xml version="1.0" encoding="utf-8"?>
+<file path=ppt/slideLayouts/slideLayout15.xml><?xml version="1.0" encoding="utf-8"?>
 <p:sldLayout xmlns:a="http://schemas.openxmlformats.org/drawingml/2006/main" xmlns:r="http://schemas.openxmlformats.org/officeDocument/2006/relationships" xmlns:p="http://schemas.openxmlformats.org/presentationml/2006/main" type="twoObj" preserve="1">
   <p:cSld name="两栏内容">
     <p:spTree>
@@ -1231,13 +1250,7 @@
       </p:grpSpPr>
       <p:sp>
         <p:nvSpPr>
-          <p:cNvPr id="2" name="标题 1">
-            <a:extLst>
-              <a:ext uri="{FF2B5EF4-FFF2-40B4-BE49-F238E27FC236}">
-                <a16:creationId xmlns:a16="http://schemas.microsoft.com/office/drawing/2014/main" id="{1A5BF4D2-ACA1-4B33-9361-0548DD92FD9B}"/>
-              </a:ext>
-            </a:extLst>
-          </p:cNvPr>
+          <p:cNvPr id="2" name="标题 1"/>
           <p:cNvSpPr>
             <a:spLocks noGrp="1"/>
           </p:cNvSpPr>
@@ -1254,18 +1267,13 @@
               <a:rPr lang="zh-CN" altLang="en-US"/>
               <a:t>单击此处编辑母版标题样式</a:t>
             </a:r>
-          </a:p>
-        </p:txBody>
-      </p:sp>
-      <p:sp>
-        <p:nvSpPr>
-          <p:cNvPr id="3" name="内容占位符 2">
-            <a:extLst>
-              <a:ext uri="{FF2B5EF4-FFF2-40B4-BE49-F238E27FC236}">
-                <a16:creationId xmlns:a16="http://schemas.microsoft.com/office/drawing/2014/main" id="{C16A702D-4F30-4894-A5A4-92D3E08C3F97}"/>
-              </a:ext>
-            </a:extLst>
-          </p:cNvPr>
+            <a:endParaRPr lang="zh-CN" altLang="en-US"/>
+          </a:p>
+        </p:txBody>
+      </p:sp>
+      <p:sp>
+        <p:nvSpPr>
+          <p:cNvPr id="3" name="内容占位符 2"/>
           <p:cNvSpPr>
             <a:spLocks noGrp="1"/>
           </p:cNvSpPr>
@@ -1288,6 +1296,7 @@
               <a:rPr lang="zh-CN" altLang="en-US"/>
               <a:t>单击此处编辑母版文本样式</a:t>
             </a:r>
+            <a:endParaRPr lang="zh-CN" altLang="en-US"/>
           </a:p>
           <a:p>
             <a:pPr lvl="1"/>
@@ -1295,6 +1304,7 @@
               <a:rPr lang="zh-CN" altLang="en-US"/>
               <a:t>二级</a:t>
             </a:r>
+            <a:endParaRPr lang="zh-CN" altLang="en-US"/>
           </a:p>
           <a:p>
             <a:pPr lvl="2"/>
@@ -1302,6 +1312,7 @@
               <a:rPr lang="zh-CN" altLang="en-US"/>
               <a:t>三级</a:t>
             </a:r>
+            <a:endParaRPr lang="zh-CN" altLang="en-US"/>
           </a:p>
           <a:p>
             <a:pPr lvl="3"/>
@@ -1309,6 +1320,7 @@
               <a:rPr lang="zh-CN" altLang="en-US"/>
               <a:t>四级</a:t>
             </a:r>
+            <a:endParaRPr lang="zh-CN" altLang="en-US"/>
           </a:p>
           <a:p>
             <a:pPr lvl="4"/>
@@ -1316,18 +1328,13 @@
               <a:rPr lang="zh-CN" altLang="en-US"/>
               <a:t>五级</a:t>
             </a:r>
-          </a:p>
-        </p:txBody>
-      </p:sp>
-      <p:sp>
-        <p:nvSpPr>
-          <p:cNvPr id="4" name="内容占位符 3">
-            <a:extLst>
-              <a:ext uri="{FF2B5EF4-FFF2-40B4-BE49-F238E27FC236}">
-                <a16:creationId xmlns:a16="http://schemas.microsoft.com/office/drawing/2014/main" id="{583AD6B8-8E37-4CD5-B7DA-F57115AC54A6}"/>
-              </a:ext>
-            </a:extLst>
-          </p:cNvPr>
+            <a:endParaRPr lang="zh-CN" altLang="en-US"/>
+          </a:p>
+        </p:txBody>
+      </p:sp>
+      <p:sp>
+        <p:nvSpPr>
+          <p:cNvPr id="4" name="内容占位符 3"/>
           <p:cNvSpPr>
             <a:spLocks noGrp="1"/>
           </p:cNvSpPr>
@@ -1350,6 +1357,7 @@
               <a:rPr lang="zh-CN" altLang="en-US"/>
               <a:t>单击此处编辑母版文本样式</a:t>
             </a:r>
+            <a:endParaRPr lang="zh-CN" altLang="en-US"/>
           </a:p>
           <a:p>
             <a:pPr lvl="1"/>
@@ -1357,6 +1365,7 @@
               <a:rPr lang="zh-CN" altLang="en-US"/>
               <a:t>二级</a:t>
             </a:r>
+            <a:endParaRPr lang="zh-CN" altLang="en-US"/>
           </a:p>
           <a:p>
             <a:pPr lvl="2"/>
@@ -1364,6 +1373,7 @@
               <a:rPr lang="zh-CN" altLang="en-US"/>
               <a:t>三级</a:t>
             </a:r>
+            <a:endParaRPr lang="zh-CN" altLang="en-US"/>
           </a:p>
           <a:p>
             <a:pPr lvl="3"/>
@@ -1371,6 +1381,7 @@
               <a:rPr lang="zh-CN" altLang="en-US"/>
               <a:t>四级</a:t>
             </a:r>
+            <a:endParaRPr lang="zh-CN" altLang="en-US"/>
           </a:p>
           <a:p>
             <a:pPr lvl="4"/>
@@ -1378,18 +1389,13 @@
               <a:rPr lang="zh-CN" altLang="en-US"/>
               <a:t>五级</a:t>
             </a:r>
-          </a:p>
-        </p:txBody>
-      </p:sp>
-      <p:sp>
-        <p:nvSpPr>
-          <p:cNvPr id="5" name="日期占位符 4">
-            <a:extLst>
-              <a:ext uri="{FF2B5EF4-FFF2-40B4-BE49-F238E27FC236}">
-                <a16:creationId xmlns:a16="http://schemas.microsoft.com/office/drawing/2014/main" id="{BBA1591C-8B21-4660-A0AD-7B79E30608DB}"/>
-              </a:ext>
-            </a:extLst>
-          </p:cNvPr>
+            <a:endParaRPr lang="zh-CN" altLang="en-US"/>
+          </a:p>
+        </p:txBody>
+      </p:sp>
+      <p:sp>
+        <p:nvSpPr>
+          <p:cNvPr id="5" name="日期占位符 4"/>
           <p:cNvSpPr>
             <a:spLocks noGrp="1"/>
           </p:cNvSpPr>
@@ -1404,7 +1410,6 @@
           <a:p>
             <a:fld id="{D2D017DA-0543-4E38-9214-B2509AA08C8B}" type="datetimeFigureOut">
               <a:rPr lang="zh-CN" altLang="en-US" smtClean="0"/>
-              <a:t>2021/2/4</a:t>
             </a:fld>
             <a:endParaRPr lang="zh-CN" altLang="en-US"/>
           </a:p>
@@ -1412,13 +1417,7 @@
       </p:sp>
       <p:sp>
         <p:nvSpPr>
-          <p:cNvPr id="6" name="页脚占位符 5">
-            <a:extLst>
-              <a:ext uri="{FF2B5EF4-FFF2-40B4-BE49-F238E27FC236}">
-                <a16:creationId xmlns:a16="http://schemas.microsoft.com/office/drawing/2014/main" id="{38E774D3-B578-4C91-8935-A6E7F35DEB62}"/>
-              </a:ext>
-            </a:extLst>
-          </p:cNvPr>
+          <p:cNvPr id="6" name="页脚占位符 5"/>
           <p:cNvSpPr>
             <a:spLocks noGrp="1"/>
           </p:cNvSpPr>
@@ -1437,13 +1436,7 @@
       </p:sp>
       <p:sp>
         <p:nvSpPr>
-          <p:cNvPr id="7" name="灯片编号占位符 6">
-            <a:extLst>
-              <a:ext uri="{FF2B5EF4-FFF2-40B4-BE49-F238E27FC236}">
-                <a16:creationId xmlns:a16="http://schemas.microsoft.com/office/drawing/2014/main" id="{8CA0D17A-29D3-4398-8E7D-4F5CB0E205A3}"/>
-              </a:ext>
-            </a:extLst>
-          </p:cNvPr>
+          <p:cNvPr id="7" name="灯片编号占位符 6"/>
           <p:cNvSpPr>
             <a:spLocks noGrp="1"/>
           </p:cNvSpPr>
@@ -1458,18 +1451,12 @@
           <a:p>
             <a:fld id="{CD2B535B-F7D0-4E92-AFE6-0DDD8B46AA88}" type="slidenum">
               <a:rPr lang="zh-CN" altLang="en-US" smtClean="0"/>
-              <a:t>‹#›</a:t>
             </a:fld>
             <a:endParaRPr lang="zh-CN" altLang="en-US"/>
           </a:p>
         </p:txBody>
       </p:sp>
     </p:spTree>
-    <p:extLst>
-      <p:ext uri="{BB962C8B-B14F-4D97-AF65-F5344CB8AC3E}">
-        <p14:creationId xmlns:p14="http://schemas.microsoft.com/office/powerpoint/2010/main" val="2596858350"/>
-      </p:ext>
-    </p:extLst>
   </p:cSld>
   <p:clrMapOvr>
     <a:masterClrMapping/>
@@ -1477,7 +1464,7 @@
 </p:sldLayout>
 </file>
 
-<file path=ppt/slideLayouts/slideLayout5.xml><?xml version="1.0" encoding="utf-8"?>
+<file path=ppt/slideLayouts/slideLayout16.xml><?xml version="1.0" encoding="utf-8"?>
 <p:sldLayout xmlns:a="http://schemas.openxmlformats.org/drawingml/2006/main" xmlns:r="http://schemas.openxmlformats.org/officeDocument/2006/relationships" xmlns:p="http://schemas.openxmlformats.org/presentationml/2006/main" type="twoTxTwoObj" preserve="1">
   <p:cSld name="比较">
     <p:spTree>
@@ -1496,13 +1483,7 @@
       </p:grpSpPr>
       <p:sp>
         <p:nvSpPr>
-          <p:cNvPr id="2" name="标题 1">
-            <a:extLst>
-              <a:ext uri="{FF2B5EF4-FFF2-40B4-BE49-F238E27FC236}">
-                <a16:creationId xmlns:a16="http://schemas.microsoft.com/office/drawing/2014/main" id="{84D2D9C1-FFE7-41A2-84F2-0B2A71D37B7B}"/>
-              </a:ext>
-            </a:extLst>
-          </p:cNvPr>
+          <p:cNvPr id="2" name="标题 1"/>
           <p:cNvSpPr>
             <a:spLocks noGrp="1"/>
           </p:cNvSpPr>
@@ -1524,18 +1505,13 @@
               <a:rPr lang="zh-CN" altLang="en-US"/>
               <a:t>单击此处编辑母版标题样式</a:t>
             </a:r>
-          </a:p>
-        </p:txBody>
-      </p:sp>
-      <p:sp>
-        <p:nvSpPr>
-          <p:cNvPr id="3" name="文本占位符 2">
-            <a:extLst>
-              <a:ext uri="{FF2B5EF4-FFF2-40B4-BE49-F238E27FC236}">
-                <a16:creationId xmlns:a16="http://schemas.microsoft.com/office/drawing/2014/main" id="{FF6FABFA-1FCD-41B0-8244-A6D43597F9AD}"/>
-              </a:ext>
-            </a:extLst>
-          </p:cNvPr>
+            <a:endParaRPr lang="zh-CN" altLang="en-US"/>
+          </a:p>
+        </p:txBody>
+      </p:sp>
+      <p:sp>
+        <p:nvSpPr>
+          <p:cNvPr id="3" name="文本占位符 2"/>
           <p:cNvSpPr>
             <a:spLocks noGrp="1"/>
           </p:cNvSpPr>
@@ -1595,18 +1571,13 @@
               <a:rPr lang="zh-CN" altLang="en-US"/>
               <a:t>单击此处编辑母版文本样式</a:t>
             </a:r>
-          </a:p>
-        </p:txBody>
-      </p:sp>
-      <p:sp>
-        <p:nvSpPr>
-          <p:cNvPr id="4" name="内容占位符 3">
-            <a:extLst>
-              <a:ext uri="{FF2B5EF4-FFF2-40B4-BE49-F238E27FC236}">
-                <a16:creationId xmlns:a16="http://schemas.microsoft.com/office/drawing/2014/main" id="{A08591C8-35A9-49C0-8E9E-C49896EE45BC}"/>
-              </a:ext>
-            </a:extLst>
-          </p:cNvPr>
+            <a:endParaRPr lang="zh-CN" altLang="en-US"/>
+          </a:p>
+        </p:txBody>
+      </p:sp>
+      <p:sp>
+        <p:nvSpPr>
+          <p:cNvPr id="4" name="内容占位符 3"/>
           <p:cNvSpPr>
             <a:spLocks noGrp="1"/>
           </p:cNvSpPr>
@@ -1629,6 +1600,7 @@
               <a:rPr lang="zh-CN" altLang="en-US"/>
               <a:t>单击此处编辑母版文本样式</a:t>
             </a:r>
+            <a:endParaRPr lang="zh-CN" altLang="en-US"/>
           </a:p>
           <a:p>
             <a:pPr lvl="1"/>
@@ -1636,6 +1608,7 @@
               <a:rPr lang="zh-CN" altLang="en-US"/>
               <a:t>二级</a:t>
             </a:r>
+            <a:endParaRPr lang="zh-CN" altLang="en-US"/>
           </a:p>
           <a:p>
             <a:pPr lvl="2"/>
@@ -1643,6 +1616,7 @@
               <a:rPr lang="zh-CN" altLang="en-US"/>
               <a:t>三级</a:t>
             </a:r>
+            <a:endParaRPr lang="zh-CN" altLang="en-US"/>
           </a:p>
           <a:p>
             <a:pPr lvl="3"/>
@@ -1650,6 +1624,7 @@
               <a:rPr lang="zh-CN" altLang="en-US"/>
               <a:t>四级</a:t>
             </a:r>
+            <a:endParaRPr lang="zh-CN" altLang="en-US"/>
           </a:p>
           <a:p>
             <a:pPr lvl="4"/>
@@ -1657,18 +1632,13 @@
               <a:rPr lang="zh-CN" altLang="en-US"/>
               <a:t>五级</a:t>
             </a:r>
-          </a:p>
-        </p:txBody>
-      </p:sp>
-      <p:sp>
-        <p:nvSpPr>
-          <p:cNvPr id="5" name="文本占位符 4">
-            <a:extLst>
-              <a:ext uri="{FF2B5EF4-FFF2-40B4-BE49-F238E27FC236}">
-                <a16:creationId xmlns:a16="http://schemas.microsoft.com/office/drawing/2014/main" id="{31286B90-0B4C-4925-A28A-B81D9B3F7DFA}"/>
-              </a:ext>
-            </a:extLst>
-          </p:cNvPr>
+            <a:endParaRPr lang="zh-CN" altLang="en-US"/>
+          </a:p>
+        </p:txBody>
+      </p:sp>
+      <p:sp>
+        <p:nvSpPr>
+          <p:cNvPr id="5" name="文本占位符 4"/>
           <p:cNvSpPr>
             <a:spLocks noGrp="1"/>
           </p:cNvSpPr>
@@ -1728,18 +1698,13 @@
               <a:rPr lang="zh-CN" altLang="en-US"/>
               <a:t>单击此处编辑母版文本样式</a:t>
             </a:r>
-          </a:p>
-        </p:txBody>
-      </p:sp>
-      <p:sp>
-        <p:nvSpPr>
-          <p:cNvPr id="6" name="内容占位符 5">
-            <a:extLst>
-              <a:ext uri="{FF2B5EF4-FFF2-40B4-BE49-F238E27FC236}">
-                <a16:creationId xmlns:a16="http://schemas.microsoft.com/office/drawing/2014/main" id="{FD09F516-BD0C-4C1D-B97B-0F4AD87CF67D}"/>
-              </a:ext>
-            </a:extLst>
-          </p:cNvPr>
+            <a:endParaRPr lang="zh-CN" altLang="en-US"/>
+          </a:p>
+        </p:txBody>
+      </p:sp>
+      <p:sp>
+        <p:nvSpPr>
+          <p:cNvPr id="6" name="内容占位符 5"/>
           <p:cNvSpPr>
             <a:spLocks noGrp="1"/>
           </p:cNvSpPr>
@@ -1762,6 +1727,7 @@
               <a:rPr lang="zh-CN" altLang="en-US"/>
               <a:t>单击此处编辑母版文本样式</a:t>
             </a:r>
+            <a:endParaRPr lang="zh-CN" altLang="en-US"/>
           </a:p>
           <a:p>
             <a:pPr lvl="1"/>
@@ -1769,6 +1735,7 @@
               <a:rPr lang="zh-CN" altLang="en-US"/>
               <a:t>二级</a:t>
             </a:r>
+            <a:endParaRPr lang="zh-CN" altLang="en-US"/>
           </a:p>
           <a:p>
             <a:pPr lvl="2"/>
@@ -1776,6 +1743,7 @@
               <a:rPr lang="zh-CN" altLang="en-US"/>
               <a:t>三级</a:t>
             </a:r>
+            <a:endParaRPr lang="zh-CN" altLang="en-US"/>
           </a:p>
           <a:p>
             <a:pPr lvl="3"/>
@@ -1783,6 +1751,7 @@
               <a:rPr lang="zh-CN" altLang="en-US"/>
               <a:t>四级</a:t>
             </a:r>
+            <a:endParaRPr lang="zh-CN" altLang="en-US"/>
           </a:p>
           <a:p>
             <a:pPr lvl="4"/>
@@ -1790,18 +1759,13 @@
               <a:rPr lang="zh-CN" altLang="en-US"/>
               <a:t>五级</a:t>
             </a:r>
-          </a:p>
-        </p:txBody>
-      </p:sp>
-      <p:sp>
-        <p:nvSpPr>
-          <p:cNvPr id="7" name="日期占位符 6">
-            <a:extLst>
-              <a:ext uri="{FF2B5EF4-FFF2-40B4-BE49-F238E27FC236}">
-                <a16:creationId xmlns:a16="http://schemas.microsoft.com/office/drawing/2014/main" id="{E77E2540-FDEF-437F-AEFA-7A9795751768}"/>
-              </a:ext>
-            </a:extLst>
-          </p:cNvPr>
+            <a:endParaRPr lang="zh-CN" altLang="en-US"/>
+          </a:p>
+        </p:txBody>
+      </p:sp>
+      <p:sp>
+        <p:nvSpPr>
+          <p:cNvPr id="7" name="日期占位符 6"/>
           <p:cNvSpPr>
             <a:spLocks noGrp="1"/>
           </p:cNvSpPr>
@@ -1816,7 +1780,6 @@
           <a:p>
             <a:fld id="{D2D017DA-0543-4E38-9214-B2509AA08C8B}" type="datetimeFigureOut">
               <a:rPr lang="zh-CN" altLang="en-US" smtClean="0"/>
-              <a:t>2021/2/4</a:t>
             </a:fld>
             <a:endParaRPr lang="zh-CN" altLang="en-US"/>
           </a:p>
@@ -1824,13 +1787,7 @@
       </p:sp>
       <p:sp>
         <p:nvSpPr>
-          <p:cNvPr id="8" name="页脚占位符 7">
-            <a:extLst>
-              <a:ext uri="{FF2B5EF4-FFF2-40B4-BE49-F238E27FC236}">
-                <a16:creationId xmlns:a16="http://schemas.microsoft.com/office/drawing/2014/main" id="{3F4B1048-6E62-44E3-BA3C-86BABC147601}"/>
-              </a:ext>
-            </a:extLst>
-          </p:cNvPr>
+          <p:cNvPr id="8" name="页脚占位符 7"/>
           <p:cNvSpPr>
             <a:spLocks noGrp="1"/>
           </p:cNvSpPr>
@@ -1849,13 +1806,7 @@
       </p:sp>
       <p:sp>
         <p:nvSpPr>
-          <p:cNvPr id="9" name="灯片编号占位符 8">
-            <a:extLst>
-              <a:ext uri="{FF2B5EF4-FFF2-40B4-BE49-F238E27FC236}">
-                <a16:creationId xmlns:a16="http://schemas.microsoft.com/office/drawing/2014/main" id="{15CD24C3-9E08-4E31-A7BA-B7431A4B69A5}"/>
-              </a:ext>
-            </a:extLst>
-          </p:cNvPr>
+          <p:cNvPr id="9" name="灯片编号占位符 8"/>
           <p:cNvSpPr>
             <a:spLocks noGrp="1"/>
           </p:cNvSpPr>
@@ -1870,18 +1821,12 @@
           <a:p>
             <a:fld id="{CD2B535B-F7D0-4E92-AFE6-0DDD8B46AA88}" type="slidenum">
               <a:rPr lang="zh-CN" altLang="en-US" smtClean="0"/>
-              <a:t>‹#›</a:t>
             </a:fld>
             <a:endParaRPr lang="zh-CN" altLang="en-US"/>
           </a:p>
         </p:txBody>
       </p:sp>
     </p:spTree>
-    <p:extLst>
-      <p:ext uri="{BB962C8B-B14F-4D97-AF65-F5344CB8AC3E}">
-        <p14:creationId xmlns:p14="http://schemas.microsoft.com/office/powerpoint/2010/main" val="995840315"/>
-      </p:ext>
-    </p:extLst>
   </p:cSld>
   <p:clrMapOvr>
     <a:masterClrMapping/>
@@ -1889,7 +1834,7 @@
 </p:sldLayout>
 </file>
 
-<file path=ppt/slideLayouts/slideLayout6.xml><?xml version="1.0" encoding="utf-8"?>
+<file path=ppt/slideLayouts/slideLayout17.xml><?xml version="1.0" encoding="utf-8"?>
 <p:sldLayout xmlns:a="http://schemas.openxmlformats.org/drawingml/2006/main" xmlns:r="http://schemas.openxmlformats.org/officeDocument/2006/relationships" xmlns:p="http://schemas.openxmlformats.org/presentationml/2006/main" type="titleOnly" preserve="1">
   <p:cSld name="仅标题">
     <p:spTree>
@@ -1908,13 +1853,7 @@
       </p:grpSpPr>
       <p:sp>
         <p:nvSpPr>
-          <p:cNvPr id="2" name="标题 1">
-            <a:extLst>
-              <a:ext uri="{FF2B5EF4-FFF2-40B4-BE49-F238E27FC236}">
-                <a16:creationId xmlns:a16="http://schemas.microsoft.com/office/drawing/2014/main" id="{2C918C94-A8AF-4F5C-AAEA-D124DADD2F58}"/>
-              </a:ext>
-            </a:extLst>
-          </p:cNvPr>
+          <p:cNvPr id="2" name="标题 1"/>
           <p:cNvSpPr>
             <a:spLocks noGrp="1"/>
           </p:cNvSpPr>
@@ -1931,18 +1870,13 @@
               <a:rPr lang="zh-CN" altLang="en-US"/>
               <a:t>单击此处编辑母版标题样式</a:t>
             </a:r>
-          </a:p>
-        </p:txBody>
-      </p:sp>
-      <p:sp>
-        <p:nvSpPr>
-          <p:cNvPr id="3" name="日期占位符 2">
-            <a:extLst>
-              <a:ext uri="{FF2B5EF4-FFF2-40B4-BE49-F238E27FC236}">
-                <a16:creationId xmlns:a16="http://schemas.microsoft.com/office/drawing/2014/main" id="{D05DA932-D4C1-4C56-AD0B-1F15A2CD8238}"/>
-              </a:ext>
-            </a:extLst>
-          </p:cNvPr>
+            <a:endParaRPr lang="zh-CN" altLang="en-US"/>
+          </a:p>
+        </p:txBody>
+      </p:sp>
+      <p:sp>
+        <p:nvSpPr>
+          <p:cNvPr id="3" name="日期占位符 2"/>
           <p:cNvSpPr>
             <a:spLocks noGrp="1"/>
           </p:cNvSpPr>
@@ -1957,7 +1891,6 @@
           <a:p>
             <a:fld id="{D2D017DA-0543-4E38-9214-B2509AA08C8B}" type="datetimeFigureOut">
               <a:rPr lang="zh-CN" altLang="en-US" smtClean="0"/>
-              <a:t>2021/2/4</a:t>
             </a:fld>
             <a:endParaRPr lang="zh-CN" altLang="en-US"/>
           </a:p>
@@ -1965,13 +1898,7 @@
       </p:sp>
       <p:sp>
         <p:nvSpPr>
-          <p:cNvPr id="4" name="页脚占位符 3">
-            <a:extLst>
-              <a:ext uri="{FF2B5EF4-FFF2-40B4-BE49-F238E27FC236}">
-                <a16:creationId xmlns:a16="http://schemas.microsoft.com/office/drawing/2014/main" id="{4A9301E3-881E-490B-B31A-774D51A1CAA2}"/>
-              </a:ext>
-            </a:extLst>
-          </p:cNvPr>
+          <p:cNvPr id="4" name="页脚占位符 3"/>
           <p:cNvSpPr>
             <a:spLocks noGrp="1"/>
           </p:cNvSpPr>
@@ -1990,13 +1917,7 @@
       </p:sp>
       <p:sp>
         <p:nvSpPr>
-          <p:cNvPr id="5" name="灯片编号占位符 4">
-            <a:extLst>
-              <a:ext uri="{FF2B5EF4-FFF2-40B4-BE49-F238E27FC236}">
-                <a16:creationId xmlns:a16="http://schemas.microsoft.com/office/drawing/2014/main" id="{B9D08AEF-0369-4081-B2C8-5B4801EBBDA2}"/>
-              </a:ext>
-            </a:extLst>
-          </p:cNvPr>
+          <p:cNvPr id="5" name="灯片编号占位符 4"/>
           <p:cNvSpPr>
             <a:spLocks noGrp="1"/>
           </p:cNvSpPr>
@@ -2011,18 +1932,12 @@
           <a:p>
             <a:fld id="{CD2B535B-F7D0-4E92-AFE6-0DDD8B46AA88}" type="slidenum">
               <a:rPr lang="zh-CN" altLang="en-US" smtClean="0"/>
-              <a:t>‹#›</a:t>
             </a:fld>
             <a:endParaRPr lang="zh-CN" altLang="en-US"/>
           </a:p>
         </p:txBody>
       </p:sp>
     </p:spTree>
-    <p:extLst>
-      <p:ext uri="{BB962C8B-B14F-4D97-AF65-F5344CB8AC3E}">
-        <p14:creationId xmlns:p14="http://schemas.microsoft.com/office/powerpoint/2010/main" val="1871041505"/>
-      </p:ext>
-    </p:extLst>
   </p:cSld>
   <p:clrMapOvr>
     <a:masterClrMapping/>
@@ -2030,7 +1945,7 @@
 </p:sldLayout>
 </file>
 
-<file path=ppt/slideLayouts/slideLayout7.xml><?xml version="1.0" encoding="utf-8"?>
+<file path=ppt/slideLayouts/slideLayout18.xml><?xml version="1.0" encoding="utf-8"?>
 <p:sldLayout xmlns:a="http://schemas.openxmlformats.org/drawingml/2006/main" xmlns:r="http://schemas.openxmlformats.org/officeDocument/2006/relationships" xmlns:p="http://schemas.openxmlformats.org/presentationml/2006/main" type="blank" preserve="1">
   <p:cSld name="空白">
     <p:spTree>
@@ -2049,13 +1964,7 @@
       </p:grpSpPr>
       <p:sp>
         <p:nvSpPr>
-          <p:cNvPr id="2" name="日期占位符 1">
-            <a:extLst>
-              <a:ext uri="{FF2B5EF4-FFF2-40B4-BE49-F238E27FC236}">
-                <a16:creationId xmlns:a16="http://schemas.microsoft.com/office/drawing/2014/main" id="{51E9D189-0F3E-4B70-819A-AFB7BAD48F11}"/>
-              </a:ext>
-            </a:extLst>
-          </p:cNvPr>
+          <p:cNvPr id="2" name="日期占位符 1"/>
           <p:cNvSpPr>
             <a:spLocks noGrp="1"/>
           </p:cNvSpPr>
@@ -2070,7 +1979,6 @@
           <a:p>
             <a:fld id="{D2D017DA-0543-4E38-9214-B2509AA08C8B}" type="datetimeFigureOut">
               <a:rPr lang="zh-CN" altLang="en-US" smtClean="0"/>
-              <a:t>2021/2/4</a:t>
             </a:fld>
             <a:endParaRPr lang="zh-CN" altLang="en-US"/>
           </a:p>
@@ -2078,13 +1986,7 @@
       </p:sp>
       <p:sp>
         <p:nvSpPr>
-          <p:cNvPr id="3" name="页脚占位符 2">
-            <a:extLst>
-              <a:ext uri="{FF2B5EF4-FFF2-40B4-BE49-F238E27FC236}">
-                <a16:creationId xmlns:a16="http://schemas.microsoft.com/office/drawing/2014/main" id="{09B6B921-115C-4025-90C8-5078815F19F3}"/>
-              </a:ext>
-            </a:extLst>
-          </p:cNvPr>
+          <p:cNvPr id="3" name="页脚占位符 2"/>
           <p:cNvSpPr>
             <a:spLocks noGrp="1"/>
           </p:cNvSpPr>
@@ -2103,13 +2005,7 @@
       </p:sp>
       <p:sp>
         <p:nvSpPr>
-          <p:cNvPr id="4" name="灯片编号占位符 3">
-            <a:extLst>
-              <a:ext uri="{FF2B5EF4-FFF2-40B4-BE49-F238E27FC236}">
-                <a16:creationId xmlns:a16="http://schemas.microsoft.com/office/drawing/2014/main" id="{714F095F-0F4B-455F-9DC7-6E19F787B99A}"/>
-              </a:ext>
-            </a:extLst>
-          </p:cNvPr>
+          <p:cNvPr id="4" name="灯片编号占位符 3"/>
           <p:cNvSpPr>
             <a:spLocks noGrp="1"/>
           </p:cNvSpPr>
@@ -2124,18 +2020,12 @@
           <a:p>
             <a:fld id="{CD2B535B-F7D0-4E92-AFE6-0DDD8B46AA88}" type="slidenum">
               <a:rPr lang="zh-CN" altLang="en-US" smtClean="0"/>
-              <a:t>‹#›</a:t>
             </a:fld>
             <a:endParaRPr lang="zh-CN" altLang="en-US"/>
           </a:p>
         </p:txBody>
       </p:sp>
     </p:spTree>
-    <p:extLst>
-      <p:ext uri="{BB962C8B-B14F-4D97-AF65-F5344CB8AC3E}">
-        <p14:creationId xmlns:p14="http://schemas.microsoft.com/office/powerpoint/2010/main" val="1238195493"/>
-      </p:ext>
-    </p:extLst>
   </p:cSld>
   <p:clrMapOvr>
     <a:masterClrMapping/>
@@ -2143,7 +2033,7 @@
 </p:sldLayout>
 </file>
 
-<file path=ppt/slideLayouts/slideLayout8.xml><?xml version="1.0" encoding="utf-8"?>
+<file path=ppt/slideLayouts/slideLayout19.xml><?xml version="1.0" encoding="utf-8"?>
 <p:sldLayout xmlns:a="http://schemas.openxmlformats.org/drawingml/2006/main" xmlns:r="http://schemas.openxmlformats.org/officeDocument/2006/relationships" xmlns:p="http://schemas.openxmlformats.org/presentationml/2006/main" type="objTx" preserve="1">
   <p:cSld name="内容与标题">
     <p:spTree>
@@ -2162,13 +2052,7 @@
       </p:grpSpPr>
       <p:sp>
         <p:nvSpPr>
-          <p:cNvPr id="2" name="标题 1">
-            <a:extLst>
-              <a:ext uri="{FF2B5EF4-FFF2-40B4-BE49-F238E27FC236}">
-                <a16:creationId xmlns:a16="http://schemas.microsoft.com/office/drawing/2014/main" id="{90289B2A-0172-46DE-8036-2C53488974DA}"/>
-              </a:ext>
-            </a:extLst>
-          </p:cNvPr>
+          <p:cNvPr id="2" name="标题 1"/>
           <p:cNvSpPr>
             <a:spLocks noGrp="1"/>
           </p:cNvSpPr>
@@ -2194,18 +2078,13 @@
               <a:rPr lang="zh-CN" altLang="en-US"/>
               <a:t>单击此处编辑母版标题样式</a:t>
             </a:r>
-          </a:p>
-        </p:txBody>
-      </p:sp>
-      <p:sp>
-        <p:nvSpPr>
-          <p:cNvPr id="3" name="内容占位符 2">
-            <a:extLst>
-              <a:ext uri="{FF2B5EF4-FFF2-40B4-BE49-F238E27FC236}">
-                <a16:creationId xmlns:a16="http://schemas.microsoft.com/office/drawing/2014/main" id="{50D413AF-205E-4A24-83C8-E571304124EE}"/>
-              </a:ext>
-            </a:extLst>
-          </p:cNvPr>
+            <a:endParaRPr lang="zh-CN" altLang="en-US"/>
+          </a:p>
+        </p:txBody>
+      </p:sp>
+      <p:sp>
+        <p:nvSpPr>
+          <p:cNvPr id="3" name="内容占位符 2"/>
           <p:cNvSpPr>
             <a:spLocks noGrp="1"/>
           </p:cNvSpPr>
@@ -2256,6 +2135,7 @@
               <a:rPr lang="zh-CN" altLang="en-US"/>
               <a:t>单击此处编辑母版文本样式</a:t>
             </a:r>
+            <a:endParaRPr lang="zh-CN" altLang="en-US"/>
           </a:p>
           <a:p>
             <a:pPr lvl="1"/>
@@ -2263,6 +2143,7 @@
               <a:rPr lang="zh-CN" altLang="en-US"/>
               <a:t>二级</a:t>
             </a:r>
+            <a:endParaRPr lang="zh-CN" altLang="en-US"/>
           </a:p>
           <a:p>
             <a:pPr lvl="2"/>
@@ -2270,6 +2151,7 @@
               <a:rPr lang="zh-CN" altLang="en-US"/>
               <a:t>三级</a:t>
             </a:r>
+            <a:endParaRPr lang="zh-CN" altLang="en-US"/>
           </a:p>
           <a:p>
             <a:pPr lvl="3"/>
@@ -2277,6 +2159,7 @@
               <a:rPr lang="zh-CN" altLang="en-US"/>
               <a:t>四级</a:t>
             </a:r>
+            <a:endParaRPr lang="zh-CN" altLang="en-US"/>
           </a:p>
           <a:p>
             <a:pPr lvl="4"/>
@@ -2284,18 +2167,13 @@
               <a:rPr lang="zh-CN" altLang="en-US"/>
               <a:t>五级</a:t>
             </a:r>
-          </a:p>
-        </p:txBody>
-      </p:sp>
-      <p:sp>
-        <p:nvSpPr>
-          <p:cNvPr id="4" name="文本占位符 3">
-            <a:extLst>
-              <a:ext uri="{FF2B5EF4-FFF2-40B4-BE49-F238E27FC236}">
-                <a16:creationId xmlns:a16="http://schemas.microsoft.com/office/drawing/2014/main" id="{88AC6F9F-2608-44C8-BFD5-42A1D69E1F09}"/>
-              </a:ext>
-            </a:extLst>
-          </p:cNvPr>
+            <a:endParaRPr lang="zh-CN" altLang="en-US"/>
+          </a:p>
+        </p:txBody>
+      </p:sp>
+      <p:sp>
+        <p:nvSpPr>
+          <p:cNvPr id="4" name="文本占位符 3"/>
           <p:cNvSpPr>
             <a:spLocks noGrp="1"/>
           </p:cNvSpPr>
@@ -2355,18 +2233,13 @@
               <a:rPr lang="zh-CN" altLang="en-US"/>
               <a:t>单击此处编辑母版文本样式</a:t>
             </a:r>
-          </a:p>
-        </p:txBody>
-      </p:sp>
-      <p:sp>
-        <p:nvSpPr>
-          <p:cNvPr id="5" name="日期占位符 4">
-            <a:extLst>
-              <a:ext uri="{FF2B5EF4-FFF2-40B4-BE49-F238E27FC236}">
-                <a16:creationId xmlns:a16="http://schemas.microsoft.com/office/drawing/2014/main" id="{13DEFE88-329B-4F56-99C2-F6D51040F740}"/>
-              </a:ext>
-            </a:extLst>
-          </p:cNvPr>
+            <a:endParaRPr lang="zh-CN" altLang="en-US"/>
+          </a:p>
+        </p:txBody>
+      </p:sp>
+      <p:sp>
+        <p:nvSpPr>
+          <p:cNvPr id="5" name="日期占位符 4"/>
           <p:cNvSpPr>
             <a:spLocks noGrp="1"/>
           </p:cNvSpPr>
@@ -2381,7 +2254,6 @@
           <a:p>
             <a:fld id="{D2D017DA-0543-4E38-9214-B2509AA08C8B}" type="datetimeFigureOut">
               <a:rPr lang="zh-CN" altLang="en-US" smtClean="0"/>
-              <a:t>2021/2/4</a:t>
             </a:fld>
             <a:endParaRPr lang="zh-CN" altLang="en-US"/>
           </a:p>
@@ -2389,13 +2261,7 @@
       </p:sp>
       <p:sp>
         <p:nvSpPr>
-          <p:cNvPr id="6" name="页脚占位符 5">
-            <a:extLst>
-              <a:ext uri="{FF2B5EF4-FFF2-40B4-BE49-F238E27FC236}">
-                <a16:creationId xmlns:a16="http://schemas.microsoft.com/office/drawing/2014/main" id="{220C77CF-7966-4113-B56D-FD3CBBEFCC25}"/>
-              </a:ext>
-            </a:extLst>
-          </p:cNvPr>
+          <p:cNvPr id="6" name="页脚占位符 5"/>
           <p:cNvSpPr>
             <a:spLocks noGrp="1"/>
           </p:cNvSpPr>
@@ -2414,13 +2280,7 @@
       </p:sp>
       <p:sp>
         <p:nvSpPr>
-          <p:cNvPr id="7" name="灯片编号占位符 6">
-            <a:extLst>
-              <a:ext uri="{FF2B5EF4-FFF2-40B4-BE49-F238E27FC236}">
-                <a16:creationId xmlns:a16="http://schemas.microsoft.com/office/drawing/2014/main" id="{73EE250D-B8E6-4AC0-887A-F0FCF828E8FC}"/>
-              </a:ext>
-            </a:extLst>
-          </p:cNvPr>
+          <p:cNvPr id="7" name="灯片编号占位符 6"/>
           <p:cNvSpPr>
             <a:spLocks noGrp="1"/>
           </p:cNvSpPr>
@@ -2435,18 +2295,2087 @@
           <a:p>
             <a:fld id="{CD2B535B-F7D0-4E92-AFE6-0DDD8B46AA88}" type="slidenum">
               <a:rPr lang="zh-CN" altLang="en-US" smtClean="0"/>
-              <a:t>‹#›</a:t>
             </a:fld>
             <a:endParaRPr lang="zh-CN" altLang="en-US"/>
           </a:p>
         </p:txBody>
       </p:sp>
     </p:spTree>
-    <p:extLst>
-      <p:ext uri="{BB962C8B-B14F-4D97-AF65-F5344CB8AC3E}">
-        <p14:creationId xmlns:p14="http://schemas.microsoft.com/office/powerpoint/2010/main" val="2930505028"/>
-      </p:ext>
-    </p:extLst>
+  </p:cSld>
+  <p:clrMapOvr>
+    <a:masterClrMapping/>
+  </p:clrMapOvr>
+</p:sldLayout>
+</file>
+
+<file path=ppt/slideLayouts/slideLayout2.xml><?xml version="1.0" encoding="utf-8"?>
+<p:sldLayout xmlns:a="http://schemas.openxmlformats.org/drawingml/2006/main" xmlns:r="http://schemas.openxmlformats.org/officeDocument/2006/relationships" xmlns:p="http://schemas.openxmlformats.org/presentationml/2006/main" type="obj" preserve="1">
+  <p:cSld name="标题和内容">
+    <p:spTree>
+      <p:nvGrpSpPr>
+        <p:cNvPr id="1" name=""/>
+        <p:cNvGrpSpPr/>
+        <p:nvPr/>
+      </p:nvGrpSpPr>
+      <p:grpSpPr>
+        <a:xfrm>
+          <a:off x="0" y="0"/>
+          <a:ext cx="0" cy="0"/>
+          <a:chOff x="0" y="0"/>
+          <a:chExt cx="0" cy="0"/>
+        </a:xfrm>
+      </p:grpSpPr>
+      <p:sp>
+        <p:nvSpPr>
+          <p:cNvPr id="2" name="标题 1"/>
+          <p:cNvSpPr>
+            <a:spLocks noGrp="1"/>
+          </p:cNvSpPr>
+          <p:nvPr>
+            <p:ph type="title"/>
+          </p:nvPr>
+        </p:nvSpPr>
+        <p:spPr/>
+        <p:txBody>
+          <a:bodyPr/>
+          <a:lstStyle/>
+          <a:p>
+            <a:r>
+              <a:rPr lang="zh-CN" altLang="en-US"/>
+              <a:t>单击此处编辑母版标题样式</a:t>
+            </a:r>
+            <a:endParaRPr lang="zh-CN" altLang="en-US"/>
+          </a:p>
+        </p:txBody>
+      </p:sp>
+      <p:sp>
+        <p:nvSpPr>
+          <p:cNvPr id="3" name="内容占位符 2"/>
+          <p:cNvSpPr>
+            <a:spLocks noGrp="1"/>
+          </p:cNvSpPr>
+          <p:nvPr>
+            <p:ph idx="1"/>
+          </p:nvPr>
+        </p:nvSpPr>
+        <p:spPr/>
+        <p:txBody>
+          <a:bodyPr/>
+          <a:lstStyle/>
+          <a:p>
+            <a:pPr lvl="0"/>
+            <a:r>
+              <a:rPr lang="zh-CN" altLang="en-US"/>
+              <a:t>单击此处编辑母版文本样式</a:t>
+            </a:r>
+            <a:endParaRPr lang="zh-CN" altLang="en-US"/>
+          </a:p>
+          <a:p>
+            <a:pPr lvl="1"/>
+            <a:r>
+              <a:rPr lang="zh-CN" altLang="en-US"/>
+              <a:t>二级</a:t>
+            </a:r>
+            <a:endParaRPr lang="zh-CN" altLang="en-US"/>
+          </a:p>
+          <a:p>
+            <a:pPr lvl="2"/>
+            <a:r>
+              <a:rPr lang="zh-CN" altLang="en-US"/>
+              <a:t>三级</a:t>
+            </a:r>
+            <a:endParaRPr lang="zh-CN" altLang="en-US"/>
+          </a:p>
+          <a:p>
+            <a:pPr lvl="3"/>
+            <a:r>
+              <a:rPr lang="zh-CN" altLang="en-US"/>
+              <a:t>四级</a:t>
+            </a:r>
+            <a:endParaRPr lang="zh-CN" altLang="en-US"/>
+          </a:p>
+          <a:p>
+            <a:pPr lvl="4"/>
+            <a:r>
+              <a:rPr lang="zh-CN" altLang="en-US"/>
+              <a:t>五级</a:t>
+            </a:r>
+            <a:endParaRPr lang="zh-CN" altLang="en-US"/>
+          </a:p>
+        </p:txBody>
+      </p:sp>
+      <p:sp>
+        <p:nvSpPr>
+          <p:cNvPr id="4" name="日期占位符 3"/>
+          <p:cNvSpPr>
+            <a:spLocks noGrp="1"/>
+          </p:cNvSpPr>
+          <p:nvPr>
+            <p:ph type="dt" sz="half" idx="10"/>
+          </p:nvPr>
+        </p:nvSpPr>
+        <p:spPr/>
+        <p:txBody>
+          <a:bodyPr/>
+          <a:lstStyle/>
+          <a:p>
+            <a:fld id="{D2D017DA-0543-4E38-9214-B2509AA08C8B}" type="datetimeFigureOut">
+              <a:rPr lang="zh-CN" altLang="en-US" smtClean="0"/>
+            </a:fld>
+            <a:endParaRPr lang="zh-CN" altLang="en-US"/>
+          </a:p>
+        </p:txBody>
+      </p:sp>
+      <p:sp>
+        <p:nvSpPr>
+          <p:cNvPr id="5" name="页脚占位符 4"/>
+          <p:cNvSpPr>
+            <a:spLocks noGrp="1"/>
+          </p:cNvSpPr>
+          <p:nvPr>
+            <p:ph type="ftr" sz="quarter" idx="11"/>
+          </p:nvPr>
+        </p:nvSpPr>
+        <p:spPr/>
+        <p:txBody>
+          <a:bodyPr/>
+          <a:lstStyle/>
+          <a:p>
+            <a:endParaRPr lang="zh-CN" altLang="en-US"/>
+          </a:p>
+        </p:txBody>
+      </p:sp>
+      <p:sp>
+        <p:nvSpPr>
+          <p:cNvPr id="6" name="灯片编号占位符 5"/>
+          <p:cNvSpPr>
+            <a:spLocks noGrp="1"/>
+          </p:cNvSpPr>
+          <p:nvPr>
+            <p:ph type="sldNum" sz="quarter" idx="12"/>
+          </p:nvPr>
+        </p:nvSpPr>
+        <p:spPr/>
+        <p:txBody>
+          <a:bodyPr/>
+          <a:lstStyle/>
+          <a:p>
+            <a:fld id="{CD2B535B-F7D0-4E92-AFE6-0DDD8B46AA88}" type="slidenum">
+              <a:rPr lang="zh-CN" altLang="en-US" smtClean="0"/>
+            </a:fld>
+            <a:endParaRPr lang="zh-CN" altLang="en-US"/>
+          </a:p>
+        </p:txBody>
+      </p:sp>
+    </p:spTree>
+  </p:cSld>
+  <p:clrMapOvr>
+    <a:masterClrMapping/>
+  </p:clrMapOvr>
+</p:sldLayout>
+</file>
+
+<file path=ppt/slideLayouts/slideLayout20.xml><?xml version="1.0" encoding="utf-8"?>
+<p:sldLayout xmlns:a="http://schemas.openxmlformats.org/drawingml/2006/main" xmlns:r="http://schemas.openxmlformats.org/officeDocument/2006/relationships" xmlns:p="http://schemas.openxmlformats.org/presentationml/2006/main" type="picTx" preserve="1">
+  <p:cSld name="图片与标题">
+    <p:spTree>
+      <p:nvGrpSpPr>
+        <p:cNvPr id="1" name=""/>
+        <p:cNvGrpSpPr/>
+        <p:nvPr/>
+      </p:nvGrpSpPr>
+      <p:grpSpPr>
+        <a:xfrm>
+          <a:off x="0" y="0"/>
+          <a:ext cx="0" cy="0"/>
+          <a:chOff x="0" y="0"/>
+          <a:chExt cx="0" cy="0"/>
+        </a:xfrm>
+      </p:grpSpPr>
+      <p:sp>
+        <p:nvSpPr>
+          <p:cNvPr id="2" name="标题 1"/>
+          <p:cNvSpPr>
+            <a:spLocks noGrp="1"/>
+          </p:cNvSpPr>
+          <p:nvPr>
+            <p:ph type="title"/>
+          </p:nvPr>
+        </p:nvSpPr>
+        <p:spPr>
+          <a:xfrm>
+            <a:off x="839788" y="457200"/>
+            <a:ext cx="3932237" cy="1600200"/>
+          </a:xfrm>
+        </p:spPr>
+        <p:txBody>
+          <a:bodyPr anchor="b"/>
+          <a:lstStyle>
+            <a:lvl1pPr>
+              <a:defRPr sz="3200"/>
+            </a:lvl1pPr>
+          </a:lstStyle>
+          <a:p>
+            <a:r>
+              <a:rPr lang="zh-CN" altLang="en-US"/>
+              <a:t>单击此处编辑母版标题样式</a:t>
+            </a:r>
+            <a:endParaRPr lang="zh-CN" altLang="en-US"/>
+          </a:p>
+        </p:txBody>
+      </p:sp>
+      <p:sp>
+        <p:nvSpPr>
+          <p:cNvPr id="3" name="图片占位符 2"/>
+          <p:cNvSpPr>
+            <a:spLocks noGrp="1"/>
+          </p:cNvSpPr>
+          <p:nvPr>
+            <p:ph type="pic" idx="1"/>
+          </p:nvPr>
+        </p:nvSpPr>
+        <p:spPr>
+          <a:xfrm>
+            <a:off x="5183188" y="987425"/>
+            <a:ext cx="6172200" cy="4873625"/>
+          </a:xfrm>
+        </p:spPr>
+        <p:txBody>
+          <a:bodyPr/>
+          <a:lstStyle>
+            <a:lvl1pPr marL="0" indent="0">
+              <a:buNone/>
+              <a:defRPr sz="3200"/>
+            </a:lvl1pPr>
+            <a:lvl2pPr marL="457200" indent="0">
+              <a:buNone/>
+              <a:defRPr sz="2800"/>
+            </a:lvl2pPr>
+            <a:lvl3pPr marL="914400" indent="0">
+              <a:buNone/>
+              <a:defRPr sz="2400"/>
+            </a:lvl3pPr>
+            <a:lvl4pPr marL="1371600" indent="0">
+              <a:buNone/>
+              <a:defRPr sz="2000"/>
+            </a:lvl4pPr>
+            <a:lvl5pPr marL="1828800" indent="0">
+              <a:buNone/>
+              <a:defRPr sz="2000"/>
+            </a:lvl5pPr>
+            <a:lvl6pPr marL="2286000" indent="0">
+              <a:buNone/>
+              <a:defRPr sz="2000"/>
+            </a:lvl6pPr>
+            <a:lvl7pPr marL="2743200" indent="0">
+              <a:buNone/>
+              <a:defRPr sz="2000"/>
+            </a:lvl7pPr>
+            <a:lvl8pPr marL="3200400" indent="0">
+              <a:buNone/>
+              <a:defRPr sz="2000"/>
+            </a:lvl8pPr>
+            <a:lvl9pPr marL="3657600" indent="0">
+              <a:buNone/>
+              <a:defRPr sz="2000"/>
+            </a:lvl9pPr>
+          </a:lstStyle>
+          <a:p>
+            <a:endParaRPr lang="zh-CN" altLang="en-US"/>
+          </a:p>
+        </p:txBody>
+      </p:sp>
+      <p:sp>
+        <p:nvSpPr>
+          <p:cNvPr id="4" name="文本占位符 3"/>
+          <p:cNvSpPr>
+            <a:spLocks noGrp="1"/>
+          </p:cNvSpPr>
+          <p:nvPr>
+            <p:ph type="body" sz="half" idx="2"/>
+          </p:nvPr>
+        </p:nvSpPr>
+        <p:spPr>
+          <a:xfrm>
+            <a:off x="839788" y="2057400"/>
+            <a:ext cx="3932237" cy="3811588"/>
+          </a:xfrm>
+        </p:spPr>
+        <p:txBody>
+          <a:bodyPr/>
+          <a:lstStyle>
+            <a:lvl1pPr marL="0" indent="0">
+              <a:buNone/>
+              <a:defRPr sz="1600"/>
+            </a:lvl1pPr>
+            <a:lvl2pPr marL="457200" indent="0">
+              <a:buNone/>
+              <a:defRPr sz="1400"/>
+            </a:lvl2pPr>
+            <a:lvl3pPr marL="914400" indent="0">
+              <a:buNone/>
+              <a:defRPr sz="1200"/>
+            </a:lvl3pPr>
+            <a:lvl4pPr marL="1371600" indent="0">
+              <a:buNone/>
+              <a:defRPr sz="1000"/>
+            </a:lvl4pPr>
+            <a:lvl5pPr marL="1828800" indent="0">
+              <a:buNone/>
+              <a:defRPr sz="1000"/>
+            </a:lvl5pPr>
+            <a:lvl6pPr marL="2286000" indent="0">
+              <a:buNone/>
+              <a:defRPr sz="1000"/>
+            </a:lvl6pPr>
+            <a:lvl7pPr marL="2743200" indent="0">
+              <a:buNone/>
+              <a:defRPr sz="1000"/>
+            </a:lvl7pPr>
+            <a:lvl8pPr marL="3200400" indent="0">
+              <a:buNone/>
+              <a:defRPr sz="1000"/>
+            </a:lvl8pPr>
+            <a:lvl9pPr marL="3657600" indent="0">
+              <a:buNone/>
+              <a:defRPr sz="1000"/>
+            </a:lvl9pPr>
+          </a:lstStyle>
+          <a:p>
+            <a:pPr lvl="0"/>
+            <a:r>
+              <a:rPr lang="zh-CN" altLang="en-US"/>
+              <a:t>单击此处编辑母版文本样式</a:t>
+            </a:r>
+            <a:endParaRPr lang="zh-CN" altLang="en-US"/>
+          </a:p>
+        </p:txBody>
+      </p:sp>
+      <p:sp>
+        <p:nvSpPr>
+          <p:cNvPr id="5" name="日期占位符 4"/>
+          <p:cNvSpPr>
+            <a:spLocks noGrp="1"/>
+          </p:cNvSpPr>
+          <p:nvPr>
+            <p:ph type="dt" sz="half" idx="10"/>
+          </p:nvPr>
+        </p:nvSpPr>
+        <p:spPr/>
+        <p:txBody>
+          <a:bodyPr/>
+          <a:lstStyle/>
+          <a:p>
+            <a:fld id="{D2D017DA-0543-4E38-9214-B2509AA08C8B}" type="datetimeFigureOut">
+              <a:rPr lang="zh-CN" altLang="en-US" smtClean="0"/>
+            </a:fld>
+            <a:endParaRPr lang="zh-CN" altLang="en-US"/>
+          </a:p>
+        </p:txBody>
+      </p:sp>
+      <p:sp>
+        <p:nvSpPr>
+          <p:cNvPr id="6" name="页脚占位符 5"/>
+          <p:cNvSpPr>
+            <a:spLocks noGrp="1"/>
+          </p:cNvSpPr>
+          <p:nvPr>
+            <p:ph type="ftr" sz="quarter" idx="11"/>
+          </p:nvPr>
+        </p:nvSpPr>
+        <p:spPr/>
+        <p:txBody>
+          <a:bodyPr/>
+          <a:lstStyle/>
+          <a:p>
+            <a:endParaRPr lang="zh-CN" altLang="en-US"/>
+          </a:p>
+        </p:txBody>
+      </p:sp>
+      <p:sp>
+        <p:nvSpPr>
+          <p:cNvPr id="7" name="灯片编号占位符 6"/>
+          <p:cNvSpPr>
+            <a:spLocks noGrp="1"/>
+          </p:cNvSpPr>
+          <p:nvPr>
+            <p:ph type="sldNum" sz="quarter" idx="12"/>
+          </p:nvPr>
+        </p:nvSpPr>
+        <p:spPr/>
+        <p:txBody>
+          <a:bodyPr/>
+          <a:lstStyle/>
+          <a:p>
+            <a:fld id="{CD2B535B-F7D0-4E92-AFE6-0DDD8B46AA88}" type="slidenum">
+              <a:rPr lang="zh-CN" altLang="en-US" smtClean="0"/>
+            </a:fld>
+            <a:endParaRPr lang="zh-CN" altLang="en-US"/>
+          </a:p>
+        </p:txBody>
+      </p:sp>
+    </p:spTree>
+  </p:cSld>
+  <p:clrMapOvr>
+    <a:masterClrMapping/>
+  </p:clrMapOvr>
+</p:sldLayout>
+</file>
+
+<file path=ppt/slideLayouts/slideLayout21.xml><?xml version="1.0" encoding="utf-8"?>
+<p:sldLayout xmlns:a="http://schemas.openxmlformats.org/drawingml/2006/main" xmlns:r="http://schemas.openxmlformats.org/officeDocument/2006/relationships" xmlns:p="http://schemas.openxmlformats.org/presentationml/2006/main" type="vertTx" preserve="1">
+  <p:cSld name="标题和竖排文字">
+    <p:spTree>
+      <p:nvGrpSpPr>
+        <p:cNvPr id="1" name=""/>
+        <p:cNvGrpSpPr/>
+        <p:nvPr/>
+      </p:nvGrpSpPr>
+      <p:grpSpPr>
+        <a:xfrm>
+          <a:off x="0" y="0"/>
+          <a:ext cx="0" cy="0"/>
+          <a:chOff x="0" y="0"/>
+          <a:chExt cx="0" cy="0"/>
+        </a:xfrm>
+      </p:grpSpPr>
+      <p:sp>
+        <p:nvSpPr>
+          <p:cNvPr id="2" name="标题 1"/>
+          <p:cNvSpPr>
+            <a:spLocks noGrp="1"/>
+          </p:cNvSpPr>
+          <p:nvPr>
+            <p:ph type="title"/>
+          </p:nvPr>
+        </p:nvSpPr>
+        <p:spPr/>
+        <p:txBody>
+          <a:bodyPr/>
+          <a:lstStyle/>
+          <a:p>
+            <a:r>
+              <a:rPr lang="zh-CN" altLang="en-US"/>
+              <a:t>单击此处编辑母版标题样式</a:t>
+            </a:r>
+            <a:endParaRPr lang="zh-CN" altLang="en-US"/>
+          </a:p>
+        </p:txBody>
+      </p:sp>
+      <p:sp>
+        <p:nvSpPr>
+          <p:cNvPr id="3" name="竖排文字占位符 2"/>
+          <p:cNvSpPr>
+            <a:spLocks noGrp="1"/>
+          </p:cNvSpPr>
+          <p:nvPr>
+            <p:ph type="body" orient="vert" idx="1"/>
+          </p:nvPr>
+        </p:nvSpPr>
+        <p:spPr/>
+        <p:txBody>
+          <a:bodyPr vert="eaVert"/>
+          <a:lstStyle/>
+          <a:p>
+            <a:pPr lvl="0"/>
+            <a:r>
+              <a:rPr lang="zh-CN" altLang="en-US"/>
+              <a:t>单击此处编辑母版文本样式</a:t>
+            </a:r>
+            <a:endParaRPr lang="zh-CN" altLang="en-US"/>
+          </a:p>
+          <a:p>
+            <a:pPr lvl="1"/>
+            <a:r>
+              <a:rPr lang="zh-CN" altLang="en-US"/>
+              <a:t>二级</a:t>
+            </a:r>
+            <a:endParaRPr lang="zh-CN" altLang="en-US"/>
+          </a:p>
+          <a:p>
+            <a:pPr lvl="2"/>
+            <a:r>
+              <a:rPr lang="zh-CN" altLang="en-US"/>
+              <a:t>三级</a:t>
+            </a:r>
+            <a:endParaRPr lang="zh-CN" altLang="en-US"/>
+          </a:p>
+          <a:p>
+            <a:pPr lvl="3"/>
+            <a:r>
+              <a:rPr lang="zh-CN" altLang="en-US"/>
+              <a:t>四级</a:t>
+            </a:r>
+            <a:endParaRPr lang="zh-CN" altLang="en-US"/>
+          </a:p>
+          <a:p>
+            <a:pPr lvl="4"/>
+            <a:r>
+              <a:rPr lang="zh-CN" altLang="en-US"/>
+              <a:t>五级</a:t>
+            </a:r>
+            <a:endParaRPr lang="zh-CN" altLang="en-US"/>
+          </a:p>
+        </p:txBody>
+      </p:sp>
+      <p:sp>
+        <p:nvSpPr>
+          <p:cNvPr id="4" name="日期占位符 3"/>
+          <p:cNvSpPr>
+            <a:spLocks noGrp="1"/>
+          </p:cNvSpPr>
+          <p:nvPr>
+            <p:ph type="dt" sz="half" idx="10"/>
+          </p:nvPr>
+        </p:nvSpPr>
+        <p:spPr/>
+        <p:txBody>
+          <a:bodyPr/>
+          <a:lstStyle/>
+          <a:p>
+            <a:fld id="{D2D017DA-0543-4E38-9214-B2509AA08C8B}" type="datetimeFigureOut">
+              <a:rPr lang="zh-CN" altLang="en-US" smtClean="0"/>
+            </a:fld>
+            <a:endParaRPr lang="zh-CN" altLang="en-US"/>
+          </a:p>
+        </p:txBody>
+      </p:sp>
+      <p:sp>
+        <p:nvSpPr>
+          <p:cNvPr id="5" name="页脚占位符 4"/>
+          <p:cNvSpPr>
+            <a:spLocks noGrp="1"/>
+          </p:cNvSpPr>
+          <p:nvPr>
+            <p:ph type="ftr" sz="quarter" idx="11"/>
+          </p:nvPr>
+        </p:nvSpPr>
+        <p:spPr/>
+        <p:txBody>
+          <a:bodyPr/>
+          <a:lstStyle/>
+          <a:p>
+            <a:endParaRPr lang="zh-CN" altLang="en-US"/>
+          </a:p>
+        </p:txBody>
+      </p:sp>
+      <p:sp>
+        <p:nvSpPr>
+          <p:cNvPr id="6" name="灯片编号占位符 5"/>
+          <p:cNvSpPr>
+            <a:spLocks noGrp="1"/>
+          </p:cNvSpPr>
+          <p:nvPr>
+            <p:ph type="sldNum" sz="quarter" idx="12"/>
+          </p:nvPr>
+        </p:nvSpPr>
+        <p:spPr/>
+        <p:txBody>
+          <a:bodyPr/>
+          <a:lstStyle/>
+          <a:p>
+            <a:fld id="{CD2B535B-F7D0-4E92-AFE6-0DDD8B46AA88}" type="slidenum">
+              <a:rPr lang="zh-CN" altLang="en-US" smtClean="0"/>
+            </a:fld>
+            <a:endParaRPr lang="zh-CN" altLang="en-US"/>
+          </a:p>
+        </p:txBody>
+      </p:sp>
+    </p:spTree>
+  </p:cSld>
+  <p:clrMapOvr>
+    <a:masterClrMapping/>
+  </p:clrMapOvr>
+</p:sldLayout>
+</file>
+
+<file path=ppt/slideLayouts/slideLayout22.xml><?xml version="1.0" encoding="utf-8"?>
+<p:sldLayout xmlns:a="http://schemas.openxmlformats.org/drawingml/2006/main" xmlns:r="http://schemas.openxmlformats.org/officeDocument/2006/relationships" xmlns:p="http://schemas.openxmlformats.org/presentationml/2006/main" type="vertTitleAndTx" preserve="1">
+  <p:cSld name="竖排标题与文本">
+    <p:spTree>
+      <p:nvGrpSpPr>
+        <p:cNvPr id="1" name=""/>
+        <p:cNvGrpSpPr/>
+        <p:nvPr/>
+      </p:nvGrpSpPr>
+      <p:grpSpPr>
+        <a:xfrm>
+          <a:off x="0" y="0"/>
+          <a:ext cx="0" cy="0"/>
+          <a:chOff x="0" y="0"/>
+          <a:chExt cx="0" cy="0"/>
+        </a:xfrm>
+      </p:grpSpPr>
+      <p:sp>
+        <p:nvSpPr>
+          <p:cNvPr id="2" name="竖排标题 1"/>
+          <p:cNvSpPr>
+            <a:spLocks noGrp="1"/>
+          </p:cNvSpPr>
+          <p:nvPr>
+            <p:ph type="title" orient="vert"/>
+          </p:nvPr>
+        </p:nvSpPr>
+        <p:spPr>
+          <a:xfrm>
+            <a:off x="8724900" y="365125"/>
+            <a:ext cx="2628900" cy="5811838"/>
+          </a:xfrm>
+        </p:spPr>
+        <p:txBody>
+          <a:bodyPr vert="eaVert"/>
+          <a:lstStyle/>
+          <a:p>
+            <a:r>
+              <a:rPr lang="zh-CN" altLang="en-US"/>
+              <a:t>单击此处编辑母版标题样式</a:t>
+            </a:r>
+            <a:endParaRPr lang="zh-CN" altLang="en-US"/>
+          </a:p>
+        </p:txBody>
+      </p:sp>
+      <p:sp>
+        <p:nvSpPr>
+          <p:cNvPr id="3" name="竖排文字占位符 2"/>
+          <p:cNvSpPr>
+            <a:spLocks noGrp="1"/>
+          </p:cNvSpPr>
+          <p:nvPr>
+            <p:ph type="body" orient="vert" idx="1"/>
+          </p:nvPr>
+        </p:nvSpPr>
+        <p:spPr>
+          <a:xfrm>
+            <a:off x="838200" y="365125"/>
+            <a:ext cx="7734300" cy="5811838"/>
+          </a:xfrm>
+        </p:spPr>
+        <p:txBody>
+          <a:bodyPr vert="eaVert"/>
+          <a:lstStyle/>
+          <a:p>
+            <a:pPr lvl="0"/>
+            <a:r>
+              <a:rPr lang="zh-CN" altLang="en-US"/>
+              <a:t>单击此处编辑母版文本样式</a:t>
+            </a:r>
+            <a:endParaRPr lang="zh-CN" altLang="en-US"/>
+          </a:p>
+          <a:p>
+            <a:pPr lvl="1"/>
+            <a:r>
+              <a:rPr lang="zh-CN" altLang="en-US"/>
+              <a:t>二级</a:t>
+            </a:r>
+            <a:endParaRPr lang="zh-CN" altLang="en-US"/>
+          </a:p>
+          <a:p>
+            <a:pPr lvl="2"/>
+            <a:r>
+              <a:rPr lang="zh-CN" altLang="en-US"/>
+              <a:t>三级</a:t>
+            </a:r>
+            <a:endParaRPr lang="zh-CN" altLang="en-US"/>
+          </a:p>
+          <a:p>
+            <a:pPr lvl="3"/>
+            <a:r>
+              <a:rPr lang="zh-CN" altLang="en-US"/>
+              <a:t>四级</a:t>
+            </a:r>
+            <a:endParaRPr lang="zh-CN" altLang="en-US"/>
+          </a:p>
+          <a:p>
+            <a:pPr lvl="4"/>
+            <a:r>
+              <a:rPr lang="zh-CN" altLang="en-US"/>
+              <a:t>五级</a:t>
+            </a:r>
+            <a:endParaRPr lang="zh-CN" altLang="en-US"/>
+          </a:p>
+        </p:txBody>
+      </p:sp>
+      <p:sp>
+        <p:nvSpPr>
+          <p:cNvPr id="4" name="日期占位符 3"/>
+          <p:cNvSpPr>
+            <a:spLocks noGrp="1"/>
+          </p:cNvSpPr>
+          <p:nvPr>
+            <p:ph type="dt" sz="half" idx="10"/>
+          </p:nvPr>
+        </p:nvSpPr>
+        <p:spPr/>
+        <p:txBody>
+          <a:bodyPr/>
+          <a:lstStyle/>
+          <a:p>
+            <a:fld id="{D2D017DA-0543-4E38-9214-B2509AA08C8B}" type="datetimeFigureOut">
+              <a:rPr lang="zh-CN" altLang="en-US" smtClean="0"/>
+            </a:fld>
+            <a:endParaRPr lang="zh-CN" altLang="en-US"/>
+          </a:p>
+        </p:txBody>
+      </p:sp>
+      <p:sp>
+        <p:nvSpPr>
+          <p:cNvPr id="5" name="页脚占位符 4"/>
+          <p:cNvSpPr>
+            <a:spLocks noGrp="1"/>
+          </p:cNvSpPr>
+          <p:nvPr>
+            <p:ph type="ftr" sz="quarter" idx="11"/>
+          </p:nvPr>
+        </p:nvSpPr>
+        <p:spPr/>
+        <p:txBody>
+          <a:bodyPr/>
+          <a:lstStyle/>
+          <a:p>
+            <a:endParaRPr lang="zh-CN" altLang="en-US"/>
+          </a:p>
+        </p:txBody>
+      </p:sp>
+      <p:sp>
+        <p:nvSpPr>
+          <p:cNvPr id="6" name="灯片编号占位符 5"/>
+          <p:cNvSpPr>
+            <a:spLocks noGrp="1"/>
+          </p:cNvSpPr>
+          <p:nvPr>
+            <p:ph type="sldNum" sz="quarter" idx="12"/>
+          </p:nvPr>
+        </p:nvSpPr>
+        <p:spPr/>
+        <p:txBody>
+          <a:bodyPr/>
+          <a:lstStyle/>
+          <a:p>
+            <a:fld id="{CD2B535B-F7D0-4E92-AFE6-0DDD8B46AA88}" type="slidenum">
+              <a:rPr lang="zh-CN" altLang="en-US" smtClean="0"/>
+            </a:fld>
+            <a:endParaRPr lang="zh-CN" altLang="en-US"/>
+          </a:p>
+        </p:txBody>
+      </p:sp>
+    </p:spTree>
+  </p:cSld>
+  <p:clrMapOvr>
+    <a:masterClrMapping/>
+  </p:clrMapOvr>
+</p:sldLayout>
+</file>
+
+<file path=ppt/slideLayouts/slideLayout3.xml><?xml version="1.0" encoding="utf-8"?>
+<p:sldLayout xmlns:a="http://schemas.openxmlformats.org/drawingml/2006/main" xmlns:r="http://schemas.openxmlformats.org/officeDocument/2006/relationships" xmlns:p="http://schemas.openxmlformats.org/presentationml/2006/main" type="secHead" preserve="1">
+  <p:cSld name="节标题">
+    <p:spTree>
+      <p:nvGrpSpPr>
+        <p:cNvPr id="1" name=""/>
+        <p:cNvGrpSpPr/>
+        <p:nvPr/>
+      </p:nvGrpSpPr>
+      <p:grpSpPr>
+        <a:xfrm>
+          <a:off x="0" y="0"/>
+          <a:ext cx="0" cy="0"/>
+          <a:chOff x="0" y="0"/>
+          <a:chExt cx="0" cy="0"/>
+        </a:xfrm>
+      </p:grpSpPr>
+      <p:sp>
+        <p:nvSpPr>
+          <p:cNvPr id="2" name="标题 1"/>
+          <p:cNvSpPr>
+            <a:spLocks noGrp="1"/>
+          </p:cNvSpPr>
+          <p:nvPr>
+            <p:ph type="title"/>
+          </p:nvPr>
+        </p:nvSpPr>
+        <p:spPr>
+          <a:xfrm>
+            <a:off x="831850" y="1709738"/>
+            <a:ext cx="10515600" cy="2852737"/>
+          </a:xfrm>
+        </p:spPr>
+        <p:txBody>
+          <a:bodyPr anchor="b"/>
+          <a:lstStyle>
+            <a:lvl1pPr>
+              <a:defRPr sz="6000"/>
+            </a:lvl1pPr>
+          </a:lstStyle>
+          <a:p>
+            <a:r>
+              <a:rPr lang="zh-CN" altLang="en-US"/>
+              <a:t>单击此处编辑母版标题样式</a:t>
+            </a:r>
+            <a:endParaRPr lang="zh-CN" altLang="en-US"/>
+          </a:p>
+        </p:txBody>
+      </p:sp>
+      <p:sp>
+        <p:nvSpPr>
+          <p:cNvPr id="3" name="文本占位符 2"/>
+          <p:cNvSpPr>
+            <a:spLocks noGrp="1"/>
+          </p:cNvSpPr>
+          <p:nvPr>
+            <p:ph type="body" idx="1"/>
+          </p:nvPr>
+        </p:nvSpPr>
+        <p:spPr>
+          <a:xfrm>
+            <a:off x="831850" y="4589463"/>
+            <a:ext cx="10515600" cy="1500187"/>
+          </a:xfrm>
+        </p:spPr>
+        <p:txBody>
+          <a:bodyPr/>
+          <a:lstStyle>
+            <a:lvl1pPr marL="0" indent="0">
+              <a:buNone/>
+              <a:defRPr sz="2400">
+                <a:solidFill>
+                  <a:schemeClr val="tx1">
+                    <a:tint val="75000"/>
+                  </a:schemeClr>
+                </a:solidFill>
+              </a:defRPr>
+            </a:lvl1pPr>
+            <a:lvl2pPr marL="457200" indent="0">
+              <a:buNone/>
+              <a:defRPr sz="2000">
+                <a:solidFill>
+                  <a:schemeClr val="tx1">
+                    <a:tint val="75000"/>
+                  </a:schemeClr>
+                </a:solidFill>
+              </a:defRPr>
+            </a:lvl2pPr>
+            <a:lvl3pPr marL="914400" indent="0">
+              <a:buNone/>
+              <a:defRPr sz="1800">
+                <a:solidFill>
+                  <a:schemeClr val="tx1">
+                    <a:tint val="75000"/>
+                  </a:schemeClr>
+                </a:solidFill>
+              </a:defRPr>
+            </a:lvl3pPr>
+            <a:lvl4pPr marL="1371600" indent="0">
+              <a:buNone/>
+              <a:defRPr sz="1600">
+                <a:solidFill>
+                  <a:schemeClr val="tx1">
+                    <a:tint val="75000"/>
+                  </a:schemeClr>
+                </a:solidFill>
+              </a:defRPr>
+            </a:lvl4pPr>
+            <a:lvl5pPr marL="1828800" indent="0">
+              <a:buNone/>
+              <a:defRPr sz="1600">
+                <a:solidFill>
+                  <a:schemeClr val="tx1">
+                    <a:tint val="75000"/>
+                  </a:schemeClr>
+                </a:solidFill>
+              </a:defRPr>
+            </a:lvl5pPr>
+            <a:lvl6pPr marL="2286000" indent="0">
+              <a:buNone/>
+              <a:defRPr sz="1600">
+                <a:solidFill>
+                  <a:schemeClr val="tx1">
+                    <a:tint val="75000"/>
+                  </a:schemeClr>
+                </a:solidFill>
+              </a:defRPr>
+            </a:lvl6pPr>
+            <a:lvl7pPr marL="2743200" indent="0">
+              <a:buNone/>
+              <a:defRPr sz="1600">
+                <a:solidFill>
+                  <a:schemeClr val="tx1">
+                    <a:tint val="75000"/>
+                  </a:schemeClr>
+                </a:solidFill>
+              </a:defRPr>
+            </a:lvl7pPr>
+            <a:lvl8pPr marL="3200400" indent="0">
+              <a:buNone/>
+              <a:defRPr sz="1600">
+                <a:solidFill>
+                  <a:schemeClr val="tx1">
+                    <a:tint val="75000"/>
+                  </a:schemeClr>
+                </a:solidFill>
+              </a:defRPr>
+            </a:lvl8pPr>
+            <a:lvl9pPr marL="3657600" indent="0">
+              <a:buNone/>
+              <a:defRPr sz="1600">
+                <a:solidFill>
+                  <a:schemeClr val="tx1">
+                    <a:tint val="75000"/>
+                  </a:schemeClr>
+                </a:solidFill>
+              </a:defRPr>
+            </a:lvl9pPr>
+          </a:lstStyle>
+          <a:p>
+            <a:pPr lvl="0"/>
+            <a:r>
+              <a:rPr lang="zh-CN" altLang="en-US"/>
+              <a:t>单击此处编辑母版文本样式</a:t>
+            </a:r>
+            <a:endParaRPr lang="zh-CN" altLang="en-US"/>
+          </a:p>
+        </p:txBody>
+      </p:sp>
+      <p:sp>
+        <p:nvSpPr>
+          <p:cNvPr id="4" name="日期占位符 3"/>
+          <p:cNvSpPr>
+            <a:spLocks noGrp="1"/>
+          </p:cNvSpPr>
+          <p:nvPr>
+            <p:ph type="dt" sz="half" idx="10"/>
+          </p:nvPr>
+        </p:nvSpPr>
+        <p:spPr/>
+        <p:txBody>
+          <a:bodyPr/>
+          <a:lstStyle/>
+          <a:p>
+            <a:fld id="{D2D017DA-0543-4E38-9214-B2509AA08C8B}" type="datetimeFigureOut">
+              <a:rPr lang="zh-CN" altLang="en-US" smtClean="0"/>
+            </a:fld>
+            <a:endParaRPr lang="zh-CN" altLang="en-US"/>
+          </a:p>
+        </p:txBody>
+      </p:sp>
+      <p:sp>
+        <p:nvSpPr>
+          <p:cNvPr id="5" name="页脚占位符 4"/>
+          <p:cNvSpPr>
+            <a:spLocks noGrp="1"/>
+          </p:cNvSpPr>
+          <p:nvPr>
+            <p:ph type="ftr" sz="quarter" idx="11"/>
+          </p:nvPr>
+        </p:nvSpPr>
+        <p:spPr/>
+        <p:txBody>
+          <a:bodyPr/>
+          <a:lstStyle/>
+          <a:p>
+            <a:endParaRPr lang="zh-CN" altLang="en-US"/>
+          </a:p>
+        </p:txBody>
+      </p:sp>
+      <p:sp>
+        <p:nvSpPr>
+          <p:cNvPr id="6" name="灯片编号占位符 5"/>
+          <p:cNvSpPr>
+            <a:spLocks noGrp="1"/>
+          </p:cNvSpPr>
+          <p:nvPr>
+            <p:ph type="sldNum" sz="quarter" idx="12"/>
+          </p:nvPr>
+        </p:nvSpPr>
+        <p:spPr/>
+        <p:txBody>
+          <a:bodyPr/>
+          <a:lstStyle/>
+          <a:p>
+            <a:fld id="{CD2B535B-F7D0-4E92-AFE6-0DDD8B46AA88}" type="slidenum">
+              <a:rPr lang="zh-CN" altLang="en-US" smtClean="0"/>
+            </a:fld>
+            <a:endParaRPr lang="zh-CN" altLang="en-US"/>
+          </a:p>
+        </p:txBody>
+      </p:sp>
+    </p:spTree>
+  </p:cSld>
+  <p:clrMapOvr>
+    <a:masterClrMapping/>
+  </p:clrMapOvr>
+</p:sldLayout>
+</file>
+
+<file path=ppt/slideLayouts/slideLayout4.xml><?xml version="1.0" encoding="utf-8"?>
+<p:sldLayout xmlns:a="http://schemas.openxmlformats.org/drawingml/2006/main" xmlns:r="http://schemas.openxmlformats.org/officeDocument/2006/relationships" xmlns:p="http://schemas.openxmlformats.org/presentationml/2006/main" type="twoObj" preserve="1">
+  <p:cSld name="两栏内容">
+    <p:spTree>
+      <p:nvGrpSpPr>
+        <p:cNvPr id="1" name=""/>
+        <p:cNvGrpSpPr/>
+        <p:nvPr/>
+      </p:nvGrpSpPr>
+      <p:grpSpPr>
+        <a:xfrm>
+          <a:off x="0" y="0"/>
+          <a:ext cx="0" cy="0"/>
+          <a:chOff x="0" y="0"/>
+          <a:chExt cx="0" cy="0"/>
+        </a:xfrm>
+      </p:grpSpPr>
+      <p:sp>
+        <p:nvSpPr>
+          <p:cNvPr id="2" name="标题 1"/>
+          <p:cNvSpPr>
+            <a:spLocks noGrp="1"/>
+          </p:cNvSpPr>
+          <p:nvPr>
+            <p:ph type="title"/>
+          </p:nvPr>
+        </p:nvSpPr>
+        <p:spPr/>
+        <p:txBody>
+          <a:bodyPr/>
+          <a:lstStyle/>
+          <a:p>
+            <a:r>
+              <a:rPr lang="zh-CN" altLang="en-US"/>
+              <a:t>单击此处编辑母版标题样式</a:t>
+            </a:r>
+            <a:endParaRPr lang="zh-CN" altLang="en-US"/>
+          </a:p>
+        </p:txBody>
+      </p:sp>
+      <p:sp>
+        <p:nvSpPr>
+          <p:cNvPr id="3" name="内容占位符 2"/>
+          <p:cNvSpPr>
+            <a:spLocks noGrp="1"/>
+          </p:cNvSpPr>
+          <p:nvPr>
+            <p:ph sz="half" idx="1"/>
+          </p:nvPr>
+        </p:nvSpPr>
+        <p:spPr>
+          <a:xfrm>
+            <a:off x="838200" y="1825625"/>
+            <a:ext cx="5181600" cy="4351338"/>
+          </a:xfrm>
+        </p:spPr>
+        <p:txBody>
+          <a:bodyPr/>
+          <a:lstStyle/>
+          <a:p>
+            <a:pPr lvl="0"/>
+            <a:r>
+              <a:rPr lang="zh-CN" altLang="en-US"/>
+              <a:t>单击此处编辑母版文本样式</a:t>
+            </a:r>
+            <a:endParaRPr lang="zh-CN" altLang="en-US"/>
+          </a:p>
+          <a:p>
+            <a:pPr lvl="1"/>
+            <a:r>
+              <a:rPr lang="zh-CN" altLang="en-US"/>
+              <a:t>二级</a:t>
+            </a:r>
+            <a:endParaRPr lang="zh-CN" altLang="en-US"/>
+          </a:p>
+          <a:p>
+            <a:pPr lvl="2"/>
+            <a:r>
+              <a:rPr lang="zh-CN" altLang="en-US"/>
+              <a:t>三级</a:t>
+            </a:r>
+            <a:endParaRPr lang="zh-CN" altLang="en-US"/>
+          </a:p>
+          <a:p>
+            <a:pPr lvl="3"/>
+            <a:r>
+              <a:rPr lang="zh-CN" altLang="en-US"/>
+              <a:t>四级</a:t>
+            </a:r>
+            <a:endParaRPr lang="zh-CN" altLang="en-US"/>
+          </a:p>
+          <a:p>
+            <a:pPr lvl="4"/>
+            <a:r>
+              <a:rPr lang="zh-CN" altLang="en-US"/>
+              <a:t>五级</a:t>
+            </a:r>
+            <a:endParaRPr lang="zh-CN" altLang="en-US"/>
+          </a:p>
+        </p:txBody>
+      </p:sp>
+      <p:sp>
+        <p:nvSpPr>
+          <p:cNvPr id="4" name="内容占位符 3"/>
+          <p:cNvSpPr>
+            <a:spLocks noGrp="1"/>
+          </p:cNvSpPr>
+          <p:nvPr>
+            <p:ph sz="half" idx="2"/>
+          </p:nvPr>
+        </p:nvSpPr>
+        <p:spPr>
+          <a:xfrm>
+            <a:off x="6172200" y="1825625"/>
+            <a:ext cx="5181600" cy="4351338"/>
+          </a:xfrm>
+        </p:spPr>
+        <p:txBody>
+          <a:bodyPr/>
+          <a:lstStyle/>
+          <a:p>
+            <a:pPr lvl="0"/>
+            <a:r>
+              <a:rPr lang="zh-CN" altLang="en-US"/>
+              <a:t>单击此处编辑母版文本样式</a:t>
+            </a:r>
+            <a:endParaRPr lang="zh-CN" altLang="en-US"/>
+          </a:p>
+          <a:p>
+            <a:pPr lvl="1"/>
+            <a:r>
+              <a:rPr lang="zh-CN" altLang="en-US"/>
+              <a:t>二级</a:t>
+            </a:r>
+            <a:endParaRPr lang="zh-CN" altLang="en-US"/>
+          </a:p>
+          <a:p>
+            <a:pPr lvl="2"/>
+            <a:r>
+              <a:rPr lang="zh-CN" altLang="en-US"/>
+              <a:t>三级</a:t>
+            </a:r>
+            <a:endParaRPr lang="zh-CN" altLang="en-US"/>
+          </a:p>
+          <a:p>
+            <a:pPr lvl="3"/>
+            <a:r>
+              <a:rPr lang="zh-CN" altLang="en-US"/>
+              <a:t>四级</a:t>
+            </a:r>
+            <a:endParaRPr lang="zh-CN" altLang="en-US"/>
+          </a:p>
+          <a:p>
+            <a:pPr lvl="4"/>
+            <a:r>
+              <a:rPr lang="zh-CN" altLang="en-US"/>
+              <a:t>五级</a:t>
+            </a:r>
+            <a:endParaRPr lang="zh-CN" altLang="en-US"/>
+          </a:p>
+        </p:txBody>
+      </p:sp>
+      <p:sp>
+        <p:nvSpPr>
+          <p:cNvPr id="5" name="日期占位符 4"/>
+          <p:cNvSpPr>
+            <a:spLocks noGrp="1"/>
+          </p:cNvSpPr>
+          <p:nvPr>
+            <p:ph type="dt" sz="half" idx="10"/>
+          </p:nvPr>
+        </p:nvSpPr>
+        <p:spPr/>
+        <p:txBody>
+          <a:bodyPr/>
+          <a:lstStyle/>
+          <a:p>
+            <a:fld id="{D2D017DA-0543-4E38-9214-B2509AA08C8B}" type="datetimeFigureOut">
+              <a:rPr lang="zh-CN" altLang="en-US" smtClean="0"/>
+            </a:fld>
+            <a:endParaRPr lang="zh-CN" altLang="en-US"/>
+          </a:p>
+        </p:txBody>
+      </p:sp>
+      <p:sp>
+        <p:nvSpPr>
+          <p:cNvPr id="6" name="页脚占位符 5"/>
+          <p:cNvSpPr>
+            <a:spLocks noGrp="1"/>
+          </p:cNvSpPr>
+          <p:nvPr>
+            <p:ph type="ftr" sz="quarter" idx="11"/>
+          </p:nvPr>
+        </p:nvSpPr>
+        <p:spPr/>
+        <p:txBody>
+          <a:bodyPr/>
+          <a:lstStyle/>
+          <a:p>
+            <a:endParaRPr lang="zh-CN" altLang="en-US"/>
+          </a:p>
+        </p:txBody>
+      </p:sp>
+      <p:sp>
+        <p:nvSpPr>
+          <p:cNvPr id="7" name="灯片编号占位符 6"/>
+          <p:cNvSpPr>
+            <a:spLocks noGrp="1"/>
+          </p:cNvSpPr>
+          <p:nvPr>
+            <p:ph type="sldNum" sz="quarter" idx="12"/>
+          </p:nvPr>
+        </p:nvSpPr>
+        <p:spPr/>
+        <p:txBody>
+          <a:bodyPr/>
+          <a:lstStyle/>
+          <a:p>
+            <a:fld id="{CD2B535B-F7D0-4E92-AFE6-0DDD8B46AA88}" type="slidenum">
+              <a:rPr lang="zh-CN" altLang="en-US" smtClean="0"/>
+            </a:fld>
+            <a:endParaRPr lang="zh-CN" altLang="en-US"/>
+          </a:p>
+        </p:txBody>
+      </p:sp>
+    </p:spTree>
+  </p:cSld>
+  <p:clrMapOvr>
+    <a:masterClrMapping/>
+  </p:clrMapOvr>
+</p:sldLayout>
+</file>
+
+<file path=ppt/slideLayouts/slideLayout5.xml><?xml version="1.0" encoding="utf-8"?>
+<p:sldLayout xmlns:a="http://schemas.openxmlformats.org/drawingml/2006/main" xmlns:r="http://schemas.openxmlformats.org/officeDocument/2006/relationships" xmlns:p="http://schemas.openxmlformats.org/presentationml/2006/main" type="twoTxTwoObj" preserve="1">
+  <p:cSld name="比较">
+    <p:spTree>
+      <p:nvGrpSpPr>
+        <p:cNvPr id="1" name=""/>
+        <p:cNvGrpSpPr/>
+        <p:nvPr/>
+      </p:nvGrpSpPr>
+      <p:grpSpPr>
+        <a:xfrm>
+          <a:off x="0" y="0"/>
+          <a:ext cx="0" cy="0"/>
+          <a:chOff x="0" y="0"/>
+          <a:chExt cx="0" cy="0"/>
+        </a:xfrm>
+      </p:grpSpPr>
+      <p:sp>
+        <p:nvSpPr>
+          <p:cNvPr id="2" name="标题 1"/>
+          <p:cNvSpPr>
+            <a:spLocks noGrp="1"/>
+          </p:cNvSpPr>
+          <p:nvPr>
+            <p:ph type="title"/>
+          </p:nvPr>
+        </p:nvSpPr>
+        <p:spPr>
+          <a:xfrm>
+            <a:off x="839788" y="365125"/>
+            <a:ext cx="10515600" cy="1325563"/>
+          </a:xfrm>
+        </p:spPr>
+        <p:txBody>
+          <a:bodyPr/>
+          <a:lstStyle/>
+          <a:p>
+            <a:r>
+              <a:rPr lang="zh-CN" altLang="en-US"/>
+              <a:t>单击此处编辑母版标题样式</a:t>
+            </a:r>
+            <a:endParaRPr lang="zh-CN" altLang="en-US"/>
+          </a:p>
+        </p:txBody>
+      </p:sp>
+      <p:sp>
+        <p:nvSpPr>
+          <p:cNvPr id="3" name="文本占位符 2"/>
+          <p:cNvSpPr>
+            <a:spLocks noGrp="1"/>
+          </p:cNvSpPr>
+          <p:nvPr>
+            <p:ph type="body" idx="1"/>
+          </p:nvPr>
+        </p:nvSpPr>
+        <p:spPr>
+          <a:xfrm>
+            <a:off x="839788" y="1681163"/>
+            <a:ext cx="5157787" cy="823912"/>
+          </a:xfrm>
+        </p:spPr>
+        <p:txBody>
+          <a:bodyPr anchor="b"/>
+          <a:lstStyle>
+            <a:lvl1pPr marL="0" indent="0">
+              <a:buNone/>
+              <a:defRPr sz="2400" b="1"/>
+            </a:lvl1pPr>
+            <a:lvl2pPr marL="457200" indent="0">
+              <a:buNone/>
+              <a:defRPr sz="2000" b="1"/>
+            </a:lvl2pPr>
+            <a:lvl3pPr marL="914400" indent="0">
+              <a:buNone/>
+              <a:defRPr sz="1800" b="1"/>
+            </a:lvl3pPr>
+            <a:lvl4pPr marL="1371600" indent="0">
+              <a:buNone/>
+              <a:defRPr sz="1600" b="1"/>
+            </a:lvl4pPr>
+            <a:lvl5pPr marL="1828800" indent="0">
+              <a:buNone/>
+              <a:defRPr sz="1600" b="1"/>
+            </a:lvl5pPr>
+            <a:lvl6pPr marL="2286000" indent="0">
+              <a:buNone/>
+              <a:defRPr sz="1600" b="1"/>
+            </a:lvl6pPr>
+            <a:lvl7pPr marL="2743200" indent="0">
+              <a:buNone/>
+              <a:defRPr sz="1600" b="1"/>
+            </a:lvl7pPr>
+            <a:lvl8pPr marL="3200400" indent="0">
+              <a:buNone/>
+              <a:defRPr sz="1600" b="1"/>
+            </a:lvl8pPr>
+            <a:lvl9pPr marL="3657600" indent="0">
+              <a:buNone/>
+              <a:defRPr sz="1600" b="1"/>
+            </a:lvl9pPr>
+          </a:lstStyle>
+          <a:p>
+            <a:pPr lvl="0"/>
+            <a:r>
+              <a:rPr lang="zh-CN" altLang="en-US"/>
+              <a:t>单击此处编辑母版文本样式</a:t>
+            </a:r>
+            <a:endParaRPr lang="zh-CN" altLang="en-US"/>
+          </a:p>
+        </p:txBody>
+      </p:sp>
+      <p:sp>
+        <p:nvSpPr>
+          <p:cNvPr id="4" name="内容占位符 3"/>
+          <p:cNvSpPr>
+            <a:spLocks noGrp="1"/>
+          </p:cNvSpPr>
+          <p:nvPr>
+            <p:ph sz="half" idx="2"/>
+          </p:nvPr>
+        </p:nvSpPr>
+        <p:spPr>
+          <a:xfrm>
+            <a:off x="839788" y="2505075"/>
+            <a:ext cx="5157787" cy="3684588"/>
+          </a:xfrm>
+        </p:spPr>
+        <p:txBody>
+          <a:bodyPr/>
+          <a:lstStyle/>
+          <a:p>
+            <a:pPr lvl="0"/>
+            <a:r>
+              <a:rPr lang="zh-CN" altLang="en-US"/>
+              <a:t>单击此处编辑母版文本样式</a:t>
+            </a:r>
+            <a:endParaRPr lang="zh-CN" altLang="en-US"/>
+          </a:p>
+          <a:p>
+            <a:pPr lvl="1"/>
+            <a:r>
+              <a:rPr lang="zh-CN" altLang="en-US"/>
+              <a:t>二级</a:t>
+            </a:r>
+            <a:endParaRPr lang="zh-CN" altLang="en-US"/>
+          </a:p>
+          <a:p>
+            <a:pPr lvl="2"/>
+            <a:r>
+              <a:rPr lang="zh-CN" altLang="en-US"/>
+              <a:t>三级</a:t>
+            </a:r>
+            <a:endParaRPr lang="zh-CN" altLang="en-US"/>
+          </a:p>
+          <a:p>
+            <a:pPr lvl="3"/>
+            <a:r>
+              <a:rPr lang="zh-CN" altLang="en-US"/>
+              <a:t>四级</a:t>
+            </a:r>
+            <a:endParaRPr lang="zh-CN" altLang="en-US"/>
+          </a:p>
+          <a:p>
+            <a:pPr lvl="4"/>
+            <a:r>
+              <a:rPr lang="zh-CN" altLang="en-US"/>
+              <a:t>五级</a:t>
+            </a:r>
+            <a:endParaRPr lang="zh-CN" altLang="en-US"/>
+          </a:p>
+        </p:txBody>
+      </p:sp>
+      <p:sp>
+        <p:nvSpPr>
+          <p:cNvPr id="5" name="文本占位符 4"/>
+          <p:cNvSpPr>
+            <a:spLocks noGrp="1"/>
+          </p:cNvSpPr>
+          <p:nvPr>
+            <p:ph type="body" sz="quarter" idx="3"/>
+          </p:nvPr>
+        </p:nvSpPr>
+        <p:spPr>
+          <a:xfrm>
+            <a:off x="6172200" y="1681163"/>
+            <a:ext cx="5183188" cy="823912"/>
+          </a:xfrm>
+        </p:spPr>
+        <p:txBody>
+          <a:bodyPr anchor="b"/>
+          <a:lstStyle>
+            <a:lvl1pPr marL="0" indent="0">
+              <a:buNone/>
+              <a:defRPr sz="2400" b="1"/>
+            </a:lvl1pPr>
+            <a:lvl2pPr marL="457200" indent="0">
+              <a:buNone/>
+              <a:defRPr sz="2000" b="1"/>
+            </a:lvl2pPr>
+            <a:lvl3pPr marL="914400" indent="0">
+              <a:buNone/>
+              <a:defRPr sz="1800" b="1"/>
+            </a:lvl3pPr>
+            <a:lvl4pPr marL="1371600" indent="0">
+              <a:buNone/>
+              <a:defRPr sz="1600" b="1"/>
+            </a:lvl4pPr>
+            <a:lvl5pPr marL="1828800" indent="0">
+              <a:buNone/>
+              <a:defRPr sz="1600" b="1"/>
+            </a:lvl5pPr>
+            <a:lvl6pPr marL="2286000" indent="0">
+              <a:buNone/>
+              <a:defRPr sz="1600" b="1"/>
+            </a:lvl6pPr>
+            <a:lvl7pPr marL="2743200" indent="0">
+              <a:buNone/>
+              <a:defRPr sz="1600" b="1"/>
+            </a:lvl7pPr>
+            <a:lvl8pPr marL="3200400" indent="0">
+              <a:buNone/>
+              <a:defRPr sz="1600" b="1"/>
+            </a:lvl8pPr>
+            <a:lvl9pPr marL="3657600" indent="0">
+              <a:buNone/>
+              <a:defRPr sz="1600" b="1"/>
+            </a:lvl9pPr>
+          </a:lstStyle>
+          <a:p>
+            <a:pPr lvl="0"/>
+            <a:r>
+              <a:rPr lang="zh-CN" altLang="en-US"/>
+              <a:t>单击此处编辑母版文本样式</a:t>
+            </a:r>
+            <a:endParaRPr lang="zh-CN" altLang="en-US"/>
+          </a:p>
+        </p:txBody>
+      </p:sp>
+      <p:sp>
+        <p:nvSpPr>
+          <p:cNvPr id="6" name="内容占位符 5"/>
+          <p:cNvSpPr>
+            <a:spLocks noGrp="1"/>
+          </p:cNvSpPr>
+          <p:nvPr>
+            <p:ph sz="quarter" idx="4"/>
+          </p:nvPr>
+        </p:nvSpPr>
+        <p:spPr>
+          <a:xfrm>
+            <a:off x="6172200" y="2505075"/>
+            <a:ext cx="5183188" cy="3684588"/>
+          </a:xfrm>
+        </p:spPr>
+        <p:txBody>
+          <a:bodyPr/>
+          <a:lstStyle/>
+          <a:p>
+            <a:pPr lvl="0"/>
+            <a:r>
+              <a:rPr lang="zh-CN" altLang="en-US"/>
+              <a:t>单击此处编辑母版文本样式</a:t>
+            </a:r>
+            <a:endParaRPr lang="zh-CN" altLang="en-US"/>
+          </a:p>
+          <a:p>
+            <a:pPr lvl="1"/>
+            <a:r>
+              <a:rPr lang="zh-CN" altLang="en-US"/>
+              <a:t>二级</a:t>
+            </a:r>
+            <a:endParaRPr lang="zh-CN" altLang="en-US"/>
+          </a:p>
+          <a:p>
+            <a:pPr lvl="2"/>
+            <a:r>
+              <a:rPr lang="zh-CN" altLang="en-US"/>
+              <a:t>三级</a:t>
+            </a:r>
+            <a:endParaRPr lang="zh-CN" altLang="en-US"/>
+          </a:p>
+          <a:p>
+            <a:pPr lvl="3"/>
+            <a:r>
+              <a:rPr lang="zh-CN" altLang="en-US"/>
+              <a:t>四级</a:t>
+            </a:r>
+            <a:endParaRPr lang="zh-CN" altLang="en-US"/>
+          </a:p>
+          <a:p>
+            <a:pPr lvl="4"/>
+            <a:r>
+              <a:rPr lang="zh-CN" altLang="en-US"/>
+              <a:t>五级</a:t>
+            </a:r>
+            <a:endParaRPr lang="zh-CN" altLang="en-US"/>
+          </a:p>
+        </p:txBody>
+      </p:sp>
+      <p:sp>
+        <p:nvSpPr>
+          <p:cNvPr id="7" name="日期占位符 6"/>
+          <p:cNvSpPr>
+            <a:spLocks noGrp="1"/>
+          </p:cNvSpPr>
+          <p:nvPr>
+            <p:ph type="dt" sz="half" idx="10"/>
+          </p:nvPr>
+        </p:nvSpPr>
+        <p:spPr/>
+        <p:txBody>
+          <a:bodyPr/>
+          <a:lstStyle/>
+          <a:p>
+            <a:fld id="{D2D017DA-0543-4E38-9214-B2509AA08C8B}" type="datetimeFigureOut">
+              <a:rPr lang="zh-CN" altLang="en-US" smtClean="0"/>
+            </a:fld>
+            <a:endParaRPr lang="zh-CN" altLang="en-US"/>
+          </a:p>
+        </p:txBody>
+      </p:sp>
+      <p:sp>
+        <p:nvSpPr>
+          <p:cNvPr id="8" name="页脚占位符 7"/>
+          <p:cNvSpPr>
+            <a:spLocks noGrp="1"/>
+          </p:cNvSpPr>
+          <p:nvPr>
+            <p:ph type="ftr" sz="quarter" idx="11"/>
+          </p:nvPr>
+        </p:nvSpPr>
+        <p:spPr/>
+        <p:txBody>
+          <a:bodyPr/>
+          <a:lstStyle/>
+          <a:p>
+            <a:endParaRPr lang="zh-CN" altLang="en-US"/>
+          </a:p>
+        </p:txBody>
+      </p:sp>
+      <p:sp>
+        <p:nvSpPr>
+          <p:cNvPr id="9" name="灯片编号占位符 8"/>
+          <p:cNvSpPr>
+            <a:spLocks noGrp="1"/>
+          </p:cNvSpPr>
+          <p:nvPr>
+            <p:ph type="sldNum" sz="quarter" idx="12"/>
+          </p:nvPr>
+        </p:nvSpPr>
+        <p:spPr/>
+        <p:txBody>
+          <a:bodyPr/>
+          <a:lstStyle/>
+          <a:p>
+            <a:fld id="{CD2B535B-F7D0-4E92-AFE6-0DDD8B46AA88}" type="slidenum">
+              <a:rPr lang="zh-CN" altLang="en-US" smtClean="0"/>
+            </a:fld>
+            <a:endParaRPr lang="zh-CN" altLang="en-US"/>
+          </a:p>
+        </p:txBody>
+      </p:sp>
+    </p:spTree>
+  </p:cSld>
+  <p:clrMapOvr>
+    <a:masterClrMapping/>
+  </p:clrMapOvr>
+</p:sldLayout>
+</file>
+
+<file path=ppt/slideLayouts/slideLayout6.xml><?xml version="1.0" encoding="utf-8"?>
+<p:sldLayout xmlns:a="http://schemas.openxmlformats.org/drawingml/2006/main" xmlns:r="http://schemas.openxmlformats.org/officeDocument/2006/relationships" xmlns:p="http://schemas.openxmlformats.org/presentationml/2006/main" type="titleOnly" preserve="1">
+  <p:cSld name="仅标题">
+    <p:spTree>
+      <p:nvGrpSpPr>
+        <p:cNvPr id="1" name=""/>
+        <p:cNvGrpSpPr/>
+        <p:nvPr/>
+      </p:nvGrpSpPr>
+      <p:grpSpPr>
+        <a:xfrm>
+          <a:off x="0" y="0"/>
+          <a:ext cx="0" cy="0"/>
+          <a:chOff x="0" y="0"/>
+          <a:chExt cx="0" cy="0"/>
+        </a:xfrm>
+      </p:grpSpPr>
+      <p:sp>
+        <p:nvSpPr>
+          <p:cNvPr id="2" name="标题 1"/>
+          <p:cNvSpPr>
+            <a:spLocks noGrp="1"/>
+          </p:cNvSpPr>
+          <p:nvPr>
+            <p:ph type="title"/>
+          </p:nvPr>
+        </p:nvSpPr>
+        <p:spPr/>
+        <p:txBody>
+          <a:bodyPr/>
+          <a:lstStyle/>
+          <a:p>
+            <a:r>
+              <a:rPr lang="zh-CN" altLang="en-US"/>
+              <a:t>单击此处编辑母版标题样式</a:t>
+            </a:r>
+            <a:endParaRPr lang="zh-CN" altLang="en-US"/>
+          </a:p>
+        </p:txBody>
+      </p:sp>
+      <p:sp>
+        <p:nvSpPr>
+          <p:cNvPr id="3" name="日期占位符 2"/>
+          <p:cNvSpPr>
+            <a:spLocks noGrp="1"/>
+          </p:cNvSpPr>
+          <p:nvPr>
+            <p:ph type="dt" sz="half" idx="10"/>
+          </p:nvPr>
+        </p:nvSpPr>
+        <p:spPr/>
+        <p:txBody>
+          <a:bodyPr/>
+          <a:lstStyle/>
+          <a:p>
+            <a:fld id="{D2D017DA-0543-4E38-9214-B2509AA08C8B}" type="datetimeFigureOut">
+              <a:rPr lang="zh-CN" altLang="en-US" smtClean="0"/>
+            </a:fld>
+            <a:endParaRPr lang="zh-CN" altLang="en-US"/>
+          </a:p>
+        </p:txBody>
+      </p:sp>
+      <p:sp>
+        <p:nvSpPr>
+          <p:cNvPr id="4" name="页脚占位符 3"/>
+          <p:cNvSpPr>
+            <a:spLocks noGrp="1"/>
+          </p:cNvSpPr>
+          <p:nvPr>
+            <p:ph type="ftr" sz="quarter" idx="11"/>
+          </p:nvPr>
+        </p:nvSpPr>
+        <p:spPr/>
+        <p:txBody>
+          <a:bodyPr/>
+          <a:lstStyle/>
+          <a:p>
+            <a:endParaRPr lang="zh-CN" altLang="en-US"/>
+          </a:p>
+        </p:txBody>
+      </p:sp>
+      <p:sp>
+        <p:nvSpPr>
+          <p:cNvPr id="5" name="灯片编号占位符 4"/>
+          <p:cNvSpPr>
+            <a:spLocks noGrp="1"/>
+          </p:cNvSpPr>
+          <p:nvPr>
+            <p:ph type="sldNum" sz="quarter" idx="12"/>
+          </p:nvPr>
+        </p:nvSpPr>
+        <p:spPr/>
+        <p:txBody>
+          <a:bodyPr/>
+          <a:lstStyle/>
+          <a:p>
+            <a:fld id="{CD2B535B-F7D0-4E92-AFE6-0DDD8B46AA88}" type="slidenum">
+              <a:rPr lang="zh-CN" altLang="en-US" smtClean="0"/>
+            </a:fld>
+            <a:endParaRPr lang="zh-CN" altLang="en-US"/>
+          </a:p>
+        </p:txBody>
+      </p:sp>
+    </p:spTree>
+  </p:cSld>
+  <p:clrMapOvr>
+    <a:masterClrMapping/>
+  </p:clrMapOvr>
+</p:sldLayout>
+</file>
+
+<file path=ppt/slideLayouts/slideLayout7.xml><?xml version="1.0" encoding="utf-8"?>
+<p:sldLayout xmlns:a="http://schemas.openxmlformats.org/drawingml/2006/main" xmlns:r="http://schemas.openxmlformats.org/officeDocument/2006/relationships" xmlns:p="http://schemas.openxmlformats.org/presentationml/2006/main" type="blank" preserve="1">
+  <p:cSld name="空白">
+    <p:spTree>
+      <p:nvGrpSpPr>
+        <p:cNvPr id="1" name=""/>
+        <p:cNvGrpSpPr/>
+        <p:nvPr/>
+      </p:nvGrpSpPr>
+      <p:grpSpPr>
+        <a:xfrm>
+          <a:off x="0" y="0"/>
+          <a:ext cx="0" cy="0"/>
+          <a:chOff x="0" y="0"/>
+          <a:chExt cx="0" cy="0"/>
+        </a:xfrm>
+      </p:grpSpPr>
+      <p:sp>
+        <p:nvSpPr>
+          <p:cNvPr id="2" name="日期占位符 1"/>
+          <p:cNvSpPr>
+            <a:spLocks noGrp="1"/>
+          </p:cNvSpPr>
+          <p:nvPr>
+            <p:ph type="dt" sz="half" idx="10"/>
+          </p:nvPr>
+        </p:nvSpPr>
+        <p:spPr/>
+        <p:txBody>
+          <a:bodyPr/>
+          <a:lstStyle/>
+          <a:p>
+            <a:fld id="{D2D017DA-0543-4E38-9214-B2509AA08C8B}" type="datetimeFigureOut">
+              <a:rPr lang="zh-CN" altLang="en-US" smtClean="0"/>
+            </a:fld>
+            <a:endParaRPr lang="zh-CN" altLang="en-US"/>
+          </a:p>
+        </p:txBody>
+      </p:sp>
+      <p:sp>
+        <p:nvSpPr>
+          <p:cNvPr id="3" name="页脚占位符 2"/>
+          <p:cNvSpPr>
+            <a:spLocks noGrp="1"/>
+          </p:cNvSpPr>
+          <p:nvPr>
+            <p:ph type="ftr" sz="quarter" idx="11"/>
+          </p:nvPr>
+        </p:nvSpPr>
+        <p:spPr/>
+        <p:txBody>
+          <a:bodyPr/>
+          <a:lstStyle/>
+          <a:p>
+            <a:endParaRPr lang="zh-CN" altLang="en-US"/>
+          </a:p>
+        </p:txBody>
+      </p:sp>
+      <p:sp>
+        <p:nvSpPr>
+          <p:cNvPr id="4" name="灯片编号占位符 3"/>
+          <p:cNvSpPr>
+            <a:spLocks noGrp="1"/>
+          </p:cNvSpPr>
+          <p:nvPr>
+            <p:ph type="sldNum" sz="quarter" idx="12"/>
+          </p:nvPr>
+        </p:nvSpPr>
+        <p:spPr/>
+        <p:txBody>
+          <a:bodyPr/>
+          <a:lstStyle/>
+          <a:p>
+            <a:fld id="{CD2B535B-F7D0-4E92-AFE6-0DDD8B46AA88}" type="slidenum">
+              <a:rPr lang="zh-CN" altLang="en-US" smtClean="0"/>
+            </a:fld>
+            <a:endParaRPr lang="zh-CN" altLang="en-US"/>
+          </a:p>
+        </p:txBody>
+      </p:sp>
+    </p:spTree>
+  </p:cSld>
+  <p:clrMapOvr>
+    <a:masterClrMapping/>
+  </p:clrMapOvr>
+</p:sldLayout>
+</file>
+
+<file path=ppt/slideLayouts/slideLayout8.xml><?xml version="1.0" encoding="utf-8"?>
+<p:sldLayout xmlns:a="http://schemas.openxmlformats.org/drawingml/2006/main" xmlns:r="http://schemas.openxmlformats.org/officeDocument/2006/relationships" xmlns:p="http://schemas.openxmlformats.org/presentationml/2006/main" type="objTx" preserve="1">
+  <p:cSld name="内容与标题">
+    <p:spTree>
+      <p:nvGrpSpPr>
+        <p:cNvPr id="1" name=""/>
+        <p:cNvGrpSpPr/>
+        <p:nvPr/>
+      </p:nvGrpSpPr>
+      <p:grpSpPr>
+        <a:xfrm>
+          <a:off x="0" y="0"/>
+          <a:ext cx="0" cy="0"/>
+          <a:chOff x="0" y="0"/>
+          <a:chExt cx="0" cy="0"/>
+        </a:xfrm>
+      </p:grpSpPr>
+      <p:sp>
+        <p:nvSpPr>
+          <p:cNvPr id="2" name="标题 1"/>
+          <p:cNvSpPr>
+            <a:spLocks noGrp="1"/>
+          </p:cNvSpPr>
+          <p:nvPr>
+            <p:ph type="title"/>
+          </p:nvPr>
+        </p:nvSpPr>
+        <p:spPr>
+          <a:xfrm>
+            <a:off x="839788" y="457200"/>
+            <a:ext cx="3932237" cy="1600200"/>
+          </a:xfrm>
+        </p:spPr>
+        <p:txBody>
+          <a:bodyPr anchor="b"/>
+          <a:lstStyle>
+            <a:lvl1pPr>
+              <a:defRPr sz="3200"/>
+            </a:lvl1pPr>
+          </a:lstStyle>
+          <a:p>
+            <a:r>
+              <a:rPr lang="zh-CN" altLang="en-US"/>
+              <a:t>单击此处编辑母版标题样式</a:t>
+            </a:r>
+            <a:endParaRPr lang="zh-CN" altLang="en-US"/>
+          </a:p>
+        </p:txBody>
+      </p:sp>
+      <p:sp>
+        <p:nvSpPr>
+          <p:cNvPr id="3" name="内容占位符 2"/>
+          <p:cNvSpPr>
+            <a:spLocks noGrp="1"/>
+          </p:cNvSpPr>
+          <p:nvPr>
+            <p:ph idx="1"/>
+          </p:nvPr>
+        </p:nvSpPr>
+        <p:spPr>
+          <a:xfrm>
+            <a:off x="5183188" y="987425"/>
+            <a:ext cx="6172200" cy="4873625"/>
+          </a:xfrm>
+        </p:spPr>
+        <p:txBody>
+          <a:bodyPr/>
+          <a:lstStyle>
+            <a:lvl1pPr>
+              <a:defRPr sz="3200"/>
+            </a:lvl1pPr>
+            <a:lvl2pPr>
+              <a:defRPr sz="2800"/>
+            </a:lvl2pPr>
+            <a:lvl3pPr>
+              <a:defRPr sz="2400"/>
+            </a:lvl3pPr>
+            <a:lvl4pPr>
+              <a:defRPr sz="2000"/>
+            </a:lvl4pPr>
+            <a:lvl5pPr>
+              <a:defRPr sz="2000"/>
+            </a:lvl5pPr>
+            <a:lvl6pPr>
+              <a:defRPr sz="2000"/>
+            </a:lvl6pPr>
+            <a:lvl7pPr>
+              <a:defRPr sz="2000"/>
+            </a:lvl7pPr>
+            <a:lvl8pPr>
+              <a:defRPr sz="2000"/>
+            </a:lvl8pPr>
+            <a:lvl9pPr>
+              <a:defRPr sz="2000"/>
+            </a:lvl9pPr>
+          </a:lstStyle>
+          <a:p>
+            <a:pPr lvl="0"/>
+            <a:r>
+              <a:rPr lang="zh-CN" altLang="en-US"/>
+              <a:t>单击此处编辑母版文本样式</a:t>
+            </a:r>
+            <a:endParaRPr lang="zh-CN" altLang="en-US"/>
+          </a:p>
+          <a:p>
+            <a:pPr lvl="1"/>
+            <a:r>
+              <a:rPr lang="zh-CN" altLang="en-US"/>
+              <a:t>二级</a:t>
+            </a:r>
+            <a:endParaRPr lang="zh-CN" altLang="en-US"/>
+          </a:p>
+          <a:p>
+            <a:pPr lvl="2"/>
+            <a:r>
+              <a:rPr lang="zh-CN" altLang="en-US"/>
+              <a:t>三级</a:t>
+            </a:r>
+            <a:endParaRPr lang="zh-CN" altLang="en-US"/>
+          </a:p>
+          <a:p>
+            <a:pPr lvl="3"/>
+            <a:r>
+              <a:rPr lang="zh-CN" altLang="en-US"/>
+              <a:t>四级</a:t>
+            </a:r>
+            <a:endParaRPr lang="zh-CN" altLang="en-US"/>
+          </a:p>
+          <a:p>
+            <a:pPr lvl="4"/>
+            <a:r>
+              <a:rPr lang="zh-CN" altLang="en-US"/>
+              <a:t>五级</a:t>
+            </a:r>
+            <a:endParaRPr lang="zh-CN" altLang="en-US"/>
+          </a:p>
+        </p:txBody>
+      </p:sp>
+      <p:sp>
+        <p:nvSpPr>
+          <p:cNvPr id="4" name="文本占位符 3"/>
+          <p:cNvSpPr>
+            <a:spLocks noGrp="1"/>
+          </p:cNvSpPr>
+          <p:nvPr>
+            <p:ph type="body" sz="half" idx="2"/>
+          </p:nvPr>
+        </p:nvSpPr>
+        <p:spPr>
+          <a:xfrm>
+            <a:off x="839788" y="2057400"/>
+            <a:ext cx="3932237" cy="3811588"/>
+          </a:xfrm>
+        </p:spPr>
+        <p:txBody>
+          <a:bodyPr/>
+          <a:lstStyle>
+            <a:lvl1pPr marL="0" indent="0">
+              <a:buNone/>
+              <a:defRPr sz="1600"/>
+            </a:lvl1pPr>
+            <a:lvl2pPr marL="457200" indent="0">
+              <a:buNone/>
+              <a:defRPr sz="1400"/>
+            </a:lvl2pPr>
+            <a:lvl3pPr marL="914400" indent="0">
+              <a:buNone/>
+              <a:defRPr sz="1200"/>
+            </a:lvl3pPr>
+            <a:lvl4pPr marL="1371600" indent="0">
+              <a:buNone/>
+              <a:defRPr sz="1000"/>
+            </a:lvl4pPr>
+            <a:lvl5pPr marL="1828800" indent="0">
+              <a:buNone/>
+              <a:defRPr sz="1000"/>
+            </a:lvl5pPr>
+            <a:lvl6pPr marL="2286000" indent="0">
+              <a:buNone/>
+              <a:defRPr sz="1000"/>
+            </a:lvl6pPr>
+            <a:lvl7pPr marL="2743200" indent="0">
+              <a:buNone/>
+              <a:defRPr sz="1000"/>
+            </a:lvl7pPr>
+            <a:lvl8pPr marL="3200400" indent="0">
+              <a:buNone/>
+              <a:defRPr sz="1000"/>
+            </a:lvl8pPr>
+            <a:lvl9pPr marL="3657600" indent="0">
+              <a:buNone/>
+              <a:defRPr sz="1000"/>
+            </a:lvl9pPr>
+          </a:lstStyle>
+          <a:p>
+            <a:pPr lvl="0"/>
+            <a:r>
+              <a:rPr lang="zh-CN" altLang="en-US"/>
+              <a:t>单击此处编辑母版文本样式</a:t>
+            </a:r>
+            <a:endParaRPr lang="zh-CN" altLang="en-US"/>
+          </a:p>
+        </p:txBody>
+      </p:sp>
+      <p:sp>
+        <p:nvSpPr>
+          <p:cNvPr id="5" name="日期占位符 4"/>
+          <p:cNvSpPr>
+            <a:spLocks noGrp="1"/>
+          </p:cNvSpPr>
+          <p:nvPr>
+            <p:ph type="dt" sz="half" idx="10"/>
+          </p:nvPr>
+        </p:nvSpPr>
+        <p:spPr/>
+        <p:txBody>
+          <a:bodyPr/>
+          <a:lstStyle/>
+          <a:p>
+            <a:fld id="{D2D017DA-0543-4E38-9214-B2509AA08C8B}" type="datetimeFigureOut">
+              <a:rPr lang="zh-CN" altLang="en-US" smtClean="0"/>
+            </a:fld>
+            <a:endParaRPr lang="zh-CN" altLang="en-US"/>
+          </a:p>
+        </p:txBody>
+      </p:sp>
+      <p:sp>
+        <p:nvSpPr>
+          <p:cNvPr id="6" name="页脚占位符 5"/>
+          <p:cNvSpPr>
+            <a:spLocks noGrp="1"/>
+          </p:cNvSpPr>
+          <p:nvPr>
+            <p:ph type="ftr" sz="quarter" idx="11"/>
+          </p:nvPr>
+        </p:nvSpPr>
+        <p:spPr/>
+        <p:txBody>
+          <a:bodyPr/>
+          <a:lstStyle/>
+          <a:p>
+            <a:endParaRPr lang="zh-CN" altLang="en-US"/>
+          </a:p>
+        </p:txBody>
+      </p:sp>
+      <p:sp>
+        <p:nvSpPr>
+          <p:cNvPr id="7" name="灯片编号占位符 6"/>
+          <p:cNvSpPr>
+            <a:spLocks noGrp="1"/>
+          </p:cNvSpPr>
+          <p:nvPr>
+            <p:ph type="sldNum" sz="quarter" idx="12"/>
+          </p:nvPr>
+        </p:nvSpPr>
+        <p:spPr/>
+        <p:txBody>
+          <a:bodyPr/>
+          <a:lstStyle/>
+          <a:p>
+            <a:fld id="{CD2B535B-F7D0-4E92-AFE6-0DDD8B46AA88}" type="slidenum">
+              <a:rPr lang="zh-CN" altLang="en-US" smtClean="0"/>
+            </a:fld>
+            <a:endParaRPr lang="zh-CN" altLang="en-US"/>
+          </a:p>
+        </p:txBody>
+      </p:sp>
+    </p:spTree>
   </p:cSld>
   <p:clrMapOvr>
     <a:masterClrMapping/>
@@ -2473,13 +4402,7 @@
       </p:grpSpPr>
       <p:sp>
         <p:nvSpPr>
-          <p:cNvPr id="2" name="标题 1">
-            <a:extLst>
-              <a:ext uri="{FF2B5EF4-FFF2-40B4-BE49-F238E27FC236}">
-                <a16:creationId xmlns:a16="http://schemas.microsoft.com/office/drawing/2014/main" id="{867E5B92-7A5C-4C8C-A4AB-6AF65622FAD7}"/>
-              </a:ext>
-            </a:extLst>
-          </p:cNvPr>
+          <p:cNvPr id="2" name="标题 1"/>
           <p:cNvSpPr>
             <a:spLocks noGrp="1"/>
           </p:cNvSpPr>
@@ -2505,18 +4428,13 @@
               <a:rPr lang="zh-CN" altLang="en-US"/>
               <a:t>单击此处编辑母版标题样式</a:t>
             </a:r>
-          </a:p>
-        </p:txBody>
-      </p:sp>
-      <p:sp>
-        <p:nvSpPr>
-          <p:cNvPr id="3" name="图片占位符 2">
-            <a:extLst>
-              <a:ext uri="{FF2B5EF4-FFF2-40B4-BE49-F238E27FC236}">
-                <a16:creationId xmlns:a16="http://schemas.microsoft.com/office/drawing/2014/main" id="{40E835FF-2091-4A4F-9CA9-E8789AADBA0C}"/>
-              </a:ext>
-            </a:extLst>
-          </p:cNvPr>
+            <a:endParaRPr lang="zh-CN" altLang="en-US"/>
+          </a:p>
+        </p:txBody>
+      </p:sp>
+      <p:sp>
+        <p:nvSpPr>
+          <p:cNvPr id="3" name="图片占位符 2"/>
           <p:cNvSpPr>
             <a:spLocks noGrp="1"/>
           </p:cNvSpPr>
@@ -2577,13 +4495,7 @@
       </p:sp>
       <p:sp>
         <p:nvSpPr>
-          <p:cNvPr id="4" name="文本占位符 3">
-            <a:extLst>
-              <a:ext uri="{FF2B5EF4-FFF2-40B4-BE49-F238E27FC236}">
-                <a16:creationId xmlns:a16="http://schemas.microsoft.com/office/drawing/2014/main" id="{F1F8C9C4-0DC1-4155-9B8F-8DF62F42DF02}"/>
-              </a:ext>
-            </a:extLst>
-          </p:cNvPr>
+          <p:cNvPr id="4" name="文本占位符 3"/>
           <p:cNvSpPr>
             <a:spLocks noGrp="1"/>
           </p:cNvSpPr>
@@ -2643,18 +4555,13 @@
               <a:rPr lang="zh-CN" altLang="en-US"/>
               <a:t>单击此处编辑母版文本样式</a:t>
             </a:r>
-          </a:p>
-        </p:txBody>
-      </p:sp>
-      <p:sp>
-        <p:nvSpPr>
-          <p:cNvPr id="5" name="日期占位符 4">
-            <a:extLst>
-              <a:ext uri="{FF2B5EF4-FFF2-40B4-BE49-F238E27FC236}">
-                <a16:creationId xmlns:a16="http://schemas.microsoft.com/office/drawing/2014/main" id="{E21A05C1-9166-4E0D-99FA-023950D826EB}"/>
-              </a:ext>
-            </a:extLst>
-          </p:cNvPr>
+            <a:endParaRPr lang="zh-CN" altLang="en-US"/>
+          </a:p>
+        </p:txBody>
+      </p:sp>
+      <p:sp>
+        <p:nvSpPr>
+          <p:cNvPr id="5" name="日期占位符 4"/>
           <p:cNvSpPr>
             <a:spLocks noGrp="1"/>
           </p:cNvSpPr>
@@ -2669,7 +4576,6 @@
           <a:p>
             <a:fld id="{D2D017DA-0543-4E38-9214-B2509AA08C8B}" type="datetimeFigureOut">
               <a:rPr lang="zh-CN" altLang="en-US" smtClean="0"/>
-              <a:t>2021/2/4</a:t>
             </a:fld>
             <a:endParaRPr lang="zh-CN" altLang="en-US"/>
           </a:p>
@@ -2677,13 +4583,7 @@
       </p:sp>
       <p:sp>
         <p:nvSpPr>
-          <p:cNvPr id="6" name="页脚占位符 5">
-            <a:extLst>
-              <a:ext uri="{FF2B5EF4-FFF2-40B4-BE49-F238E27FC236}">
-                <a16:creationId xmlns:a16="http://schemas.microsoft.com/office/drawing/2014/main" id="{45690285-8D16-4DB9-8E0F-285945A0ADFA}"/>
-              </a:ext>
-            </a:extLst>
-          </p:cNvPr>
+          <p:cNvPr id="6" name="页脚占位符 5"/>
           <p:cNvSpPr>
             <a:spLocks noGrp="1"/>
           </p:cNvSpPr>
@@ -2702,13 +4602,7 @@
       </p:sp>
       <p:sp>
         <p:nvSpPr>
-          <p:cNvPr id="7" name="灯片编号占位符 6">
-            <a:extLst>
-              <a:ext uri="{FF2B5EF4-FFF2-40B4-BE49-F238E27FC236}">
-                <a16:creationId xmlns:a16="http://schemas.microsoft.com/office/drawing/2014/main" id="{8D631801-6027-4E62-B194-34737AA4FEF7}"/>
-              </a:ext>
-            </a:extLst>
-          </p:cNvPr>
+          <p:cNvPr id="7" name="灯片编号占位符 6"/>
           <p:cNvSpPr>
             <a:spLocks noGrp="1"/>
           </p:cNvSpPr>
@@ -2723,18 +4617,12 @@
           <a:p>
             <a:fld id="{CD2B535B-F7D0-4E92-AFE6-0DDD8B46AA88}" type="slidenum">
               <a:rPr lang="zh-CN" altLang="en-US" smtClean="0"/>
-              <a:t>‹#›</a:t>
             </a:fld>
             <a:endParaRPr lang="zh-CN" altLang="en-US"/>
           </a:p>
         </p:txBody>
       </p:sp>
     </p:spTree>
-    <p:extLst>
-      <p:ext uri="{BB962C8B-B14F-4D97-AF65-F5344CB8AC3E}">
-        <p14:creationId xmlns:p14="http://schemas.microsoft.com/office/powerpoint/2010/main" val="704867707"/>
-      </p:ext>
-    </p:extLst>
   </p:cSld>
   <p:clrMapOvr>
     <a:masterClrMapping/>
@@ -2766,13 +4654,7 @@
       </p:grpSpPr>
       <p:sp>
         <p:nvSpPr>
-          <p:cNvPr id="2" name="标题占位符 1">
-            <a:extLst>
-              <a:ext uri="{FF2B5EF4-FFF2-40B4-BE49-F238E27FC236}">
-                <a16:creationId xmlns:a16="http://schemas.microsoft.com/office/drawing/2014/main" id="{782B39BC-CCDB-4E09-A69D-0EEF85385DE2}"/>
-              </a:ext>
-            </a:extLst>
-          </p:cNvPr>
+          <p:cNvPr id="2" name="标题占位符 1"/>
           <p:cNvSpPr>
             <a:spLocks noGrp="1"/>
           </p:cNvSpPr>
@@ -2799,18 +4681,13 @@
               <a:rPr lang="zh-CN" altLang="en-US"/>
               <a:t>单击此处编辑母版标题样式</a:t>
             </a:r>
-          </a:p>
-        </p:txBody>
-      </p:sp>
-      <p:sp>
-        <p:nvSpPr>
-          <p:cNvPr id="3" name="文本占位符 2">
-            <a:extLst>
-              <a:ext uri="{FF2B5EF4-FFF2-40B4-BE49-F238E27FC236}">
-                <a16:creationId xmlns:a16="http://schemas.microsoft.com/office/drawing/2014/main" id="{34365F9A-6024-4D66-994A-D63A8C8A4BBC}"/>
-              </a:ext>
-            </a:extLst>
-          </p:cNvPr>
+            <a:endParaRPr lang="zh-CN" altLang="en-US"/>
+          </a:p>
+        </p:txBody>
+      </p:sp>
+      <p:sp>
+        <p:nvSpPr>
+          <p:cNvPr id="3" name="文本占位符 2"/>
           <p:cNvSpPr>
             <a:spLocks noGrp="1"/>
           </p:cNvSpPr>
@@ -2838,6 +4715,7 @@
               <a:rPr lang="zh-CN" altLang="en-US"/>
               <a:t>单击此处编辑母版文本样式</a:t>
             </a:r>
+            <a:endParaRPr lang="zh-CN" altLang="en-US"/>
           </a:p>
           <a:p>
             <a:pPr lvl="1"/>
@@ -2845,6 +4723,7 @@
               <a:rPr lang="zh-CN" altLang="en-US"/>
               <a:t>二级</a:t>
             </a:r>
+            <a:endParaRPr lang="zh-CN" altLang="en-US"/>
           </a:p>
           <a:p>
             <a:pPr lvl="2"/>
@@ -2852,6 +4731,7 @@
               <a:rPr lang="zh-CN" altLang="en-US"/>
               <a:t>三级</a:t>
             </a:r>
+            <a:endParaRPr lang="zh-CN" altLang="en-US"/>
           </a:p>
           <a:p>
             <a:pPr lvl="3"/>
@@ -2859,6 +4739,7 @@
               <a:rPr lang="zh-CN" altLang="en-US"/>
               <a:t>四级</a:t>
             </a:r>
+            <a:endParaRPr lang="zh-CN" altLang="en-US"/>
           </a:p>
           <a:p>
             <a:pPr lvl="4"/>
@@ -2866,18 +4747,13 @@
               <a:rPr lang="zh-CN" altLang="en-US"/>
               <a:t>五级</a:t>
             </a:r>
-          </a:p>
-        </p:txBody>
-      </p:sp>
-      <p:sp>
-        <p:nvSpPr>
-          <p:cNvPr id="4" name="日期占位符 3">
-            <a:extLst>
-              <a:ext uri="{FF2B5EF4-FFF2-40B4-BE49-F238E27FC236}">
-                <a16:creationId xmlns:a16="http://schemas.microsoft.com/office/drawing/2014/main" id="{CDECFF46-E973-480A-8C17-CBCB0A204126}"/>
-              </a:ext>
-            </a:extLst>
-          </p:cNvPr>
+            <a:endParaRPr lang="zh-CN" altLang="en-US"/>
+          </a:p>
+        </p:txBody>
+      </p:sp>
+      <p:sp>
+        <p:nvSpPr>
+          <p:cNvPr id="4" name="日期占位符 3"/>
           <p:cNvSpPr>
             <a:spLocks noGrp="1"/>
           </p:cNvSpPr>
@@ -2910,7 +4786,6 @@
           <a:p>
             <a:fld id="{D2D017DA-0543-4E38-9214-B2509AA08C8B}" type="datetimeFigureOut">
               <a:rPr lang="zh-CN" altLang="en-US" smtClean="0"/>
-              <a:t>2021/2/4</a:t>
             </a:fld>
             <a:endParaRPr lang="zh-CN" altLang="en-US"/>
           </a:p>
@@ -2918,13 +4793,7 @@
       </p:sp>
       <p:sp>
         <p:nvSpPr>
-          <p:cNvPr id="5" name="页脚占位符 4">
-            <a:extLst>
-              <a:ext uri="{FF2B5EF4-FFF2-40B4-BE49-F238E27FC236}">
-                <a16:creationId xmlns:a16="http://schemas.microsoft.com/office/drawing/2014/main" id="{EC276E06-27A2-421C-87ED-243703334794}"/>
-              </a:ext>
-            </a:extLst>
-          </p:cNvPr>
+          <p:cNvPr id="5" name="页脚占位符 4"/>
           <p:cNvSpPr>
             <a:spLocks noGrp="1"/>
           </p:cNvSpPr>
@@ -2961,13 +4830,7 @@
       </p:sp>
       <p:sp>
         <p:nvSpPr>
-          <p:cNvPr id="6" name="灯片编号占位符 5">
-            <a:extLst>
-              <a:ext uri="{FF2B5EF4-FFF2-40B4-BE49-F238E27FC236}">
-                <a16:creationId xmlns:a16="http://schemas.microsoft.com/office/drawing/2014/main" id="{DB409231-AC0A-46E7-8A83-6AB98C27AA03}"/>
-              </a:ext>
-            </a:extLst>
-          </p:cNvPr>
+          <p:cNvPr id="6" name="灯片编号占位符 5"/>
           <p:cNvSpPr>
             <a:spLocks noGrp="1"/>
           </p:cNvSpPr>
@@ -3000,18 +4863,12 @@
           <a:p>
             <a:fld id="{CD2B535B-F7D0-4E92-AFE6-0DDD8B46AA88}" type="slidenum">
               <a:rPr lang="zh-CN" altLang="en-US" smtClean="0"/>
-              <a:t>‹#›</a:t>
             </a:fld>
             <a:endParaRPr lang="zh-CN" altLang="en-US"/>
           </a:p>
         </p:txBody>
       </p:sp>
     </p:spTree>
-    <p:extLst>
-      <p:ext uri="{BB962C8B-B14F-4D97-AF65-F5344CB8AC3E}">
-        <p14:creationId xmlns:p14="http://schemas.microsoft.com/office/powerpoint/2010/main" val="724303987"/>
-      </p:ext>
-    </p:extLst>
   </p:cSld>
   <p:clrMap bg1="lt1" tx1="dk1" bg2="lt2" tx2="dk2" accent1="accent1" accent2="accent2" accent3="accent3" accent4="accent4" accent5="accent5" accent6="accent6" hlink="hlink" folHlink="folHlink"/>
   <p:sldLayoutIdLst>
@@ -3026,6 +4883,543 @@
     <p:sldLayoutId id="2147483657" r:id="rId9"/>
     <p:sldLayoutId id="2147483658" r:id="rId10"/>
     <p:sldLayoutId id="2147483659" r:id="rId11"/>
+  </p:sldLayoutIdLst>
+  <p:txStyles>
+    <p:titleStyle>
+      <a:lvl1pPr algn="l" defTabSz="914400" rtl="0" eaLnBrk="1" latinLnBrk="0" hangingPunct="1">
+        <a:lnSpc>
+          <a:spcPct val="90000"/>
+        </a:lnSpc>
+        <a:spcBef>
+          <a:spcPct val="0"/>
+        </a:spcBef>
+        <a:buNone/>
+        <a:defRPr sz="4400" kern="1200">
+          <a:solidFill>
+            <a:schemeClr val="tx1"/>
+          </a:solidFill>
+          <a:latin typeface="+mj-lt"/>
+          <a:ea typeface="+mj-ea"/>
+          <a:cs typeface="+mj-cs"/>
+        </a:defRPr>
+      </a:lvl1pPr>
+    </p:titleStyle>
+    <p:bodyStyle>
+      <a:lvl1pPr marL="228600" indent="-228600" algn="l" defTabSz="914400" rtl="0" eaLnBrk="1" latinLnBrk="0" hangingPunct="1">
+        <a:lnSpc>
+          <a:spcPct val="90000"/>
+        </a:lnSpc>
+        <a:spcBef>
+          <a:spcPts val="1000"/>
+        </a:spcBef>
+        <a:buFont typeface="Arial" panose="020B0604020202020204" pitchFamily="34" charset="0"/>
+        <a:buChar char="•"/>
+        <a:defRPr sz="2800" kern="1200">
+          <a:solidFill>
+            <a:schemeClr val="tx1"/>
+          </a:solidFill>
+          <a:latin typeface="+mn-lt"/>
+          <a:ea typeface="+mn-ea"/>
+          <a:cs typeface="+mn-cs"/>
+        </a:defRPr>
+      </a:lvl1pPr>
+      <a:lvl2pPr marL="685800" indent="-228600" algn="l" defTabSz="914400" rtl="0" eaLnBrk="1" latinLnBrk="0" hangingPunct="1">
+        <a:lnSpc>
+          <a:spcPct val="90000"/>
+        </a:lnSpc>
+        <a:spcBef>
+          <a:spcPts val="500"/>
+        </a:spcBef>
+        <a:buFont typeface="Arial" panose="020B0604020202020204" pitchFamily="34" charset="0"/>
+        <a:buChar char="•"/>
+        <a:defRPr sz="2400" kern="1200">
+          <a:solidFill>
+            <a:schemeClr val="tx1"/>
+          </a:solidFill>
+          <a:latin typeface="+mn-lt"/>
+          <a:ea typeface="+mn-ea"/>
+          <a:cs typeface="+mn-cs"/>
+        </a:defRPr>
+      </a:lvl2pPr>
+      <a:lvl3pPr marL="1143000" indent="-228600" algn="l" defTabSz="914400" rtl="0" eaLnBrk="1" latinLnBrk="0" hangingPunct="1">
+        <a:lnSpc>
+          <a:spcPct val="90000"/>
+        </a:lnSpc>
+        <a:spcBef>
+          <a:spcPts val="500"/>
+        </a:spcBef>
+        <a:buFont typeface="Arial" panose="020B0604020202020204" pitchFamily="34" charset="0"/>
+        <a:buChar char="•"/>
+        <a:defRPr sz="2000" kern="1200">
+          <a:solidFill>
+            <a:schemeClr val="tx1"/>
+          </a:solidFill>
+          <a:latin typeface="+mn-lt"/>
+          <a:ea typeface="+mn-ea"/>
+          <a:cs typeface="+mn-cs"/>
+        </a:defRPr>
+      </a:lvl3pPr>
+      <a:lvl4pPr marL="1600200" indent="-228600" algn="l" defTabSz="914400" rtl="0" eaLnBrk="1" latinLnBrk="0" hangingPunct="1">
+        <a:lnSpc>
+          <a:spcPct val="90000"/>
+        </a:lnSpc>
+        <a:spcBef>
+          <a:spcPts val="500"/>
+        </a:spcBef>
+        <a:buFont typeface="Arial" panose="020B0604020202020204" pitchFamily="34" charset="0"/>
+        <a:buChar char="•"/>
+        <a:defRPr sz="1800" kern="1200">
+          <a:solidFill>
+            <a:schemeClr val="tx1"/>
+          </a:solidFill>
+          <a:latin typeface="+mn-lt"/>
+          <a:ea typeface="+mn-ea"/>
+          <a:cs typeface="+mn-cs"/>
+        </a:defRPr>
+      </a:lvl4pPr>
+      <a:lvl5pPr marL="2057400" indent="-228600" algn="l" defTabSz="914400" rtl="0" eaLnBrk="1" latinLnBrk="0" hangingPunct="1">
+        <a:lnSpc>
+          <a:spcPct val="90000"/>
+        </a:lnSpc>
+        <a:spcBef>
+          <a:spcPts val="500"/>
+        </a:spcBef>
+        <a:buFont typeface="Arial" panose="020B0604020202020204" pitchFamily="34" charset="0"/>
+        <a:buChar char="•"/>
+        <a:defRPr sz="1800" kern="1200">
+          <a:solidFill>
+            <a:schemeClr val="tx1"/>
+          </a:solidFill>
+          <a:latin typeface="+mn-lt"/>
+          <a:ea typeface="+mn-ea"/>
+          <a:cs typeface="+mn-cs"/>
+        </a:defRPr>
+      </a:lvl5pPr>
+      <a:lvl6pPr marL="2514600" indent="-228600" algn="l" defTabSz="914400" rtl="0" eaLnBrk="1" latinLnBrk="0" hangingPunct="1">
+        <a:lnSpc>
+          <a:spcPct val="90000"/>
+        </a:lnSpc>
+        <a:spcBef>
+          <a:spcPts val="500"/>
+        </a:spcBef>
+        <a:buFont typeface="Arial" panose="020B0604020202020204" pitchFamily="34" charset="0"/>
+        <a:buChar char="•"/>
+        <a:defRPr sz="1800" kern="1200">
+          <a:solidFill>
+            <a:schemeClr val="tx1"/>
+          </a:solidFill>
+          <a:latin typeface="+mn-lt"/>
+          <a:ea typeface="+mn-ea"/>
+          <a:cs typeface="+mn-cs"/>
+        </a:defRPr>
+      </a:lvl6pPr>
+      <a:lvl7pPr marL="2971800" indent="-228600" algn="l" defTabSz="914400" rtl="0" eaLnBrk="1" latinLnBrk="0" hangingPunct="1">
+        <a:lnSpc>
+          <a:spcPct val="90000"/>
+        </a:lnSpc>
+        <a:spcBef>
+          <a:spcPts val="500"/>
+        </a:spcBef>
+        <a:buFont typeface="Arial" panose="020B0604020202020204" pitchFamily="34" charset="0"/>
+        <a:buChar char="•"/>
+        <a:defRPr sz="1800" kern="1200">
+          <a:solidFill>
+            <a:schemeClr val="tx1"/>
+          </a:solidFill>
+          <a:latin typeface="+mn-lt"/>
+          <a:ea typeface="+mn-ea"/>
+          <a:cs typeface="+mn-cs"/>
+        </a:defRPr>
+      </a:lvl7pPr>
+      <a:lvl8pPr marL="3429000" indent="-228600" algn="l" defTabSz="914400" rtl="0" eaLnBrk="1" latinLnBrk="0" hangingPunct="1">
+        <a:lnSpc>
+          <a:spcPct val="90000"/>
+        </a:lnSpc>
+        <a:spcBef>
+          <a:spcPts val="500"/>
+        </a:spcBef>
+        <a:buFont typeface="Arial" panose="020B0604020202020204" pitchFamily="34" charset="0"/>
+        <a:buChar char="•"/>
+        <a:defRPr sz="1800" kern="1200">
+          <a:solidFill>
+            <a:schemeClr val="tx1"/>
+          </a:solidFill>
+          <a:latin typeface="+mn-lt"/>
+          <a:ea typeface="+mn-ea"/>
+          <a:cs typeface="+mn-cs"/>
+        </a:defRPr>
+      </a:lvl8pPr>
+      <a:lvl9pPr marL="3886200" indent="-228600" algn="l" defTabSz="914400" rtl="0" eaLnBrk="1" latinLnBrk="0" hangingPunct="1">
+        <a:lnSpc>
+          <a:spcPct val="90000"/>
+        </a:lnSpc>
+        <a:spcBef>
+          <a:spcPts val="500"/>
+        </a:spcBef>
+        <a:buFont typeface="Arial" panose="020B0604020202020204" pitchFamily="34" charset="0"/>
+        <a:buChar char="•"/>
+        <a:defRPr sz="1800" kern="1200">
+          <a:solidFill>
+            <a:schemeClr val="tx1"/>
+          </a:solidFill>
+          <a:latin typeface="+mn-lt"/>
+          <a:ea typeface="+mn-ea"/>
+          <a:cs typeface="+mn-cs"/>
+        </a:defRPr>
+      </a:lvl9pPr>
+    </p:bodyStyle>
+    <p:otherStyle>
+      <a:defPPr>
+        <a:defRPr lang="zh-CN"/>
+      </a:defPPr>
+      <a:lvl1pPr marL="0" algn="l" defTabSz="914400" rtl="0" eaLnBrk="1" latinLnBrk="0" hangingPunct="1">
+        <a:defRPr sz="1800" kern="1200">
+          <a:solidFill>
+            <a:schemeClr val="tx1"/>
+          </a:solidFill>
+          <a:latin typeface="+mn-lt"/>
+          <a:ea typeface="+mn-ea"/>
+          <a:cs typeface="+mn-cs"/>
+        </a:defRPr>
+      </a:lvl1pPr>
+      <a:lvl2pPr marL="457200" algn="l" defTabSz="914400" rtl="0" eaLnBrk="1" latinLnBrk="0" hangingPunct="1">
+        <a:defRPr sz="1800" kern="1200">
+          <a:solidFill>
+            <a:schemeClr val="tx1"/>
+          </a:solidFill>
+          <a:latin typeface="+mn-lt"/>
+          <a:ea typeface="+mn-ea"/>
+          <a:cs typeface="+mn-cs"/>
+        </a:defRPr>
+      </a:lvl2pPr>
+      <a:lvl3pPr marL="914400" algn="l" defTabSz="914400" rtl="0" eaLnBrk="1" latinLnBrk="0" hangingPunct="1">
+        <a:defRPr sz="1800" kern="1200">
+          <a:solidFill>
+            <a:schemeClr val="tx1"/>
+          </a:solidFill>
+          <a:latin typeface="+mn-lt"/>
+          <a:ea typeface="+mn-ea"/>
+          <a:cs typeface="+mn-cs"/>
+        </a:defRPr>
+      </a:lvl3pPr>
+      <a:lvl4pPr marL="1371600" algn="l" defTabSz="914400" rtl="0" eaLnBrk="1" latinLnBrk="0" hangingPunct="1">
+        <a:defRPr sz="1800" kern="1200">
+          <a:solidFill>
+            <a:schemeClr val="tx1"/>
+          </a:solidFill>
+          <a:latin typeface="+mn-lt"/>
+          <a:ea typeface="+mn-ea"/>
+          <a:cs typeface="+mn-cs"/>
+        </a:defRPr>
+      </a:lvl4pPr>
+      <a:lvl5pPr marL="1828800" algn="l" defTabSz="914400" rtl="0" eaLnBrk="1" latinLnBrk="0" hangingPunct="1">
+        <a:defRPr sz="1800" kern="1200">
+          <a:solidFill>
+            <a:schemeClr val="tx1"/>
+          </a:solidFill>
+          <a:latin typeface="+mn-lt"/>
+          <a:ea typeface="+mn-ea"/>
+          <a:cs typeface="+mn-cs"/>
+        </a:defRPr>
+      </a:lvl5pPr>
+      <a:lvl6pPr marL="2286000" algn="l" defTabSz="914400" rtl="0" eaLnBrk="1" latinLnBrk="0" hangingPunct="1">
+        <a:defRPr sz="1800" kern="1200">
+          <a:solidFill>
+            <a:schemeClr val="tx1"/>
+          </a:solidFill>
+          <a:latin typeface="+mn-lt"/>
+          <a:ea typeface="+mn-ea"/>
+          <a:cs typeface="+mn-cs"/>
+        </a:defRPr>
+      </a:lvl6pPr>
+      <a:lvl7pPr marL="2743200" algn="l" defTabSz="914400" rtl="0" eaLnBrk="1" latinLnBrk="0" hangingPunct="1">
+        <a:defRPr sz="1800" kern="1200">
+          <a:solidFill>
+            <a:schemeClr val="tx1"/>
+          </a:solidFill>
+          <a:latin typeface="+mn-lt"/>
+          <a:ea typeface="+mn-ea"/>
+          <a:cs typeface="+mn-cs"/>
+        </a:defRPr>
+      </a:lvl7pPr>
+      <a:lvl8pPr marL="3200400" algn="l" defTabSz="914400" rtl="0" eaLnBrk="1" latinLnBrk="0" hangingPunct="1">
+        <a:defRPr sz="1800" kern="1200">
+          <a:solidFill>
+            <a:schemeClr val="tx1"/>
+          </a:solidFill>
+          <a:latin typeface="+mn-lt"/>
+          <a:ea typeface="+mn-ea"/>
+          <a:cs typeface="+mn-cs"/>
+        </a:defRPr>
+      </a:lvl8pPr>
+      <a:lvl9pPr marL="3657600" algn="l" defTabSz="914400" rtl="0" eaLnBrk="1" latinLnBrk="0" hangingPunct="1">
+        <a:defRPr sz="1800" kern="1200">
+          <a:solidFill>
+            <a:schemeClr val="tx1"/>
+          </a:solidFill>
+          <a:latin typeface="+mn-lt"/>
+          <a:ea typeface="+mn-ea"/>
+          <a:cs typeface="+mn-cs"/>
+        </a:defRPr>
+      </a:lvl9pPr>
+    </p:otherStyle>
+  </p:txStyles>
+</p:sldMaster>
+</file>
+
+<file path=ppt/slideMasters/slideMaster2.xml><?xml version="1.0" encoding="utf-8"?>
+<p:sldMaster xmlns:a="http://schemas.openxmlformats.org/drawingml/2006/main" xmlns:r="http://schemas.openxmlformats.org/officeDocument/2006/relationships" xmlns:p="http://schemas.openxmlformats.org/presentationml/2006/main">
+  <p:cSld>
+    <p:bg>
+      <p:bgRef idx="1001">
+        <a:schemeClr val="bg1"/>
+      </p:bgRef>
+    </p:bg>
+    <p:spTree>
+      <p:nvGrpSpPr>
+        <p:cNvPr id="1" name=""/>
+        <p:cNvGrpSpPr/>
+        <p:nvPr/>
+      </p:nvGrpSpPr>
+      <p:grpSpPr>
+        <a:xfrm>
+          <a:off x="0" y="0"/>
+          <a:ext cx="0" cy="0"/>
+          <a:chOff x="0" y="0"/>
+          <a:chExt cx="0" cy="0"/>
+        </a:xfrm>
+      </p:grpSpPr>
+      <p:sp>
+        <p:nvSpPr>
+          <p:cNvPr id="2" name="标题占位符 1"/>
+          <p:cNvSpPr>
+            <a:spLocks noGrp="1"/>
+          </p:cNvSpPr>
+          <p:nvPr>
+            <p:ph type="title"/>
+          </p:nvPr>
+        </p:nvSpPr>
+        <p:spPr>
+          <a:xfrm>
+            <a:off x="838200" y="365125"/>
+            <a:ext cx="10515600" cy="1325563"/>
+          </a:xfrm>
+          <a:prstGeom prst="rect">
+            <a:avLst/>
+          </a:prstGeom>
+        </p:spPr>
+        <p:txBody>
+          <a:bodyPr vert="horz" lIns="91440" tIns="45720" rIns="91440" bIns="45720" rtlCol="0" anchor="ctr">
+            <a:normAutofit/>
+          </a:bodyPr>
+          <a:lstStyle/>
+          <a:p>
+            <a:r>
+              <a:rPr lang="zh-CN" altLang="en-US"/>
+              <a:t>单击此处编辑母版标题样式</a:t>
+            </a:r>
+            <a:endParaRPr lang="zh-CN" altLang="en-US"/>
+          </a:p>
+        </p:txBody>
+      </p:sp>
+      <p:sp>
+        <p:nvSpPr>
+          <p:cNvPr id="3" name="文本占位符 2"/>
+          <p:cNvSpPr>
+            <a:spLocks noGrp="1"/>
+          </p:cNvSpPr>
+          <p:nvPr>
+            <p:ph type="body" idx="1"/>
+          </p:nvPr>
+        </p:nvSpPr>
+        <p:spPr>
+          <a:xfrm>
+            <a:off x="838200" y="1825625"/>
+            <a:ext cx="10515600" cy="4351338"/>
+          </a:xfrm>
+          <a:prstGeom prst="rect">
+            <a:avLst/>
+          </a:prstGeom>
+        </p:spPr>
+        <p:txBody>
+          <a:bodyPr vert="horz" lIns="91440" tIns="45720" rIns="91440" bIns="45720" rtlCol="0">
+            <a:normAutofit/>
+          </a:bodyPr>
+          <a:lstStyle/>
+          <a:p>
+            <a:pPr lvl="0"/>
+            <a:r>
+              <a:rPr lang="zh-CN" altLang="en-US"/>
+              <a:t>单击此处编辑母版文本样式</a:t>
+            </a:r>
+            <a:endParaRPr lang="zh-CN" altLang="en-US"/>
+          </a:p>
+          <a:p>
+            <a:pPr lvl="1"/>
+            <a:r>
+              <a:rPr lang="zh-CN" altLang="en-US"/>
+              <a:t>二级</a:t>
+            </a:r>
+            <a:endParaRPr lang="zh-CN" altLang="en-US"/>
+          </a:p>
+          <a:p>
+            <a:pPr lvl="2"/>
+            <a:r>
+              <a:rPr lang="zh-CN" altLang="en-US"/>
+              <a:t>三级</a:t>
+            </a:r>
+            <a:endParaRPr lang="zh-CN" altLang="en-US"/>
+          </a:p>
+          <a:p>
+            <a:pPr lvl="3"/>
+            <a:r>
+              <a:rPr lang="zh-CN" altLang="en-US"/>
+              <a:t>四级</a:t>
+            </a:r>
+            <a:endParaRPr lang="zh-CN" altLang="en-US"/>
+          </a:p>
+          <a:p>
+            <a:pPr lvl="4"/>
+            <a:r>
+              <a:rPr lang="zh-CN" altLang="en-US"/>
+              <a:t>五级</a:t>
+            </a:r>
+            <a:endParaRPr lang="zh-CN" altLang="en-US"/>
+          </a:p>
+        </p:txBody>
+      </p:sp>
+      <p:sp>
+        <p:nvSpPr>
+          <p:cNvPr id="4" name="日期占位符 3"/>
+          <p:cNvSpPr>
+            <a:spLocks noGrp="1"/>
+          </p:cNvSpPr>
+          <p:nvPr>
+            <p:ph type="dt" sz="half" idx="2"/>
+          </p:nvPr>
+        </p:nvSpPr>
+        <p:spPr>
+          <a:xfrm>
+            <a:off x="838200" y="6356350"/>
+            <a:ext cx="2743200" cy="365125"/>
+          </a:xfrm>
+          <a:prstGeom prst="rect">
+            <a:avLst/>
+          </a:prstGeom>
+        </p:spPr>
+        <p:txBody>
+          <a:bodyPr vert="horz" lIns="91440" tIns="45720" rIns="91440" bIns="45720" rtlCol="0" anchor="ctr"/>
+          <a:lstStyle>
+            <a:lvl1pPr algn="l">
+              <a:defRPr sz="1200">
+                <a:solidFill>
+                  <a:schemeClr val="tx1">
+                    <a:tint val="75000"/>
+                  </a:schemeClr>
+                </a:solidFill>
+              </a:defRPr>
+            </a:lvl1pPr>
+          </a:lstStyle>
+          <a:p>
+            <a:fld id="{D2D017DA-0543-4E38-9214-B2509AA08C8B}" type="datetimeFigureOut">
+              <a:rPr lang="zh-CN" altLang="en-US" smtClean="0"/>
+            </a:fld>
+            <a:endParaRPr lang="zh-CN" altLang="en-US"/>
+          </a:p>
+        </p:txBody>
+      </p:sp>
+      <p:sp>
+        <p:nvSpPr>
+          <p:cNvPr id="5" name="页脚占位符 4"/>
+          <p:cNvSpPr>
+            <a:spLocks noGrp="1"/>
+          </p:cNvSpPr>
+          <p:nvPr>
+            <p:ph type="ftr" sz="quarter" idx="3"/>
+          </p:nvPr>
+        </p:nvSpPr>
+        <p:spPr>
+          <a:xfrm>
+            <a:off x="4038600" y="6356350"/>
+            <a:ext cx="4114800" cy="365125"/>
+          </a:xfrm>
+          <a:prstGeom prst="rect">
+            <a:avLst/>
+          </a:prstGeom>
+        </p:spPr>
+        <p:txBody>
+          <a:bodyPr vert="horz" lIns="91440" tIns="45720" rIns="91440" bIns="45720" rtlCol="0" anchor="ctr"/>
+          <a:lstStyle>
+            <a:lvl1pPr algn="ctr">
+              <a:defRPr sz="1200">
+                <a:solidFill>
+                  <a:schemeClr val="tx1">
+                    <a:tint val="75000"/>
+                  </a:schemeClr>
+                </a:solidFill>
+              </a:defRPr>
+            </a:lvl1pPr>
+          </a:lstStyle>
+          <a:p>
+            <a:endParaRPr lang="zh-CN" altLang="en-US"/>
+          </a:p>
+        </p:txBody>
+      </p:sp>
+      <p:sp>
+        <p:nvSpPr>
+          <p:cNvPr id="6" name="灯片编号占位符 5"/>
+          <p:cNvSpPr>
+            <a:spLocks noGrp="1"/>
+          </p:cNvSpPr>
+          <p:nvPr>
+            <p:ph type="sldNum" sz="quarter" idx="4"/>
+          </p:nvPr>
+        </p:nvSpPr>
+        <p:spPr>
+          <a:xfrm>
+            <a:off x="8610600" y="6356350"/>
+            <a:ext cx="2743200" cy="365125"/>
+          </a:xfrm>
+          <a:prstGeom prst="rect">
+            <a:avLst/>
+          </a:prstGeom>
+        </p:spPr>
+        <p:txBody>
+          <a:bodyPr vert="horz" lIns="91440" tIns="45720" rIns="91440" bIns="45720" rtlCol="0" anchor="ctr"/>
+          <a:lstStyle>
+            <a:lvl1pPr algn="r">
+              <a:defRPr sz="1200">
+                <a:solidFill>
+                  <a:schemeClr val="tx1">
+                    <a:tint val="75000"/>
+                  </a:schemeClr>
+                </a:solidFill>
+              </a:defRPr>
+            </a:lvl1pPr>
+          </a:lstStyle>
+          <a:p>
+            <a:fld id="{CD2B535B-F7D0-4E92-AFE6-0DDD8B46AA88}" type="slidenum">
+              <a:rPr lang="zh-CN" altLang="en-US" smtClean="0"/>
+            </a:fld>
+            <a:endParaRPr lang="zh-CN" altLang="en-US"/>
+          </a:p>
+        </p:txBody>
+      </p:sp>
+    </p:spTree>
+  </p:cSld>
+  <p:clrMap bg1="lt1" tx1="dk1" bg2="lt2" tx2="dk2" accent1="accent1" accent2="accent2" accent3="accent3" accent4="accent4" accent5="accent5" accent6="accent6" hlink="hlink" folHlink="folHlink"/>
+  <p:sldLayoutIdLst>
+    <p:sldLayoutId id="2147483661" r:id="rId1"/>
+    <p:sldLayoutId id="2147483662" r:id="rId2"/>
+    <p:sldLayoutId id="2147483663" r:id="rId3"/>
+    <p:sldLayoutId id="2147483664" r:id="rId4"/>
+    <p:sldLayoutId id="2147483665" r:id="rId5"/>
+    <p:sldLayoutId id="2147483666" r:id="rId6"/>
+    <p:sldLayoutId id="2147483667" r:id="rId7"/>
+    <p:sldLayoutId id="2147483668" r:id="rId8"/>
+    <p:sldLayoutId id="2147483669" r:id="rId9"/>
+    <p:sldLayoutId id="2147483670" r:id="rId10"/>
+    <p:sldLayoutId id="2147483671" r:id="rId11"/>
   </p:sldLayoutIdLst>
   <p:txStyles>
     <p:titleStyle>
@@ -3329,13 +5723,7 @@
       </p:grpSpPr>
       <p:sp>
         <p:nvSpPr>
-          <p:cNvPr id="2" name="标题 1">
-            <a:extLst>
-              <a:ext uri="{FF2B5EF4-FFF2-40B4-BE49-F238E27FC236}">
-                <a16:creationId xmlns:a16="http://schemas.microsoft.com/office/drawing/2014/main" id="{79E767D5-0040-4B73-886D-F0D7FEDED278}"/>
-              </a:ext>
-            </a:extLst>
-          </p:cNvPr>
+          <p:cNvPr id="2" name="标题 1"/>
           <p:cNvSpPr>
             <a:spLocks noGrp="1"/>
           </p:cNvSpPr>
@@ -3368,11 +5756,6 @@
         </p:txBody>
       </p:sp>
     </p:spTree>
-    <p:extLst>
-      <p:ext uri="{BB962C8B-B14F-4D97-AF65-F5344CB8AC3E}">
-        <p14:creationId xmlns:p14="http://schemas.microsoft.com/office/powerpoint/2010/main" val="655761081"/>
-      </p:ext>
-    </p:extLst>
   </p:cSld>
   <p:clrMapOvr>
     <a:masterClrMapping/>
@@ -3399,13 +5782,7 @@
       </p:grpSpPr>
       <p:sp>
         <p:nvSpPr>
-          <p:cNvPr id="2" name="标题 1">
-            <a:extLst>
-              <a:ext uri="{FF2B5EF4-FFF2-40B4-BE49-F238E27FC236}">
-                <a16:creationId xmlns:a16="http://schemas.microsoft.com/office/drawing/2014/main" id="{79E767D5-0040-4B73-886D-F0D7FEDED278}"/>
-              </a:ext>
-            </a:extLst>
-          </p:cNvPr>
+          <p:cNvPr id="2" name="标题 1"/>
           <p:cNvSpPr>
             <a:spLocks noGrp="1"/>
           </p:cNvSpPr>
@@ -3438,11 +5815,65 @@
         </p:txBody>
       </p:sp>
     </p:spTree>
-    <p:extLst>
-      <p:ext uri="{BB962C8B-B14F-4D97-AF65-F5344CB8AC3E}">
-        <p14:creationId xmlns:p14="http://schemas.microsoft.com/office/powerpoint/2010/main" val="4223383491"/>
-      </p:ext>
-    </p:extLst>
+  </p:cSld>
+  <p:clrMapOvr>
+    <a:masterClrMapping/>
+  </p:clrMapOvr>
+</p:sld>
+</file>
+
+<file path=ppt/slides/slide3.xml><?xml version="1.0" encoding="utf-8"?>
+<p:sld xmlns:a="http://schemas.openxmlformats.org/drawingml/2006/main" xmlns:r="http://schemas.openxmlformats.org/officeDocument/2006/relationships" xmlns:p="http://schemas.openxmlformats.org/presentationml/2006/main">
+  <p:cSld>
+    <p:spTree>
+      <p:nvGrpSpPr>
+        <p:cNvPr id="1" name=""/>
+        <p:cNvGrpSpPr/>
+        <p:nvPr/>
+      </p:nvGrpSpPr>
+      <p:grpSpPr>
+        <a:xfrm>
+          <a:off x="0" y="0"/>
+          <a:ext cx="0" cy="0"/>
+          <a:chOff x="0" y="0"/>
+          <a:chExt cx="0" cy="0"/>
+        </a:xfrm>
+      </p:grpSpPr>
+      <p:sp>
+        <p:nvSpPr>
+          <p:cNvPr id="2" name="标题 1"/>
+          <p:cNvSpPr>
+            <a:spLocks noGrp="1"/>
+          </p:cNvSpPr>
+          <p:nvPr>
+            <p:ph type="ctrTitle"/>
+          </p:nvPr>
+        </p:nvSpPr>
+        <p:spPr>
+          <a:xfrm>
+            <a:off x="1382598" y="1753959"/>
+            <a:ext cx="9144000" cy="2387600"/>
+          </a:xfrm>
+        </p:spPr>
+        <p:txBody>
+          <a:bodyPr>
+            <a:normAutofit fontScale="90000"/>
+          </a:bodyPr>
+          <a:lstStyle/>
+          <a:p>
+            <a:r>
+              <a:rPr lang="en-US" altLang="zh-CN" sz="9600" dirty="0">
+                <a:latin typeface="Century" panose="02040604050505020304" pitchFamily="18" charset="0"/>
+              </a:rPr>
+              <a:t>Cookie Session Token</a:t>
+            </a:r>
+            <a:endParaRPr lang="zh-CN" altLang="en-US" sz="9600" dirty="0">
+              <a:latin typeface="Century" panose="02040604050505020304" pitchFamily="18" charset="0"/>
+            </a:endParaRPr>
+          </a:p>
+        </p:txBody>
+      </p:sp>
+    </p:spTree>
   </p:cSld>
   <p:clrMapOvr>
     <a:masterClrMapping/>
@@ -3493,7 +5924,7 @@
     </a:clrScheme>
     <a:fontScheme name="Office">
       <a:majorFont>
-        <a:latin typeface="等线 Light" panose="020F0302020204030204"/>
+        <a:latin typeface="等线 Light"/>
         <a:ea typeface=""/>
         <a:cs typeface=""/>
         <a:font script="Jpan" typeface="游ゴシック Light"/>
@@ -3526,26 +5957,9 @@
         <a:font script="Viet" typeface="Times New Roman"/>
         <a:font script="Uigh" typeface="Microsoft Uighur"/>
         <a:font script="Geor" typeface="Sylfaen"/>
-        <a:font script="Armn" typeface="Arial"/>
-        <a:font script="Bugi" typeface="Leelawadee UI"/>
-        <a:font script="Bopo" typeface="Microsoft JhengHei"/>
-        <a:font script="Java" typeface="Javanese Text"/>
-        <a:font script="Lisu" typeface="Segoe UI"/>
-        <a:font script="Mymr" typeface="Myanmar Text"/>
-        <a:font script="Nkoo" typeface="Ebrima"/>
-        <a:font script="Olck" typeface="Nirmala UI"/>
-        <a:font script="Osma" typeface="Ebrima"/>
-        <a:font script="Phag" typeface="Phagspa"/>
-        <a:font script="Syrn" typeface="Estrangelo Edessa"/>
-        <a:font script="Syrj" typeface="Estrangelo Edessa"/>
-        <a:font script="Syre" typeface="Estrangelo Edessa"/>
-        <a:font script="Sora" typeface="Nirmala UI"/>
-        <a:font script="Tale" typeface="Microsoft Tai Le"/>
-        <a:font script="Talu" typeface="Microsoft New Tai Lue"/>
-        <a:font script="Tfng" typeface="Ebrima"/>
       </a:majorFont>
       <a:minorFont>
-        <a:latin typeface="等线" panose="020F0502020204030204"/>
+        <a:latin typeface="等线"/>
         <a:ea typeface=""/>
         <a:cs typeface=""/>
         <a:font script="Jpan" typeface="游ゴシック"/>
@@ -3578,23 +5992,6 @@
         <a:font script="Viet" typeface="Arial"/>
         <a:font script="Uigh" typeface="Microsoft Uighur"/>
         <a:font script="Geor" typeface="Sylfaen"/>
-        <a:font script="Armn" typeface="Arial"/>
-        <a:font script="Bugi" typeface="Leelawadee UI"/>
-        <a:font script="Bopo" typeface="Microsoft JhengHei"/>
-        <a:font script="Java" typeface="Javanese Text"/>
-        <a:font script="Lisu" typeface="Segoe UI"/>
-        <a:font script="Mymr" typeface="Myanmar Text"/>
-        <a:font script="Nkoo" typeface="Ebrima"/>
-        <a:font script="Olck" typeface="Nirmala UI"/>
-        <a:font script="Osma" typeface="Ebrima"/>
-        <a:font script="Phag" typeface="Phagspa"/>
-        <a:font script="Syrn" typeface="Estrangelo Edessa"/>
-        <a:font script="Syrj" typeface="Estrangelo Edessa"/>
-        <a:font script="Syre" typeface="Estrangelo Edessa"/>
-        <a:font script="Sora" typeface="Nirmala UI"/>
-        <a:font script="Tale" typeface="Microsoft Tai Le"/>
-        <a:font script="Talu" typeface="Microsoft New Tai Lue"/>
-        <a:font script="Tfng" typeface="Ebrima"/>
       </a:minorFont>
     </a:fontScheme>
     <a:fmtScheme name="Office">
@@ -3735,8 +6132,265 @@
       </a:bgFillStyleLst>
     </a:fmtScheme>
   </a:themeElements>
-  <a:objectDefaults/>
-  <a:extraClrSchemeLst/>
+  <a:extLst>
+    <a:ext uri="{05A4C25C-085E-4340-85A3-A5531E510DB2}">
+      <thm15:themeFamily xmlns:thm15="http://schemas.microsoft.com/office/thememl/2012/main" name="Office Theme" id="{62F939B6-93AF-4DB8-9C6B-D6C7DFDC589F}" vid="{4A3C46E8-61CC-4603-A589-7422A47A8E4A}"/>
+    </a:ext>
+  </a:extLst>
+</a:theme>
+</file>
+
+<file path=ppt/theme/theme2.xml><?xml version="1.0" encoding="utf-8"?>
+<a:theme xmlns:a="http://schemas.openxmlformats.org/drawingml/2006/main" name="1_Office 主题​​">
+  <a:themeElements>
+    <a:clrScheme name="Office">
+      <a:dk1>
+        <a:sysClr val="windowText" lastClr="000000"/>
+      </a:dk1>
+      <a:lt1>
+        <a:sysClr val="window" lastClr="FFFFFF"/>
+      </a:lt1>
+      <a:dk2>
+        <a:srgbClr val="44546A"/>
+      </a:dk2>
+      <a:lt2>
+        <a:srgbClr val="E7E6E6"/>
+      </a:lt2>
+      <a:accent1>
+        <a:srgbClr val="4472C4"/>
+      </a:accent1>
+      <a:accent2>
+        <a:srgbClr val="ED7D31"/>
+      </a:accent2>
+      <a:accent3>
+        <a:srgbClr val="A5A5A5"/>
+      </a:accent3>
+      <a:accent4>
+        <a:srgbClr val="FFC000"/>
+      </a:accent4>
+      <a:accent5>
+        <a:srgbClr val="5B9BD5"/>
+      </a:accent5>
+      <a:accent6>
+        <a:srgbClr val="70AD47"/>
+      </a:accent6>
+      <a:hlink>
+        <a:srgbClr val="0563C1"/>
+      </a:hlink>
+      <a:folHlink>
+        <a:srgbClr val="954F72"/>
+      </a:folHlink>
+    </a:clrScheme>
+    <a:fontScheme name="Office">
+      <a:majorFont>
+        <a:latin typeface="等线 Light"/>
+        <a:ea typeface=""/>
+        <a:cs typeface=""/>
+        <a:font script="Jpan" typeface="游ゴシック Light"/>
+        <a:font script="Hang" typeface="맑은 고딕"/>
+        <a:font script="Hans" typeface="等线 Light"/>
+        <a:font script="Hant" typeface="新細明體"/>
+        <a:font script="Arab" typeface="Times New Roman"/>
+        <a:font script="Hebr" typeface="Times New Roman"/>
+        <a:font script="Thai" typeface="Angsana New"/>
+        <a:font script="Ethi" typeface="Nyala"/>
+        <a:font script="Beng" typeface="Vrinda"/>
+        <a:font script="Gujr" typeface="Shruti"/>
+        <a:font script="Khmr" typeface="MoolBoran"/>
+        <a:font script="Knda" typeface="Tunga"/>
+        <a:font script="Guru" typeface="Raavi"/>
+        <a:font script="Cans" typeface="Euphemia"/>
+        <a:font script="Cher" typeface="Plantagenet Cherokee"/>
+        <a:font script="Yiii" typeface="Microsoft Yi Baiti"/>
+        <a:font script="Tibt" typeface="Microsoft Himalaya"/>
+        <a:font script="Thaa" typeface="MV Boli"/>
+        <a:font script="Deva" typeface="Mangal"/>
+        <a:font script="Telu" typeface="Gautami"/>
+        <a:font script="Taml" typeface="Latha"/>
+        <a:font script="Syrc" typeface="Estrangelo Edessa"/>
+        <a:font script="Orya" typeface="Kalinga"/>
+        <a:font script="Mlym" typeface="Kartika"/>
+        <a:font script="Laoo" typeface="DokChampa"/>
+        <a:font script="Sinh" typeface="Iskoola Pota"/>
+        <a:font script="Mong" typeface="Mongolian Baiti"/>
+        <a:font script="Viet" typeface="Times New Roman"/>
+        <a:font script="Uigh" typeface="Microsoft Uighur"/>
+        <a:font script="Geor" typeface="Sylfaen"/>
+      </a:majorFont>
+      <a:minorFont>
+        <a:latin typeface="等线"/>
+        <a:ea typeface=""/>
+        <a:cs typeface=""/>
+        <a:font script="Jpan" typeface="游ゴシック"/>
+        <a:font script="Hang" typeface="맑은 고딕"/>
+        <a:font script="Hans" typeface="等线"/>
+        <a:font script="Hant" typeface="新細明體"/>
+        <a:font script="Arab" typeface="Arial"/>
+        <a:font script="Hebr" typeface="Arial"/>
+        <a:font script="Thai" typeface="Cordia New"/>
+        <a:font script="Ethi" typeface="Nyala"/>
+        <a:font script="Beng" typeface="Vrinda"/>
+        <a:font script="Gujr" typeface="Shruti"/>
+        <a:font script="Khmr" typeface="DaunPenh"/>
+        <a:font script="Knda" typeface="Tunga"/>
+        <a:font script="Guru" typeface="Raavi"/>
+        <a:font script="Cans" typeface="Euphemia"/>
+        <a:font script="Cher" typeface="Plantagenet Cherokee"/>
+        <a:font script="Yiii" typeface="Microsoft Yi Baiti"/>
+        <a:font script="Tibt" typeface="Microsoft Himalaya"/>
+        <a:font script="Thaa" typeface="MV Boli"/>
+        <a:font script="Deva" typeface="Mangal"/>
+        <a:font script="Telu" typeface="Gautami"/>
+        <a:font script="Taml" typeface="Latha"/>
+        <a:font script="Syrc" typeface="Estrangelo Edessa"/>
+        <a:font script="Orya" typeface="Kalinga"/>
+        <a:font script="Mlym" typeface="Kartika"/>
+        <a:font script="Laoo" typeface="DokChampa"/>
+        <a:font script="Sinh" typeface="Iskoola Pota"/>
+        <a:font script="Mong" typeface="Mongolian Baiti"/>
+        <a:font script="Viet" typeface="Arial"/>
+        <a:font script="Uigh" typeface="Microsoft Uighur"/>
+        <a:font script="Geor" typeface="Sylfaen"/>
+      </a:minorFont>
+    </a:fontScheme>
+    <a:fmtScheme name="Office">
+      <a:fillStyleLst>
+        <a:solidFill>
+          <a:schemeClr val="phClr"/>
+        </a:solidFill>
+        <a:gradFill rotWithShape="1">
+          <a:gsLst>
+            <a:gs pos="0">
+              <a:schemeClr val="phClr">
+                <a:lumMod val="110000"/>
+                <a:satMod val="105000"/>
+                <a:tint val="67000"/>
+              </a:schemeClr>
+            </a:gs>
+            <a:gs pos="50000">
+              <a:schemeClr val="phClr">
+                <a:lumMod val="105000"/>
+                <a:satMod val="103000"/>
+                <a:tint val="73000"/>
+              </a:schemeClr>
+            </a:gs>
+            <a:gs pos="100000">
+              <a:schemeClr val="phClr">
+                <a:lumMod val="105000"/>
+                <a:satMod val="109000"/>
+                <a:tint val="81000"/>
+              </a:schemeClr>
+            </a:gs>
+          </a:gsLst>
+          <a:lin ang="5400000" scaled="0"/>
+        </a:gradFill>
+        <a:gradFill rotWithShape="1">
+          <a:gsLst>
+            <a:gs pos="0">
+              <a:schemeClr val="phClr">
+                <a:satMod val="103000"/>
+                <a:lumMod val="102000"/>
+                <a:tint val="94000"/>
+              </a:schemeClr>
+            </a:gs>
+            <a:gs pos="50000">
+              <a:schemeClr val="phClr">
+                <a:satMod val="110000"/>
+                <a:lumMod val="100000"/>
+                <a:shade val="100000"/>
+              </a:schemeClr>
+            </a:gs>
+            <a:gs pos="100000">
+              <a:schemeClr val="phClr">
+                <a:lumMod val="99000"/>
+                <a:satMod val="120000"/>
+                <a:shade val="78000"/>
+              </a:schemeClr>
+            </a:gs>
+          </a:gsLst>
+          <a:lin ang="5400000" scaled="0"/>
+        </a:gradFill>
+      </a:fillStyleLst>
+      <a:lnStyleLst>
+        <a:ln w="6350" cap="flat" cmpd="sng" algn="ctr">
+          <a:solidFill>
+            <a:schemeClr val="phClr"/>
+          </a:solidFill>
+          <a:prstDash val="solid"/>
+          <a:miter lim="800000"/>
+        </a:ln>
+        <a:ln w="12700" cap="flat" cmpd="sng" algn="ctr">
+          <a:solidFill>
+            <a:schemeClr val="phClr"/>
+          </a:solidFill>
+          <a:prstDash val="solid"/>
+          <a:miter lim="800000"/>
+        </a:ln>
+        <a:ln w="19050" cap="flat" cmpd="sng" algn="ctr">
+          <a:solidFill>
+            <a:schemeClr val="phClr"/>
+          </a:solidFill>
+          <a:prstDash val="solid"/>
+          <a:miter lim="800000"/>
+        </a:ln>
+      </a:lnStyleLst>
+      <a:effectStyleLst>
+        <a:effectStyle>
+          <a:effectLst/>
+        </a:effectStyle>
+        <a:effectStyle>
+          <a:effectLst/>
+        </a:effectStyle>
+        <a:effectStyle>
+          <a:effectLst>
+            <a:outerShdw blurRad="57150" dist="19050" dir="5400000" algn="ctr" rotWithShape="0">
+              <a:srgbClr val="000000">
+                <a:alpha val="63000"/>
+              </a:srgbClr>
+            </a:outerShdw>
+          </a:effectLst>
+        </a:effectStyle>
+      </a:effectStyleLst>
+      <a:bgFillStyleLst>
+        <a:solidFill>
+          <a:schemeClr val="phClr"/>
+        </a:solidFill>
+        <a:solidFill>
+          <a:schemeClr val="phClr">
+            <a:tint val="95000"/>
+            <a:satMod val="170000"/>
+          </a:schemeClr>
+        </a:solidFill>
+        <a:gradFill rotWithShape="1">
+          <a:gsLst>
+            <a:gs pos="0">
+              <a:schemeClr val="phClr">
+                <a:tint val="93000"/>
+                <a:satMod val="150000"/>
+                <a:shade val="98000"/>
+                <a:lumMod val="102000"/>
+              </a:schemeClr>
+            </a:gs>
+            <a:gs pos="50000">
+              <a:schemeClr val="phClr">
+                <a:tint val="98000"/>
+                <a:satMod val="130000"/>
+                <a:shade val="90000"/>
+                <a:lumMod val="103000"/>
+              </a:schemeClr>
+            </a:gs>
+            <a:gs pos="100000">
+              <a:schemeClr val="phClr">
+                <a:shade val="63000"/>
+                <a:satMod val="120000"/>
+              </a:schemeClr>
+            </a:gs>
+          </a:gsLst>
+          <a:lin ang="5400000" scaled="0"/>
+        </a:gradFill>
+      </a:bgFillStyleLst>
+    </a:fmtScheme>
+  </a:themeElements>
   <a:extLst>
     <a:ext uri="{05A4C25C-085E-4340-85A3-A5531E510DB2}">
       <thm15:themeFamily xmlns:thm15="http://schemas.microsoft.com/office/thememl/2012/main" name="Office Theme" id="{62F939B6-93AF-4DB8-9C6B-D6C7DFDC589F}" vid="{4A3C46E8-61CC-4603-A589-7422A47A8E4A}"/>
